--- a/Woodworking project/Presentation for Woodwork competition.pptx
+++ b/Woodworking project/Presentation for Woodwork competition.pptx
@@ -9,6 +9,9 @@
   </p:notesMasterIdLst>
   <p:sldIdLst>
     <p:sldId id="256" r:id="rId6"/>
+    <p:sldId id="257" r:id="rId7"/>
+    <p:sldId id="258" r:id="rId8"/>
+    <p:sldId id="259" r:id="rId9"/>
   </p:sldIdLst>
   <p:sldSz cy="5143500" cx="9144000"/>
   <p:notesSz cx="6858000" cy="9144000"/>
@@ -741,6 +744,305 @@
       <p:sp>
         <p:nvSpPr>
           <p:cNvPr id="52" name="Google Shape;52;g2ee9c1f4df3_0_5:notes"/>
+          <p:cNvSpPr txBox="1"/>
+          <p:nvPr>
+            <p:ph idx="1" type="body"/>
+          </p:nvPr>
+        </p:nvSpPr>
+        <p:spPr>
+          <a:xfrm>
+            <a:off x="685800" y="4343400"/>
+            <a:ext cx="5486400" cy="4114800"/>
+          </a:xfrm>
+          <a:prstGeom prst="rect">
+            <a:avLst/>
+          </a:prstGeom>
+        </p:spPr>
+        <p:txBody>
+          <a:bodyPr anchorCtr="0" anchor="t" bIns="91425" lIns="91425" spcFirstLastPara="1" rIns="91425" wrap="square" tIns="91425">
+            <a:noAutofit/>
+          </a:bodyPr>
+          <a:lstStyle/>
+          <a:p>
+            <a:pPr indent="0" lvl="0" marL="0" rtl="0" algn="l">
+              <a:spcBef>
+                <a:spcPts val="0"/>
+              </a:spcBef>
+              <a:spcAft>
+                <a:spcPts val="0"/>
+              </a:spcAft>
+              <a:buNone/>
+            </a:pPr>
+            <a:r>
+              <a:rPr lang="en-GB"/>
+              <a:t>Draw details on glass joints.</a:t>
+            </a:r>
+            <a:endParaRPr/>
+          </a:p>
+        </p:txBody>
+      </p:sp>
+    </p:spTree>
+  </p:cSld>
+  <p:clrMapOvr>
+    <a:masterClrMapping/>
+  </p:clrMapOvr>
+</p:notes>
+</file>
+
+<file path=ppt/notesSlides/notesSlide2.xml><?xml version="1.0" encoding="utf-8"?>
+<p:notes xmlns:a="http://schemas.openxmlformats.org/drawingml/2006/main" xmlns:r="http://schemas.openxmlformats.org/officeDocument/2006/relationships" xmlns:mc="http://schemas.openxmlformats.org/markup-compatibility/2006" xmlns:mv="urn:schemas-microsoft-com:mac:vml" xmlns:p="http://schemas.openxmlformats.org/presentationml/2006/main" xmlns:c="http://schemas.openxmlformats.org/drawingml/2006/chart" xmlns:dgm="http://schemas.openxmlformats.org/drawingml/2006/diagram" xmlns:o="urn:schemas-microsoft-com:office:office" xmlns:v="urn:schemas-microsoft-com:vml" xmlns:pvml="urn:schemas-microsoft-com:office:powerpoint" xmlns:com="http://schemas.openxmlformats.org/drawingml/2006/compatibility" xmlns:p14="http://schemas.microsoft.com/office/powerpoint/2010/main" xmlns:p15="http://schemas.microsoft.com/office/powerpoint/2012/main" xmlns:ahyp="http://schemas.microsoft.com/office/drawing/2018/hyperlinkcolor" showMasterPhAnim="0" showMasterSp="0">
+  <p:cSld>
+    <p:spTree>
+      <p:nvGrpSpPr>
+        <p:cNvPr id="107" name="Shape 107"/>
+        <p:cNvGrpSpPr/>
+        <p:nvPr/>
+      </p:nvGrpSpPr>
+      <p:grpSpPr>
+        <a:xfrm>
+          <a:off x="0" y="0"/>
+          <a:ext cx="0" cy="0"/>
+          <a:chOff x="0" y="0"/>
+          <a:chExt cx="0" cy="0"/>
+        </a:xfrm>
+      </p:grpSpPr>
+      <p:sp>
+        <p:nvSpPr>
+          <p:cNvPr id="108" name="Google Shape;108;g2ee9c1f4df3_0_206:notes"/>
+          <p:cNvSpPr/>
+          <p:nvPr>
+            <p:ph idx="2" type="sldImg"/>
+          </p:nvPr>
+        </p:nvSpPr>
+        <p:spPr>
+          <a:xfrm>
+            <a:off x="381255" y="685800"/>
+            <a:ext cx="6096000" cy="3429000"/>
+          </a:xfrm>
+          <a:custGeom>
+            <a:rect b="b" l="l" r="r" t="t"/>
+            <a:pathLst>
+              <a:path extrusionOk="0" h="120000" w="120000">
+                <a:moveTo>
+                  <a:pt x="0" y="0"/>
+                </a:moveTo>
+                <a:lnTo>
+                  <a:pt x="120000" y="0"/>
+                </a:lnTo>
+                <a:lnTo>
+                  <a:pt x="120000" y="120000"/>
+                </a:lnTo>
+                <a:lnTo>
+                  <a:pt x="0" y="120000"/>
+                </a:lnTo>
+                <a:close/>
+              </a:path>
+            </a:pathLst>
+          </a:custGeom>
+        </p:spPr>
+      </p:sp>
+      <p:sp>
+        <p:nvSpPr>
+          <p:cNvPr id="109" name="Google Shape;109;g2ee9c1f4df3_0_206:notes"/>
+          <p:cNvSpPr txBox="1"/>
+          <p:nvPr>
+            <p:ph idx="1" type="body"/>
+          </p:nvPr>
+        </p:nvSpPr>
+        <p:spPr>
+          <a:xfrm>
+            <a:off x="685800" y="4343400"/>
+            <a:ext cx="5486400" cy="4114800"/>
+          </a:xfrm>
+          <a:prstGeom prst="rect">
+            <a:avLst/>
+          </a:prstGeom>
+        </p:spPr>
+        <p:txBody>
+          <a:bodyPr anchorCtr="0" anchor="t" bIns="91425" lIns="91425" spcFirstLastPara="1" rIns="91425" wrap="square" tIns="91425">
+            <a:noAutofit/>
+          </a:bodyPr>
+          <a:lstStyle/>
+          <a:p>
+            <a:pPr indent="0" lvl="0" marL="0" rtl="0" algn="l">
+              <a:spcBef>
+                <a:spcPts val="0"/>
+              </a:spcBef>
+              <a:spcAft>
+                <a:spcPts val="0"/>
+              </a:spcAft>
+              <a:buNone/>
+            </a:pPr>
+            <a:r>
+              <a:rPr lang="en-GB"/>
+              <a:t>Draw details on glass joints.</a:t>
+            </a:r>
+            <a:endParaRPr/>
+          </a:p>
+        </p:txBody>
+      </p:sp>
+    </p:spTree>
+  </p:cSld>
+  <p:clrMapOvr>
+    <a:masterClrMapping/>
+  </p:clrMapOvr>
+</p:notes>
+</file>
+
+<file path=ppt/notesSlides/notesSlide3.xml><?xml version="1.0" encoding="utf-8"?>
+<p:notes xmlns:a="http://schemas.openxmlformats.org/drawingml/2006/main" xmlns:r="http://schemas.openxmlformats.org/officeDocument/2006/relationships" xmlns:mc="http://schemas.openxmlformats.org/markup-compatibility/2006" xmlns:mv="urn:schemas-microsoft-com:mac:vml" xmlns:p="http://schemas.openxmlformats.org/presentationml/2006/main" xmlns:c="http://schemas.openxmlformats.org/drawingml/2006/chart" xmlns:dgm="http://schemas.openxmlformats.org/drawingml/2006/diagram" xmlns:o="urn:schemas-microsoft-com:office:office" xmlns:v="urn:schemas-microsoft-com:vml" xmlns:pvml="urn:schemas-microsoft-com:office:powerpoint" xmlns:com="http://schemas.openxmlformats.org/drawingml/2006/compatibility" xmlns:p14="http://schemas.microsoft.com/office/powerpoint/2010/main" xmlns:p15="http://schemas.microsoft.com/office/powerpoint/2012/main" xmlns:ahyp="http://schemas.microsoft.com/office/drawing/2018/hyperlinkcolor" showMasterPhAnim="0" showMasterSp="0">
+  <p:cSld>
+    <p:spTree>
+      <p:nvGrpSpPr>
+        <p:cNvPr id="138" name="Shape 138"/>
+        <p:cNvGrpSpPr/>
+        <p:nvPr/>
+      </p:nvGrpSpPr>
+      <p:grpSpPr>
+        <a:xfrm>
+          <a:off x="0" y="0"/>
+          <a:ext cx="0" cy="0"/>
+          <a:chOff x="0" y="0"/>
+          <a:chExt cx="0" cy="0"/>
+        </a:xfrm>
+      </p:grpSpPr>
+      <p:sp>
+        <p:nvSpPr>
+          <p:cNvPr id="139" name="Google Shape;139;g2ee9c1f4df3_0_281:notes"/>
+          <p:cNvSpPr/>
+          <p:nvPr>
+            <p:ph idx="2" type="sldImg"/>
+          </p:nvPr>
+        </p:nvSpPr>
+        <p:spPr>
+          <a:xfrm>
+            <a:off x="381255" y="685800"/>
+            <a:ext cx="6096000" cy="3429000"/>
+          </a:xfrm>
+          <a:custGeom>
+            <a:rect b="b" l="l" r="r" t="t"/>
+            <a:pathLst>
+              <a:path extrusionOk="0" h="120000" w="120000">
+                <a:moveTo>
+                  <a:pt x="0" y="0"/>
+                </a:moveTo>
+                <a:lnTo>
+                  <a:pt x="120000" y="0"/>
+                </a:lnTo>
+                <a:lnTo>
+                  <a:pt x="120000" y="120000"/>
+                </a:lnTo>
+                <a:lnTo>
+                  <a:pt x="0" y="120000"/>
+                </a:lnTo>
+                <a:close/>
+              </a:path>
+            </a:pathLst>
+          </a:custGeom>
+        </p:spPr>
+      </p:sp>
+      <p:sp>
+        <p:nvSpPr>
+          <p:cNvPr id="140" name="Google Shape;140;g2ee9c1f4df3_0_281:notes"/>
+          <p:cNvSpPr txBox="1"/>
+          <p:nvPr>
+            <p:ph idx="1" type="body"/>
+          </p:nvPr>
+        </p:nvSpPr>
+        <p:spPr>
+          <a:xfrm>
+            <a:off x="685800" y="4343400"/>
+            <a:ext cx="5486400" cy="4114800"/>
+          </a:xfrm>
+          <a:prstGeom prst="rect">
+            <a:avLst/>
+          </a:prstGeom>
+        </p:spPr>
+        <p:txBody>
+          <a:bodyPr anchorCtr="0" anchor="t" bIns="91425" lIns="91425" spcFirstLastPara="1" rIns="91425" wrap="square" tIns="91425">
+            <a:noAutofit/>
+          </a:bodyPr>
+          <a:lstStyle/>
+          <a:p>
+            <a:pPr indent="0" lvl="0" marL="0" rtl="0" algn="l">
+              <a:spcBef>
+                <a:spcPts val="0"/>
+              </a:spcBef>
+              <a:spcAft>
+                <a:spcPts val="0"/>
+              </a:spcAft>
+              <a:buNone/>
+            </a:pPr>
+            <a:r>
+              <a:t/>
+            </a:r>
+            <a:endParaRPr/>
+          </a:p>
+        </p:txBody>
+      </p:sp>
+    </p:spTree>
+  </p:cSld>
+  <p:clrMapOvr>
+    <a:masterClrMapping/>
+  </p:clrMapOvr>
+</p:notes>
+</file>
+
+<file path=ppt/notesSlides/notesSlide4.xml><?xml version="1.0" encoding="utf-8"?>
+<p:notes xmlns:a="http://schemas.openxmlformats.org/drawingml/2006/main" xmlns:r="http://schemas.openxmlformats.org/officeDocument/2006/relationships" xmlns:mc="http://schemas.openxmlformats.org/markup-compatibility/2006" xmlns:mv="urn:schemas-microsoft-com:mac:vml" xmlns:p="http://schemas.openxmlformats.org/presentationml/2006/main" xmlns:c="http://schemas.openxmlformats.org/drawingml/2006/chart" xmlns:dgm="http://schemas.openxmlformats.org/drawingml/2006/diagram" xmlns:o="urn:schemas-microsoft-com:office:office" xmlns:v="urn:schemas-microsoft-com:vml" xmlns:pvml="urn:schemas-microsoft-com:office:powerpoint" xmlns:com="http://schemas.openxmlformats.org/drawingml/2006/compatibility" xmlns:p14="http://schemas.microsoft.com/office/powerpoint/2010/main" xmlns:p15="http://schemas.microsoft.com/office/powerpoint/2012/main" xmlns:ahyp="http://schemas.microsoft.com/office/drawing/2018/hyperlinkcolor" showMasterPhAnim="0" showMasterSp="0">
+  <p:cSld>
+    <p:spTree>
+      <p:nvGrpSpPr>
+        <p:cNvPr id="194" name="Shape 194"/>
+        <p:cNvGrpSpPr/>
+        <p:nvPr/>
+      </p:nvGrpSpPr>
+      <p:grpSpPr>
+        <a:xfrm>
+          <a:off x="0" y="0"/>
+          <a:ext cx="0" cy="0"/>
+          <a:chOff x="0" y="0"/>
+          <a:chExt cx="0" cy="0"/>
+        </a:xfrm>
+      </p:grpSpPr>
+      <p:sp>
+        <p:nvSpPr>
+          <p:cNvPr id="195" name="Google Shape;195;g2ee9c1f4df3_0_381:notes"/>
+          <p:cNvSpPr/>
+          <p:nvPr>
+            <p:ph idx="2" type="sldImg"/>
+          </p:nvPr>
+        </p:nvSpPr>
+        <p:spPr>
+          <a:xfrm>
+            <a:off x="381255" y="685800"/>
+            <a:ext cx="6096000" cy="3429000"/>
+          </a:xfrm>
+          <a:custGeom>
+            <a:rect b="b" l="l" r="r" t="t"/>
+            <a:pathLst>
+              <a:path extrusionOk="0" h="120000" w="120000">
+                <a:moveTo>
+                  <a:pt x="0" y="0"/>
+                </a:moveTo>
+                <a:lnTo>
+                  <a:pt x="120000" y="0"/>
+                </a:lnTo>
+                <a:lnTo>
+                  <a:pt x="120000" y="120000"/>
+                </a:lnTo>
+                <a:lnTo>
+                  <a:pt x="0" y="120000"/>
+                </a:lnTo>
+                <a:close/>
+              </a:path>
+            </a:pathLst>
+          </a:custGeom>
+        </p:spPr>
+      </p:sp>
+      <p:sp>
+        <p:nvSpPr>
+          <p:cNvPr id="196" name="Google Shape;196;g2ee9c1f4df3_0_381:notes"/>
           <p:cNvSpPr txBox="1"/>
           <p:nvPr>
             <p:ph idx="1" type="body"/>
@@ -7217,7 +7519,5059 @@
 </p:sld>
 </file>
 
+<file path=ppt/slides/slide2.xml><?xml version="1.0" encoding="utf-8"?>
+<p:sld xmlns:a="http://schemas.openxmlformats.org/drawingml/2006/main" xmlns:r="http://schemas.openxmlformats.org/officeDocument/2006/relationships" xmlns:mc="http://schemas.openxmlformats.org/markup-compatibility/2006" xmlns:mv="urn:schemas-microsoft-com:mac:vml" xmlns:p="http://schemas.openxmlformats.org/presentationml/2006/main" xmlns:c="http://schemas.openxmlformats.org/drawingml/2006/chart" xmlns:dgm="http://schemas.openxmlformats.org/drawingml/2006/diagram" xmlns:o="urn:schemas-microsoft-com:office:office" xmlns:v="urn:schemas-microsoft-com:vml" xmlns:pvml="urn:schemas-microsoft-com:office:powerpoint" xmlns:com="http://schemas.openxmlformats.org/drawingml/2006/compatibility" xmlns:p14="http://schemas.microsoft.com/office/powerpoint/2010/main" xmlns:p15="http://schemas.microsoft.com/office/powerpoint/2012/main" xmlns:ahyp="http://schemas.microsoft.com/office/drawing/2018/hyperlinkcolor">
+  <p:cSld>
+    <p:spTree>
+      <p:nvGrpSpPr>
+        <p:cNvPr id="110" name="Shape 110"/>
+        <p:cNvGrpSpPr/>
+        <p:nvPr/>
+      </p:nvGrpSpPr>
+      <p:grpSpPr>
+        <a:xfrm>
+          <a:off x="0" y="0"/>
+          <a:ext cx="0" cy="0"/>
+          <a:chOff x="0" y="0"/>
+          <a:chExt cx="0" cy="0"/>
+        </a:xfrm>
+      </p:grpSpPr>
+      <p:pic>
+        <p:nvPicPr>
+          <p:cNvPr id="111" name="Google Shape;111;p14"/>
+          <p:cNvPicPr preferRelativeResize="0"/>
+          <p:nvPr/>
+        </p:nvPicPr>
+        <p:blipFill rotWithShape="1">
+          <a:blip r:embed="rId3">
+            <a:alphaModFix/>
+          </a:blip>
+          <a:srcRect b="67455" l="17577" r="52415" t="0"/>
+          <a:stretch/>
+        </p:blipFill>
+        <p:spPr>
+          <a:xfrm>
+            <a:off x="352788" y="476773"/>
+            <a:ext cx="2828154" cy="1724374"/>
+          </a:xfrm>
+          <a:prstGeom prst="rect">
+            <a:avLst/>
+          </a:prstGeom>
+          <a:noFill/>
+          <a:ln>
+            <a:noFill/>
+          </a:ln>
+        </p:spPr>
+      </p:pic>
+      <p:pic>
+        <p:nvPicPr>
+          <p:cNvPr id="112" name="Google Shape;112;p14"/>
+          <p:cNvPicPr preferRelativeResize="0"/>
+          <p:nvPr/>
+        </p:nvPicPr>
+        <p:blipFill rotWithShape="1">
+          <a:blip r:embed="rId4">
+            <a:alphaModFix/>
+          </a:blip>
+          <a:srcRect b="53967" l="4964" r="71978" t="15910"/>
+          <a:stretch/>
+        </p:blipFill>
+        <p:spPr>
+          <a:xfrm>
+            <a:off x="5989955" y="31702"/>
+            <a:ext cx="2407165" cy="1767826"/>
+          </a:xfrm>
+          <a:prstGeom prst="rect">
+            <a:avLst/>
+          </a:prstGeom>
+          <a:noFill/>
+          <a:ln>
+            <a:noFill/>
+          </a:ln>
+        </p:spPr>
+      </p:pic>
+      <p:pic>
+        <p:nvPicPr>
+          <p:cNvPr id="113" name="Google Shape;113;p14"/>
+          <p:cNvPicPr preferRelativeResize="0"/>
+          <p:nvPr/>
+        </p:nvPicPr>
+        <p:blipFill rotWithShape="1">
+          <a:blip r:embed="rId5">
+            <a:alphaModFix/>
+          </a:blip>
+          <a:srcRect b="59613" l="64369" r="12766" t="11915"/>
+          <a:stretch/>
+        </p:blipFill>
+        <p:spPr>
+          <a:xfrm>
+            <a:off x="306697" y="3528820"/>
+            <a:ext cx="2090994" cy="1463794"/>
+          </a:xfrm>
+          <a:prstGeom prst="rect">
+            <a:avLst/>
+          </a:prstGeom>
+          <a:noFill/>
+          <a:ln>
+            <a:noFill/>
+          </a:ln>
+        </p:spPr>
+      </p:pic>
+      <p:sp>
+        <p:nvSpPr>
+          <p:cNvPr id="114" name="Google Shape;114;p14"/>
+          <p:cNvSpPr txBox="1"/>
+          <p:nvPr/>
+        </p:nvSpPr>
+        <p:spPr>
+          <a:xfrm>
+            <a:off x="282182" y="174829"/>
+            <a:ext cx="4051200" cy="411900"/>
+          </a:xfrm>
+          <a:prstGeom prst="rect">
+            <a:avLst/>
+          </a:prstGeom>
+          <a:noFill/>
+          <a:ln>
+            <a:noFill/>
+          </a:ln>
+        </p:spPr>
+        <p:txBody>
+          <a:bodyPr anchorCtr="0" anchor="t" bIns="51525" lIns="51525" spcFirstLastPara="1" rIns="51525" wrap="square" tIns="51525">
+            <a:spAutoFit/>
+          </a:bodyPr>
+          <a:lstStyle/>
+          <a:p>
+            <a:pPr indent="0" lvl="0" marL="0" rtl="0" algn="l">
+              <a:spcBef>
+                <a:spcPts val="0"/>
+              </a:spcBef>
+              <a:spcAft>
+                <a:spcPts val="0"/>
+              </a:spcAft>
+              <a:buNone/>
+            </a:pPr>
+            <a:r>
+              <a:rPr lang="en-GB" sz="2000" u="sng"/>
+              <a:t>Design 1 – Development</a:t>
+            </a:r>
+            <a:endParaRPr sz="1200"/>
+          </a:p>
+        </p:txBody>
+      </p:sp>
+      <p:sp>
+        <p:nvSpPr>
+          <p:cNvPr id="115" name="Google Shape;115;p14"/>
+          <p:cNvSpPr txBox="1"/>
+          <p:nvPr>
+            <p:ph idx="12" type="sldNum"/>
+          </p:nvPr>
+        </p:nvSpPr>
+        <p:spPr>
+          <a:xfrm>
+            <a:off x="5123820" y="2243290"/>
+            <a:ext cx="331800" cy="189300"/>
+          </a:xfrm>
+          <a:prstGeom prst="rect">
+            <a:avLst/>
+          </a:prstGeom>
+        </p:spPr>
+        <p:txBody>
+          <a:bodyPr anchorCtr="0" anchor="ctr" bIns="91425" lIns="91425" spcFirstLastPara="1" rIns="91425" wrap="square" tIns="91425">
+            <a:normAutofit fontScale="25000" lnSpcReduction="20000"/>
+          </a:bodyPr>
+          <a:lstStyle/>
+          <a:p>
+            <a:pPr indent="0" lvl="0" marL="0" rtl="0" algn="r">
+              <a:spcBef>
+                <a:spcPts val="0"/>
+              </a:spcBef>
+              <a:spcAft>
+                <a:spcPts val="0"/>
+              </a:spcAft>
+              <a:buNone/>
+            </a:pPr>
+            <a:fld id="{00000000-1234-1234-1234-123412341234}" type="slidenum">
+              <a:rPr lang="en-GB"/>
+              <a:t>‹#›</a:t>
+            </a:fld>
+            <a:endParaRPr/>
+          </a:p>
+        </p:txBody>
+      </p:sp>
+      <p:cxnSp>
+        <p:nvCxnSpPr>
+          <p:cNvPr id="116" name="Google Shape;116;p14"/>
+          <p:cNvCxnSpPr/>
+          <p:nvPr/>
+        </p:nvCxnSpPr>
+        <p:spPr>
+          <a:xfrm>
+            <a:off x="3118440" y="1497878"/>
+            <a:ext cx="0" cy="363900"/>
+          </a:xfrm>
+          <a:prstGeom prst="straightConnector1">
+            <a:avLst/>
+          </a:prstGeom>
+          <a:noFill/>
+          <a:ln cap="flat" cmpd="sng" w="28575">
+            <a:solidFill>
+              <a:schemeClr val="dk2"/>
+            </a:solidFill>
+            <a:prstDash val="solid"/>
+            <a:round/>
+            <a:headEnd len="med" w="med" type="stealth"/>
+            <a:tailEnd len="med" w="med" type="stealth"/>
+          </a:ln>
+        </p:spPr>
+      </p:cxnSp>
+      <p:pic>
+        <p:nvPicPr>
+          <p:cNvPr id="117" name="Google Shape;117;p14"/>
+          <p:cNvPicPr preferRelativeResize="0"/>
+          <p:nvPr/>
+        </p:nvPicPr>
+        <p:blipFill>
+          <a:blip r:embed="rId6">
+            <a:alphaModFix/>
+          </a:blip>
+          <a:stretch>
+            <a:fillRect/>
+          </a:stretch>
+        </p:blipFill>
+        <p:spPr>
+          <a:xfrm>
+            <a:off x="3720148" y="142935"/>
+            <a:ext cx="1577916" cy="1380670"/>
+          </a:xfrm>
+          <a:prstGeom prst="rect">
+            <a:avLst/>
+          </a:prstGeom>
+          <a:noFill/>
+          <a:ln>
+            <a:noFill/>
+          </a:ln>
+        </p:spPr>
+      </p:pic>
+      <p:sp>
+        <p:nvSpPr>
+          <p:cNvPr id="118" name="Google Shape;118;p14"/>
+          <p:cNvSpPr txBox="1"/>
+          <p:nvPr/>
+        </p:nvSpPr>
+        <p:spPr>
+          <a:xfrm>
+            <a:off x="418450" y="2092277"/>
+            <a:ext cx="2630400" cy="1581900"/>
+          </a:xfrm>
+          <a:prstGeom prst="rect">
+            <a:avLst/>
+          </a:prstGeom>
+          <a:noFill/>
+          <a:ln>
+            <a:noFill/>
+          </a:ln>
+        </p:spPr>
+        <p:txBody>
+          <a:bodyPr anchorCtr="0" anchor="t" bIns="51525" lIns="51525" spcFirstLastPara="1" rIns="51525" wrap="square" tIns="51525">
+            <a:spAutoFit/>
+          </a:bodyPr>
+          <a:lstStyle/>
+          <a:p>
+            <a:pPr indent="0" lvl="0" marL="0" rtl="0" algn="l">
+              <a:spcBef>
+                <a:spcPts val="0"/>
+              </a:spcBef>
+              <a:spcAft>
+                <a:spcPts val="0"/>
+              </a:spcAft>
+              <a:buNone/>
+            </a:pPr>
+            <a:r>
+              <a:rPr lang="en-GB" sz="800"/>
+              <a:t>For the height of this design, based on my research, which shows that eye level:height ratio is 1.04:1. Which if this display case were to be designed for world mean height of 167 cm, with an eye level of 160 cm. Further since humans tends to view things best from an angle between head tilt of 18-24 degree. Assuming that the person is standing 1 feet away, the displaying artifact needs to be at a height of 146 cm -  151 cm. Thus, in this design phase, I will assume that the height of the artifact displaying needs to be 145 cm from ground, from here I will use my drawing to estimate the dimensions of this design.</a:t>
+            </a:r>
+            <a:endParaRPr sz="800"/>
+          </a:p>
+        </p:txBody>
+      </p:sp>
+      <p:sp>
+        <p:nvSpPr>
+          <p:cNvPr id="119" name="Google Shape;119;p14"/>
+          <p:cNvSpPr txBox="1"/>
+          <p:nvPr/>
+        </p:nvSpPr>
+        <p:spPr>
+          <a:xfrm>
+            <a:off x="3204074" y="1590964"/>
+            <a:ext cx="589800" cy="211800"/>
+          </a:xfrm>
+          <a:prstGeom prst="rect">
+            <a:avLst/>
+          </a:prstGeom>
+          <a:noFill/>
+          <a:ln>
+            <a:noFill/>
+          </a:ln>
+        </p:spPr>
+        <p:txBody>
+          <a:bodyPr anchorCtr="0" anchor="t" bIns="51525" lIns="51525" spcFirstLastPara="1" rIns="51525" wrap="square" tIns="51525">
+            <a:spAutoFit/>
+          </a:bodyPr>
+          <a:lstStyle/>
+          <a:p>
+            <a:pPr indent="0" lvl="0" marL="0" rtl="0" algn="l">
+              <a:spcBef>
+                <a:spcPts val="0"/>
+              </a:spcBef>
+              <a:spcAft>
+                <a:spcPts val="0"/>
+              </a:spcAft>
+              <a:buNone/>
+            </a:pPr>
+            <a:r>
+              <a:rPr lang="en-GB" sz="700"/>
+              <a:t>145 cm</a:t>
+            </a:r>
+            <a:endParaRPr sz="700"/>
+          </a:p>
+        </p:txBody>
+      </p:sp>
+      <p:sp>
+        <p:nvSpPr>
+          <p:cNvPr id="120" name="Google Shape;120;p14"/>
+          <p:cNvSpPr txBox="1"/>
+          <p:nvPr/>
+        </p:nvSpPr>
+        <p:spPr>
+          <a:xfrm>
+            <a:off x="5989955" y="1942703"/>
+            <a:ext cx="2630400" cy="966000"/>
+          </a:xfrm>
+          <a:prstGeom prst="rect">
+            <a:avLst/>
+          </a:prstGeom>
+          <a:noFill/>
+          <a:ln>
+            <a:noFill/>
+          </a:ln>
+        </p:spPr>
+        <p:txBody>
+          <a:bodyPr anchorCtr="0" anchor="t" bIns="51525" lIns="51525" spcFirstLastPara="1" rIns="51525" wrap="square" tIns="51525">
+            <a:spAutoFit/>
+          </a:bodyPr>
+          <a:lstStyle/>
+          <a:p>
+            <a:pPr indent="0" lvl="0" marL="0" rtl="0" algn="l">
+              <a:spcBef>
+                <a:spcPts val="0"/>
+              </a:spcBef>
+              <a:spcAft>
+                <a:spcPts val="0"/>
+              </a:spcAft>
+              <a:buNone/>
+            </a:pPr>
+            <a:r>
+              <a:rPr lang="en-GB" sz="800"/>
+              <a:t>Since the displaying artifact needs to be at a height of 145 cm from ground, from here using the scales of this sketch, I have worked out what the dimensions of this design would approximately be.</a:t>
+            </a:r>
+            <a:endParaRPr sz="800"/>
+          </a:p>
+          <a:p>
+            <a:pPr indent="0" lvl="0" marL="0" rtl="0" algn="l">
+              <a:spcBef>
+                <a:spcPts val="0"/>
+              </a:spcBef>
+              <a:spcAft>
+                <a:spcPts val="0"/>
+              </a:spcAft>
+              <a:buNone/>
+            </a:pPr>
+            <a:r>
+              <a:t/>
+            </a:r>
+            <a:endParaRPr sz="800"/>
+          </a:p>
+          <a:p>
+            <a:pPr indent="0" lvl="0" marL="0" rtl="0" algn="l">
+              <a:spcBef>
+                <a:spcPts val="0"/>
+              </a:spcBef>
+              <a:spcAft>
+                <a:spcPts val="0"/>
+              </a:spcAft>
+              <a:buNone/>
+            </a:pPr>
+            <a:r>
+              <a:rPr lang="en-GB" sz="800"/>
+              <a:t>Which, from the estimation above, the case will likely have a dimension of 5m X 2.5m X 2.65m.</a:t>
+            </a:r>
+            <a:endParaRPr sz="800"/>
+          </a:p>
+        </p:txBody>
+      </p:sp>
+      <p:cxnSp>
+        <p:nvCxnSpPr>
+          <p:cNvPr id="121" name="Google Shape;121;p14"/>
+          <p:cNvCxnSpPr/>
+          <p:nvPr/>
+        </p:nvCxnSpPr>
+        <p:spPr>
+          <a:xfrm>
+            <a:off x="8397119" y="1073896"/>
+            <a:ext cx="0" cy="363900"/>
+          </a:xfrm>
+          <a:prstGeom prst="straightConnector1">
+            <a:avLst/>
+          </a:prstGeom>
+          <a:noFill/>
+          <a:ln cap="flat" cmpd="sng" w="28575">
+            <a:solidFill>
+              <a:schemeClr val="dk2"/>
+            </a:solidFill>
+            <a:prstDash val="solid"/>
+            <a:round/>
+            <a:headEnd len="med" w="med" type="stealth"/>
+            <a:tailEnd len="med" w="med" type="stealth"/>
+          </a:ln>
+        </p:spPr>
+      </p:cxnSp>
+      <p:sp>
+        <p:nvSpPr>
+          <p:cNvPr id="122" name="Google Shape;122;p14"/>
+          <p:cNvSpPr txBox="1"/>
+          <p:nvPr/>
+        </p:nvSpPr>
+        <p:spPr>
+          <a:xfrm>
+            <a:off x="8482753" y="1166981"/>
+            <a:ext cx="589800" cy="211800"/>
+          </a:xfrm>
+          <a:prstGeom prst="rect">
+            <a:avLst/>
+          </a:prstGeom>
+          <a:noFill/>
+          <a:ln>
+            <a:noFill/>
+          </a:ln>
+        </p:spPr>
+        <p:txBody>
+          <a:bodyPr anchorCtr="0" anchor="t" bIns="51525" lIns="51525" spcFirstLastPara="1" rIns="51525" wrap="square" tIns="51525">
+            <a:spAutoFit/>
+          </a:bodyPr>
+          <a:lstStyle/>
+          <a:p>
+            <a:pPr indent="0" lvl="0" marL="0" rtl="0" algn="l">
+              <a:spcBef>
+                <a:spcPts val="0"/>
+              </a:spcBef>
+              <a:spcAft>
+                <a:spcPts val="0"/>
+              </a:spcAft>
+              <a:buNone/>
+            </a:pPr>
+            <a:r>
+              <a:rPr lang="en-GB" sz="700"/>
+              <a:t>145 cm</a:t>
+            </a:r>
+            <a:endParaRPr sz="700"/>
+          </a:p>
+        </p:txBody>
+      </p:sp>
+      <p:cxnSp>
+        <p:nvCxnSpPr>
+          <p:cNvPr id="123" name="Google Shape;123;p14"/>
+          <p:cNvCxnSpPr/>
+          <p:nvPr/>
+        </p:nvCxnSpPr>
+        <p:spPr>
+          <a:xfrm>
+            <a:off x="5989955" y="1054906"/>
+            <a:ext cx="1458600" cy="730800"/>
+          </a:xfrm>
+          <a:prstGeom prst="straightConnector1">
+            <a:avLst/>
+          </a:prstGeom>
+          <a:noFill/>
+          <a:ln cap="flat" cmpd="sng" w="28575">
+            <a:solidFill>
+              <a:schemeClr val="dk2"/>
+            </a:solidFill>
+            <a:prstDash val="solid"/>
+            <a:round/>
+            <a:headEnd len="med" w="med" type="stealth"/>
+            <a:tailEnd len="med" w="med" type="stealth"/>
+          </a:ln>
+        </p:spPr>
+      </p:cxnSp>
+      <p:sp>
+        <p:nvSpPr>
+          <p:cNvPr id="124" name="Google Shape;124;p14"/>
+          <p:cNvSpPr txBox="1"/>
+          <p:nvPr/>
+        </p:nvSpPr>
+        <p:spPr>
+          <a:xfrm>
+            <a:off x="6340581" y="1437722"/>
+            <a:ext cx="589800" cy="211800"/>
+          </a:xfrm>
+          <a:prstGeom prst="rect">
+            <a:avLst/>
+          </a:prstGeom>
+          <a:noFill/>
+          <a:ln>
+            <a:noFill/>
+          </a:ln>
+        </p:spPr>
+        <p:txBody>
+          <a:bodyPr anchorCtr="0" anchor="t" bIns="51525" lIns="51525" spcFirstLastPara="1" rIns="51525" wrap="square" tIns="51525">
+            <a:spAutoFit/>
+          </a:bodyPr>
+          <a:lstStyle/>
+          <a:p>
+            <a:pPr indent="0" lvl="0" marL="0" rtl="0" algn="l">
+              <a:spcBef>
+                <a:spcPts val="0"/>
+              </a:spcBef>
+              <a:spcAft>
+                <a:spcPts val="0"/>
+              </a:spcAft>
+              <a:buNone/>
+            </a:pPr>
+            <a:r>
+              <a:rPr lang="en-GB" sz="700"/>
+              <a:t>500 cm</a:t>
+            </a:r>
+            <a:endParaRPr sz="700"/>
+          </a:p>
+        </p:txBody>
+      </p:sp>
+      <p:cxnSp>
+        <p:nvCxnSpPr>
+          <p:cNvPr id="125" name="Google Shape;125;p14"/>
+          <p:cNvCxnSpPr/>
+          <p:nvPr/>
+        </p:nvCxnSpPr>
+        <p:spPr>
+          <a:xfrm>
+            <a:off x="8187463" y="629498"/>
+            <a:ext cx="0" cy="363900"/>
+          </a:xfrm>
+          <a:prstGeom prst="straightConnector1">
+            <a:avLst/>
+          </a:prstGeom>
+          <a:noFill/>
+          <a:ln cap="flat" cmpd="sng" w="28575">
+            <a:solidFill>
+              <a:schemeClr val="dk2"/>
+            </a:solidFill>
+            <a:prstDash val="solid"/>
+            <a:round/>
+            <a:headEnd len="med" w="med" type="stealth"/>
+            <a:tailEnd len="med" w="med" type="stealth"/>
+          </a:ln>
+        </p:spPr>
+      </p:cxnSp>
+      <p:sp>
+        <p:nvSpPr>
+          <p:cNvPr id="126" name="Google Shape;126;p14"/>
+          <p:cNvSpPr txBox="1"/>
+          <p:nvPr/>
+        </p:nvSpPr>
+        <p:spPr>
+          <a:xfrm>
+            <a:off x="8273098" y="722583"/>
+            <a:ext cx="589800" cy="211800"/>
+          </a:xfrm>
+          <a:prstGeom prst="rect">
+            <a:avLst/>
+          </a:prstGeom>
+          <a:noFill/>
+          <a:ln>
+            <a:noFill/>
+          </a:ln>
+        </p:spPr>
+        <p:txBody>
+          <a:bodyPr anchorCtr="0" anchor="t" bIns="51525" lIns="51525" spcFirstLastPara="1" rIns="51525" wrap="square" tIns="51525">
+            <a:spAutoFit/>
+          </a:bodyPr>
+          <a:lstStyle/>
+          <a:p>
+            <a:pPr indent="0" lvl="0" marL="0" rtl="0" algn="l">
+              <a:spcBef>
+                <a:spcPts val="0"/>
+              </a:spcBef>
+              <a:spcAft>
+                <a:spcPts val="0"/>
+              </a:spcAft>
+              <a:buNone/>
+            </a:pPr>
+            <a:r>
+              <a:rPr lang="en-GB" sz="700"/>
+              <a:t>120 cm</a:t>
+            </a:r>
+            <a:endParaRPr sz="700"/>
+          </a:p>
+        </p:txBody>
+      </p:sp>
+      <p:cxnSp>
+        <p:nvCxnSpPr>
+          <p:cNvPr id="127" name="Google Shape;127;p14"/>
+          <p:cNvCxnSpPr/>
+          <p:nvPr/>
+        </p:nvCxnSpPr>
+        <p:spPr>
+          <a:xfrm flipH="1">
+            <a:off x="7705403" y="1476086"/>
+            <a:ext cx="694800" cy="303000"/>
+          </a:xfrm>
+          <a:prstGeom prst="straightConnector1">
+            <a:avLst/>
+          </a:prstGeom>
+          <a:noFill/>
+          <a:ln cap="flat" cmpd="sng" w="28575">
+            <a:solidFill>
+              <a:schemeClr val="dk2"/>
+            </a:solidFill>
+            <a:prstDash val="solid"/>
+            <a:round/>
+            <a:headEnd len="med" w="med" type="stealth"/>
+            <a:tailEnd len="med" w="med" type="stealth"/>
+          </a:ln>
+        </p:spPr>
+      </p:cxnSp>
+      <p:sp>
+        <p:nvSpPr>
+          <p:cNvPr id="128" name="Google Shape;128;p14"/>
+          <p:cNvSpPr txBox="1"/>
+          <p:nvPr/>
+        </p:nvSpPr>
+        <p:spPr>
+          <a:xfrm>
+            <a:off x="8102207" y="1655071"/>
+            <a:ext cx="589800" cy="211800"/>
+          </a:xfrm>
+          <a:prstGeom prst="rect">
+            <a:avLst/>
+          </a:prstGeom>
+          <a:noFill/>
+          <a:ln>
+            <a:noFill/>
+          </a:ln>
+        </p:spPr>
+        <p:txBody>
+          <a:bodyPr anchorCtr="0" anchor="t" bIns="51525" lIns="51525" spcFirstLastPara="1" rIns="51525" wrap="square" tIns="51525">
+            <a:spAutoFit/>
+          </a:bodyPr>
+          <a:lstStyle/>
+          <a:p>
+            <a:pPr indent="0" lvl="0" marL="0" rtl="0" algn="l">
+              <a:spcBef>
+                <a:spcPts val="0"/>
+              </a:spcBef>
+              <a:spcAft>
+                <a:spcPts val="0"/>
+              </a:spcAft>
+              <a:buNone/>
+            </a:pPr>
+            <a:r>
+              <a:rPr lang="en-GB" sz="700"/>
+              <a:t>250 cm </a:t>
+            </a:r>
+            <a:endParaRPr sz="700"/>
+          </a:p>
+        </p:txBody>
+      </p:sp>
+      <p:pic>
+        <p:nvPicPr>
+          <p:cNvPr id="129" name="Google Shape;129;p14"/>
+          <p:cNvPicPr preferRelativeResize="0"/>
+          <p:nvPr/>
+        </p:nvPicPr>
+        <p:blipFill rotWithShape="1">
+          <a:blip r:embed="rId7">
+            <a:alphaModFix/>
+          </a:blip>
+          <a:srcRect b="0" l="0" r="22702" t="7723"/>
+          <a:stretch/>
+        </p:blipFill>
+        <p:spPr>
+          <a:xfrm>
+            <a:off x="3677398" y="1814855"/>
+            <a:ext cx="2069163" cy="1209718"/>
+          </a:xfrm>
+          <a:prstGeom prst="rect">
+            <a:avLst/>
+          </a:prstGeom>
+          <a:noFill/>
+          <a:ln>
+            <a:noFill/>
+          </a:ln>
+        </p:spPr>
+      </p:pic>
+      <p:sp>
+        <p:nvSpPr>
+          <p:cNvPr id="130" name="Google Shape;130;p14"/>
+          <p:cNvSpPr txBox="1"/>
+          <p:nvPr/>
+        </p:nvSpPr>
+        <p:spPr>
+          <a:xfrm>
+            <a:off x="2474096" y="3743481"/>
+            <a:ext cx="2630400" cy="1335600"/>
+          </a:xfrm>
+          <a:prstGeom prst="rect">
+            <a:avLst/>
+          </a:prstGeom>
+          <a:noFill/>
+          <a:ln>
+            <a:noFill/>
+          </a:ln>
+        </p:spPr>
+        <p:txBody>
+          <a:bodyPr anchorCtr="0" anchor="t" bIns="51525" lIns="51525" spcFirstLastPara="1" rIns="51525" wrap="square" tIns="51525">
+            <a:spAutoFit/>
+          </a:bodyPr>
+          <a:lstStyle/>
+          <a:p>
+            <a:pPr indent="0" lvl="0" marL="0" rtl="0" algn="l">
+              <a:spcBef>
+                <a:spcPts val="0"/>
+              </a:spcBef>
+              <a:spcAft>
+                <a:spcPts val="0"/>
+              </a:spcAft>
+              <a:buNone/>
+            </a:pPr>
+            <a:r>
+              <a:rPr lang="en-GB" sz="800"/>
+              <a:t>Overall, from the approximation drawings on this page’s top right, this means that the 5 respective pieces of glass/acrylic panes used will have a dimension of (assuming that the glass panes are 10 cm away from each respective edge):</a:t>
+            </a:r>
+            <a:endParaRPr sz="800"/>
+          </a:p>
+          <a:p>
+            <a:pPr indent="-177800" lvl="0" marL="254000" rtl="0" algn="l">
+              <a:spcBef>
+                <a:spcPts val="0"/>
+              </a:spcBef>
+              <a:spcAft>
+                <a:spcPts val="0"/>
+              </a:spcAft>
+              <a:buSzPts val="800"/>
+              <a:buChar char="●"/>
+            </a:pPr>
+            <a:r>
+              <a:rPr lang="en-GB" sz="800"/>
+              <a:t>480 cm X 120 cm (2x middle piece) </a:t>
+            </a:r>
+            <a:endParaRPr sz="800"/>
+          </a:p>
+          <a:p>
+            <a:pPr indent="-177800" lvl="0" marL="254000" rtl="0" algn="l">
+              <a:spcBef>
+                <a:spcPts val="0"/>
+              </a:spcBef>
+              <a:spcAft>
+                <a:spcPts val="0"/>
+              </a:spcAft>
+              <a:buSzPts val="800"/>
+              <a:buChar char="●"/>
+            </a:pPr>
+            <a:r>
+              <a:rPr lang="en-GB" sz="800"/>
+              <a:t>230 cm X 120 cm (2x middle piece)</a:t>
+            </a:r>
+            <a:endParaRPr sz="800"/>
+          </a:p>
+          <a:p>
+            <a:pPr indent="-177800" lvl="0" marL="254000" rtl="0" algn="l">
+              <a:spcBef>
+                <a:spcPts val="0"/>
+              </a:spcBef>
+              <a:spcAft>
+                <a:spcPts val="0"/>
+              </a:spcAft>
+              <a:buSzPts val="800"/>
+              <a:buChar char="●"/>
+            </a:pPr>
+            <a:r>
+              <a:rPr lang="en-GB" sz="800"/>
+              <a:t>480 cm X 230 cm (1x top piece)</a:t>
+            </a:r>
+            <a:endParaRPr sz="800"/>
+          </a:p>
+          <a:p>
+            <a:pPr indent="0" lvl="0" marL="0" rtl="0" algn="l">
+              <a:spcBef>
+                <a:spcPts val="0"/>
+              </a:spcBef>
+              <a:spcAft>
+                <a:spcPts val="0"/>
+              </a:spcAft>
+              <a:buNone/>
+            </a:pPr>
+            <a:r>
+              <a:rPr lang="en-GB" sz="800"/>
+              <a:t>From this information, I will determine whether is glass or acrylic suitable to be used for this design.</a:t>
+            </a:r>
+            <a:endParaRPr sz="800"/>
+          </a:p>
+        </p:txBody>
+      </p:sp>
+      <p:pic>
+        <p:nvPicPr>
+          <p:cNvPr id="131" name="Google Shape;131;p14"/>
+          <p:cNvPicPr preferRelativeResize="0"/>
+          <p:nvPr/>
+        </p:nvPicPr>
+        <p:blipFill rotWithShape="1">
+          <a:blip r:embed="rId4">
+            <a:alphaModFix/>
+          </a:blip>
+          <a:srcRect b="53966" l="4964" r="71978" t="14982"/>
+          <a:stretch/>
+        </p:blipFill>
+        <p:spPr>
+          <a:xfrm>
+            <a:off x="6127580" y="3368903"/>
+            <a:ext cx="1933577" cy="1463794"/>
+          </a:xfrm>
+          <a:prstGeom prst="rect">
+            <a:avLst/>
+          </a:prstGeom>
+          <a:noFill/>
+          <a:ln>
+            <a:noFill/>
+          </a:ln>
+        </p:spPr>
+      </p:pic>
+      <p:sp>
+        <p:nvSpPr>
+          <p:cNvPr id="132" name="Google Shape;132;p14"/>
+          <p:cNvSpPr txBox="1"/>
+          <p:nvPr/>
+        </p:nvSpPr>
+        <p:spPr>
+          <a:xfrm>
+            <a:off x="7396163" y="3057615"/>
+            <a:ext cx="1582500" cy="427200"/>
+          </a:xfrm>
+          <a:prstGeom prst="rect">
+            <a:avLst/>
+          </a:prstGeom>
+          <a:noFill/>
+          <a:ln>
+            <a:noFill/>
+          </a:ln>
+        </p:spPr>
+        <p:txBody>
+          <a:bodyPr anchorCtr="0" anchor="t" bIns="51525" lIns="51525" spcFirstLastPara="1" rIns="51525" wrap="square" tIns="51525">
+            <a:spAutoFit/>
+          </a:bodyPr>
+          <a:lstStyle/>
+          <a:p>
+            <a:pPr indent="0" lvl="0" marL="0" rtl="0" algn="l">
+              <a:spcBef>
+                <a:spcPts val="0"/>
+              </a:spcBef>
+              <a:spcAft>
+                <a:spcPts val="0"/>
+              </a:spcAft>
+              <a:buNone/>
+            </a:pPr>
+            <a:r>
+              <a:rPr lang="en-GB" sz="700"/>
+              <a:t>Glass-to-glass steel partitioning joint, or UV glue, or acrylic will be used to join the acrylic/glass panes together.</a:t>
+            </a:r>
+            <a:endParaRPr sz="700"/>
+          </a:p>
+        </p:txBody>
+      </p:sp>
+      <p:sp>
+        <p:nvSpPr>
+          <p:cNvPr id="133" name="Google Shape;133;p14"/>
+          <p:cNvSpPr txBox="1"/>
+          <p:nvPr/>
+        </p:nvSpPr>
+        <p:spPr>
+          <a:xfrm>
+            <a:off x="5513388" y="4790215"/>
+            <a:ext cx="1582500" cy="319500"/>
+          </a:xfrm>
+          <a:prstGeom prst="rect">
+            <a:avLst/>
+          </a:prstGeom>
+          <a:noFill/>
+          <a:ln>
+            <a:noFill/>
+          </a:ln>
+        </p:spPr>
+        <p:txBody>
+          <a:bodyPr anchorCtr="0" anchor="t" bIns="51525" lIns="51525" spcFirstLastPara="1" rIns="51525" wrap="square" tIns="51525">
+            <a:spAutoFit/>
+          </a:bodyPr>
+          <a:lstStyle/>
+          <a:p>
+            <a:pPr indent="0" lvl="0" marL="0" rtl="0" algn="l">
+              <a:spcBef>
+                <a:spcPts val="0"/>
+              </a:spcBef>
+              <a:spcAft>
+                <a:spcPts val="0"/>
+              </a:spcAft>
+              <a:buNone/>
+            </a:pPr>
+            <a:r>
+              <a:rPr lang="en-GB" sz="700"/>
+              <a:t>Each of these round, curved corner will be utilising steam bending.</a:t>
+            </a:r>
+            <a:endParaRPr sz="700"/>
+          </a:p>
+        </p:txBody>
+      </p:sp>
+      <p:sp>
+        <p:nvSpPr>
+          <p:cNvPr id="134" name="Google Shape;134;p14"/>
+          <p:cNvSpPr txBox="1"/>
+          <p:nvPr/>
+        </p:nvSpPr>
+        <p:spPr>
+          <a:xfrm>
+            <a:off x="5320347" y="3315818"/>
+            <a:ext cx="1267200" cy="319500"/>
+          </a:xfrm>
+          <a:prstGeom prst="rect">
+            <a:avLst/>
+          </a:prstGeom>
+          <a:noFill/>
+          <a:ln>
+            <a:noFill/>
+          </a:ln>
+        </p:spPr>
+        <p:txBody>
+          <a:bodyPr anchorCtr="0" anchor="t" bIns="51525" lIns="51525" spcFirstLastPara="1" rIns="51525" wrap="square" tIns="51525">
+            <a:spAutoFit/>
+          </a:bodyPr>
+          <a:lstStyle/>
+          <a:p>
+            <a:pPr indent="0" lvl="0" marL="0" rtl="0" algn="l">
+              <a:spcBef>
+                <a:spcPts val="0"/>
+              </a:spcBef>
+              <a:spcAft>
+                <a:spcPts val="0"/>
+              </a:spcAft>
+              <a:buNone/>
+            </a:pPr>
+            <a:r>
+              <a:rPr lang="en-GB" sz="700"/>
+              <a:t>Wood section will incorporate mitre joints.</a:t>
+            </a:r>
+            <a:endParaRPr sz="700"/>
+          </a:p>
+        </p:txBody>
+      </p:sp>
+      <p:cxnSp>
+        <p:nvCxnSpPr>
+          <p:cNvPr id="135" name="Google Shape;135;p14"/>
+          <p:cNvCxnSpPr>
+            <a:stCxn id="132" idx="2"/>
+          </p:cNvCxnSpPr>
+          <p:nvPr/>
+        </p:nvCxnSpPr>
+        <p:spPr>
+          <a:xfrm flipH="1">
+            <a:off x="7771313" y="3484815"/>
+            <a:ext cx="416100" cy="294300"/>
+          </a:xfrm>
+          <a:prstGeom prst="straightConnector1">
+            <a:avLst/>
+          </a:prstGeom>
+          <a:noFill/>
+          <a:ln cap="flat" cmpd="sng" w="9525">
+            <a:solidFill>
+              <a:schemeClr val="dk2"/>
+            </a:solidFill>
+            <a:prstDash val="solid"/>
+            <a:round/>
+            <a:headEnd len="med" w="med" type="none"/>
+            <a:tailEnd len="med" w="med" type="stealth"/>
+          </a:ln>
+        </p:spPr>
+      </p:cxnSp>
+      <p:cxnSp>
+        <p:nvCxnSpPr>
+          <p:cNvPr id="136" name="Google Shape;136;p14"/>
+          <p:cNvCxnSpPr>
+            <a:stCxn id="134" idx="2"/>
+          </p:cNvCxnSpPr>
+          <p:nvPr/>
+        </p:nvCxnSpPr>
+        <p:spPr>
+          <a:xfrm>
+            <a:off x="5953947" y="3635318"/>
+            <a:ext cx="701700" cy="514800"/>
+          </a:xfrm>
+          <a:prstGeom prst="straightConnector1">
+            <a:avLst/>
+          </a:prstGeom>
+          <a:noFill/>
+          <a:ln cap="flat" cmpd="sng" w="9525">
+            <a:solidFill>
+              <a:schemeClr val="dk2"/>
+            </a:solidFill>
+            <a:prstDash val="solid"/>
+            <a:round/>
+            <a:headEnd len="med" w="med" type="none"/>
+            <a:tailEnd len="med" w="med" type="stealth"/>
+          </a:ln>
+        </p:spPr>
+      </p:cxnSp>
+      <p:cxnSp>
+        <p:nvCxnSpPr>
+          <p:cNvPr id="137" name="Google Shape;137;p14"/>
+          <p:cNvCxnSpPr>
+            <a:stCxn id="133" idx="0"/>
+          </p:cNvCxnSpPr>
+          <p:nvPr/>
+        </p:nvCxnSpPr>
+        <p:spPr>
+          <a:xfrm flipH="1" rot="10800000">
+            <a:off x="6304638" y="4573015"/>
+            <a:ext cx="1058100" cy="217200"/>
+          </a:xfrm>
+          <a:prstGeom prst="straightConnector1">
+            <a:avLst/>
+          </a:prstGeom>
+          <a:noFill/>
+          <a:ln cap="flat" cmpd="sng" w="9525">
+            <a:solidFill>
+              <a:schemeClr val="dk2"/>
+            </a:solidFill>
+            <a:prstDash val="solid"/>
+            <a:round/>
+            <a:headEnd len="med" w="med" type="none"/>
+            <a:tailEnd len="med" w="med" type="stealth"/>
+          </a:ln>
+        </p:spPr>
+      </p:cxnSp>
+    </p:spTree>
+  </p:cSld>
+  <p:clrMapOvr>
+    <a:masterClrMapping/>
+  </p:clrMapOvr>
+</p:sld>
+</file>
+
+<file path=ppt/slides/slide3.xml><?xml version="1.0" encoding="utf-8"?>
+<p:sld xmlns:a="http://schemas.openxmlformats.org/drawingml/2006/main" xmlns:r="http://schemas.openxmlformats.org/officeDocument/2006/relationships" xmlns:mc="http://schemas.openxmlformats.org/markup-compatibility/2006" xmlns:mv="urn:schemas-microsoft-com:mac:vml" xmlns:p="http://schemas.openxmlformats.org/presentationml/2006/main" xmlns:c="http://schemas.openxmlformats.org/drawingml/2006/chart" xmlns:dgm="http://schemas.openxmlformats.org/drawingml/2006/diagram" xmlns:o="urn:schemas-microsoft-com:office:office" xmlns:v="urn:schemas-microsoft-com:vml" xmlns:pvml="urn:schemas-microsoft-com:office:powerpoint" xmlns:com="http://schemas.openxmlformats.org/drawingml/2006/compatibility" xmlns:p14="http://schemas.microsoft.com/office/powerpoint/2010/main" xmlns:p15="http://schemas.microsoft.com/office/powerpoint/2012/main" xmlns:ahyp="http://schemas.microsoft.com/office/drawing/2018/hyperlinkcolor">
+  <p:cSld>
+    <p:spTree>
+      <p:nvGrpSpPr>
+        <p:cNvPr id="141" name="Shape 141"/>
+        <p:cNvGrpSpPr/>
+        <p:nvPr/>
+      </p:nvGrpSpPr>
+      <p:grpSpPr>
+        <a:xfrm>
+          <a:off x="0" y="0"/>
+          <a:ext cx="0" cy="0"/>
+          <a:chOff x="0" y="0"/>
+          <a:chExt cx="0" cy="0"/>
+        </a:xfrm>
+      </p:grpSpPr>
+      <p:pic>
+        <p:nvPicPr>
+          <p:cNvPr id="142" name="Google Shape;142;p15"/>
+          <p:cNvPicPr preferRelativeResize="0"/>
+          <p:nvPr/>
+        </p:nvPicPr>
+        <p:blipFill rotWithShape="1">
+          <a:blip r:embed="rId3">
+            <a:alphaModFix/>
+          </a:blip>
+          <a:srcRect b="12479" l="32683" r="52582" t="54635"/>
+          <a:stretch/>
+        </p:blipFill>
+        <p:spPr>
+          <a:xfrm>
+            <a:off x="1011086" y="1852667"/>
+            <a:ext cx="1733458" cy="2174948"/>
+          </a:xfrm>
+          <a:prstGeom prst="rect">
+            <a:avLst/>
+          </a:prstGeom>
+          <a:noFill/>
+          <a:ln>
+            <a:noFill/>
+          </a:ln>
+        </p:spPr>
+      </p:pic>
+      <p:pic>
+        <p:nvPicPr>
+          <p:cNvPr id="143" name="Google Shape;143;p15"/>
+          <p:cNvPicPr preferRelativeResize="0"/>
+          <p:nvPr/>
+        </p:nvPicPr>
+        <p:blipFill rotWithShape="1">
+          <a:blip r:embed="rId4">
+            <a:alphaModFix/>
+          </a:blip>
+          <a:srcRect b="17708" l="49194" r="42061" t="66279"/>
+          <a:stretch/>
+        </p:blipFill>
+        <p:spPr>
+          <a:xfrm>
+            <a:off x="6475714" y="3567906"/>
+            <a:ext cx="842642" cy="867437"/>
+          </a:xfrm>
+          <a:prstGeom prst="rect">
+            <a:avLst/>
+          </a:prstGeom>
+          <a:noFill/>
+          <a:ln>
+            <a:noFill/>
+          </a:ln>
+        </p:spPr>
+      </p:pic>
+      <p:pic>
+        <p:nvPicPr>
+          <p:cNvPr id="144" name="Google Shape;144;p15"/>
+          <p:cNvPicPr preferRelativeResize="0"/>
+          <p:nvPr/>
+        </p:nvPicPr>
+        <p:blipFill rotWithShape="1">
+          <a:blip r:embed="rId5">
+            <a:alphaModFix/>
+          </a:blip>
+          <a:srcRect b="40148" l="45000" r="52105" t="51104"/>
+          <a:stretch/>
+        </p:blipFill>
+        <p:spPr>
+          <a:xfrm>
+            <a:off x="5864929" y="1111418"/>
+            <a:ext cx="292802" cy="497428"/>
+          </a:xfrm>
+          <a:prstGeom prst="rect">
+            <a:avLst/>
+          </a:prstGeom>
+          <a:noFill/>
+          <a:ln>
+            <a:noFill/>
+          </a:ln>
+        </p:spPr>
+      </p:pic>
+      <p:pic>
+        <p:nvPicPr>
+          <p:cNvPr id="145" name="Google Shape;145;p15"/>
+          <p:cNvPicPr preferRelativeResize="0"/>
+          <p:nvPr/>
+        </p:nvPicPr>
+        <p:blipFill rotWithShape="1">
+          <a:blip r:embed="rId6">
+            <a:alphaModFix/>
+          </a:blip>
+          <a:srcRect b="32451" l="46547" r="42588" t="50712"/>
+          <a:stretch/>
+        </p:blipFill>
+        <p:spPr>
+          <a:xfrm>
+            <a:off x="4762046" y="1258274"/>
+            <a:ext cx="1052906" cy="917346"/>
+          </a:xfrm>
+          <a:prstGeom prst="rect">
+            <a:avLst/>
+          </a:prstGeom>
+          <a:noFill/>
+          <a:ln>
+            <a:noFill/>
+          </a:ln>
+        </p:spPr>
+      </p:pic>
+      <p:sp>
+        <p:nvSpPr>
+          <p:cNvPr id="146" name="Google Shape;146;p15"/>
+          <p:cNvSpPr txBox="1"/>
+          <p:nvPr/>
+        </p:nvSpPr>
+        <p:spPr>
+          <a:xfrm>
+            <a:off x="109417" y="1879474"/>
+            <a:ext cx="1582500" cy="350400"/>
+          </a:xfrm>
+          <a:prstGeom prst="rect">
+            <a:avLst/>
+          </a:prstGeom>
+          <a:noFill/>
+          <a:ln>
+            <a:noFill/>
+          </a:ln>
+        </p:spPr>
+        <p:txBody>
+          <a:bodyPr anchorCtr="0" anchor="t" bIns="51525" lIns="51525" spcFirstLastPara="1" rIns="51525" wrap="square" tIns="51525">
+            <a:spAutoFit/>
+          </a:bodyPr>
+          <a:lstStyle/>
+          <a:p>
+            <a:pPr indent="0" lvl="0" marL="0" rtl="0" algn="l">
+              <a:spcBef>
+                <a:spcPts val="0"/>
+              </a:spcBef>
+              <a:spcAft>
+                <a:spcPts val="0"/>
+              </a:spcAft>
+              <a:buNone/>
+            </a:pPr>
+            <a:r>
+              <a:rPr lang="en-GB" sz="800"/>
+              <a:t>The glass door would be joint by steel hinges.</a:t>
+            </a:r>
+            <a:endParaRPr sz="800"/>
+          </a:p>
+        </p:txBody>
+      </p:sp>
+      <p:sp>
+        <p:nvSpPr>
+          <p:cNvPr id="147" name="Google Shape;147;p15"/>
+          <p:cNvSpPr txBox="1"/>
+          <p:nvPr/>
+        </p:nvSpPr>
+        <p:spPr>
+          <a:xfrm>
+            <a:off x="2790364" y="1147823"/>
+            <a:ext cx="1582500" cy="719700"/>
+          </a:xfrm>
+          <a:prstGeom prst="rect">
+            <a:avLst/>
+          </a:prstGeom>
+          <a:noFill/>
+          <a:ln>
+            <a:noFill/>
+          </a:ln>
+        </p:spPr>
+        <p:txBody>
+          <a:bodyPr anchorCtr="0" anchor="t" bIns="51525" lIns="51525" spcFirstLastPara="1" rIns="51525" wrap="square" tIns="51525">
+            <a:spAutoFit/>
+          </a:bodyPr>
+          <a:lstStyle/>
+          <a:p>
+            <a:pPr indent="0" lvl="0" marL="0" rtl="0" algn="l">
+              <a:spcBef>
+                <a:spcPts val="0"/>
+              </a:spcBef>
+              <a:spcAft>
+                <a:spcPts val="0"/>
+              </a:spcAft>
+              <a:buNone/>
+            </a:pPr>
+            <a:r>
+              <a:rPr lang="en-GB" sz="800"/>
+              <a:t>However if the display spinner is powered by battery, this means it would be fully removable, so the user can choose whether to use the display spinner or not.</a:t>
+            </a:r>
+            <a:endParaRPr sz="800"/>
+          </a:p>
+        </p:txBody>
+      </p:sp>
+      <p:sp>
+        <p:nvSpPr>
+          <p:cNvPr id="148" name="Google Shape;148;p15"/>
+          <p:cNvSpPr txBox="1"/>
+          <p:nvPr/>
+        </p:nvSpPr>
+        <p:spPr>
+          <a:xfrm>
+            <a:off x="2884344" y="112183"/>
+            <a:ext cx="2251800" cy="1073700"/>
+          </a:xfrm>
+          <a:prstGeom prst="rect">
+            <a:avLst/>
+          </a:prstGeom>
+          <a:noFill/>
+          <a:ln>
+            <a:noFill/>
+          </a:ln>
+        </p:spPr>
+        <p:txBody>
+          <a:bodyPr anchorCtr="0" anchor="t" bIns="51525" lIns="51525" spcFirstLastPara="1" rIns="51525" wrap="square" tIns="51525">
+            <a:spAutoFit/>
+          </a:bodyPr>
+          <a:lstStyle/>
+          <a:p>
+            <a:pPr indent="0" lvl="0" marL="0" rtl="0" algn="l">
+              <a:spcBef>
+                <a:spcPts val="0"/>
+              </a:spcBef>
+              <a:spcAft>
+                <a:spcPts val="0"/>
+              </a:spcAft>
+              <a:buNone/>
+            </a:pPr>
+            <a:r>
+              <a:rPr lang="en-GB" sz="700"/>
+              <a:t>The spinner would consist of a custom-ordered low power rating DC motor. Powered by 2x AA sized batteries. Alternative design could be that the motor is linked to wiring and batteries wouldn’t be needed. Making it more practical as the museum owner do not have to change the spinner’s battery ever so often. The chip will turn off the motor from spinning and the LED light strips to reduce energy consumption as requested by the specification.</a:t>
+            </a:r>
+            <a:endParaRPr sz="700"/>
+          </a:p>
+        </p:txBody>
+      </p:sp>
+      <p:sp>
+        <p:nvSpPr>
+          <p:cNvPr id="149" name="Google Shape;149;p15"/>
+          <p:cNvSpPr txBox="1"/>
+          <p:nvPr/>
+        </p:nvSpPr>
+        <p:spPr>
+          <a:xfrm>
+            <a:off x="5608600" y="4362492"/>
+            <a:ext cx="1805100" cy="596700"/>
+          </a:xfrm>
+          <a:prstGeom prst="rect">
+            <a:avLst/>
+          </a:prstGeom>
+          <a:noFill/>
+          <a:ln>
+            <a:noFill/>
+          </a:ln>
+        </p:spPr>
+        <p:txBody>
+          <a:bodyPr anchorCtr="0" anchor="t" bIns="51525" lIns="51525" spcFirstLastPara="1" rIns="51525" wrap="square" tIns="51525">
+            <a:spAutoFit/>
+          </a:bodyPr>
+          <a:lstStyle/>
+          <a:p>
+            <a:pPr indent="0" lvl="0" marL="0" rtl="0" algn="l">
+              <a:spcBef>
+                <a:spcPts val="0"/>
+              </a:spcBef>
+              <a:spcAft>
+                <a:spcPts val="0"/>
+              </a:spcAft>
+              <a:buNone/>
+            </a:pPr>
+            <a:r>
+              <a:rPr lang="en-GB" sz="800"/>
+              <a:t>The corner of the glass panes on this design would be held up by custom-ordered glass-to-glass steel partitioning joints. </a:t>
+            </a:r>
+            <a:endParaRPr sz="800"/>
+          </a:p>
+        </p:txBody>
+      </p:sp>
+      <p:sp>
+        <p:nvSpPr>
+          <p:cNvPr id="150" name="Google Shape;150;p15"/>
+          <p:cNvSpPr txBox="1"/>
+          <p:nvPr/>
+        </p:nvSpPr>
+        <p:spPr>
+          <a:xfrm>
+            <a:off x="241618" y="2907771"/>
+            <a:ext cx="842700" cy="719700"/>
+          </a:xfrm>
+          <a:prstGeom prst="rect">
+            <a:avLst/>
+          </a:prstGeom>
+          <a:noFill/>
+          <a:ln>
+            <a:noFill/>
+          </a:ln>
+        </p:spPr>
+        <p:txBody>
+          <a:bodyPr anchorCtr="0" anchor="t" bIns="51525" lIns="51525" spcFirstLastPara="1" rIns="51525" wrap="square" tIns="51525">
+            <a:spAutoFit/>
+          </a:bodyPr>
+          <a:lstStyle/>
+          <a:p>
+            <a:pPr indent="0" lvl="0" marL="0" rtl="0" algn="l">
+              <a:spcBef>
+                <a:spcPts val="0"/>
+              </a:spcBef>
+              <a:spcAft>
+                <a:spcPts val="0"/>
+              </a:spcAft>
+              <a:buClr>
+                <a:schemeClr val="dk1"/>
+              </a:buClr>
+              <a:buSzPts val="600"/>
+              <a:buFont typeface="Arial"/>
+              <a:buNone/>
+            </a:pPr>
+            <a:r>
+              <a:rPr lang="en-GB" sz="800">
+                <a:solidFill>
+                  <a:schemeClr val="dk1"/>
+                </a:solidFill>
+              </a:rPr>
+              <a:t>Glass doors contain door lock to prevent theft.</a:t>
+            </a:r>
+            <a:endParaRPr sz="800">
+              <a:solidFill>
+                <a:schemeClr val="dk1"/>
+              </a:solidFill>
+            </a:endParaRPr>
+          </a:p>
+          <a:p>
+            <a:pPr indent="0" lvl="0" marL="0" rtl="0" algn="l">
+              <a:spcBef>
+                <a:spcPts val="0"/>
+              </a:spcBef>
+              <a:spcAft>
+                <a:spcPts val="0"/>
+              </a:spcAft>
+              <a:buNone/>
+            </a:pPr>
+            <a:r>
+              <a:t/>
+            </a:r>
+            <a:endParaRPr sz="800"/>
+          </a:p>
+        </p:txBody>
+      </p:sp>
+      <p:sp>
+        <p:nvSpPr>
+          <p:cNvPr id="151" name="Google Shape;151;p15"/>
+          <p:cNvSpPr txBox="1"/>
+          <p:nvPr/>
+        </p:nvSpPr>
+        <p:spPr>
+          <a:xfrm>
+            <a:off x="215583" y="3869387"/>
+            <a:ext cx="1634700" cy="719700"/>
+          </a:xfrm>
+          <a:prstGeom prst="rect">
+            <a:avLst/>
+          </a:prstGeom>
+          <a:noFill/>
+          <a:ln>
+            <a:noFill/>
+          </a:ln>
+        </p:spPr>
+        <p:txBody>
+          <a:bodyPr anchorCtr="0" anchor="t" bIns="51525" lIns="51525" spcFirstLastPara="1" rIns="51525" wrap="square" tIns="51525">
+            <a:spAutoFit/>
+          </a:bodyPr>
+          <a:lstStyle/>
+          <a:p>
+            <a:pPr indent="0" lvl="0" marL="0" rtl="0" algn="l">
+              <a:spcBef>
+                <a:spcPts val="0"/>
+              </a:spcBef>
+              <a:spcAft>
+                <a:spcPts val="0"/>
+              </a:spcAft>
+              <a:buNone/>
+            </a:pPr>
+            <a:r>
+              <a:rPr lang="en-GB" sz="800"/>
+              <a:t>Bottom section would be made of custom-made aluminium block, which I will then drill out 4 holes on each ends to fit through the 4 supporting steel rods.</a:t>
+            </a:r>
+            <a:endParaRPr sz="800"/>
+          </a:p>
+        </p:txBody>
+      </p:sp>
+      <p:sp>
+        <p:nvSpPr>
+          <p:cNvPr id="152" name="Google Shape;152;p15"/>
+          <p:cNvSpPr txBox="1"/>
+          <p:nvPr/>
+        </p:nvSpPr>
+        <p:spPr>
+          <a:xfrm>
+            <a:off x="382028" y="112177"/>
+            <a:ext cx="1362300" cy="411900"/>
+          </a:xfrm>
+          <a:prstGeom prst="rect">
+            <a:avLst/>
+          </a:prstGeom>
+          <a:noFill/>
+          <a:ln>
+            <a:noFill/>
+          </a:ln>
+        </p:spPr>
+        <p:txBody>
+          <a:bodyPr anchorCtr="0" anchor="t" bIns="51525" lIns="51525" spcFirstLastPara="1" rIns="51525" wrap="square" tIns="51525">
+            <a:spAutoFit/>
+          </a:bodyPr>
+          <a:lstStyle/>
+          <a:p>
+            <a:pPr indent="0" lvl="0" marL="0" rtl="0" algn="l">
+              <a:spcBef>
+                <a:spcPts val="0"/>
+              </a:spcBef>
+              <a:spcAft>
+                <a:spcPts val="0"/>
+              </a:spcAft>
+              <a:buNone/>
+            </a:pPr>
+            <a:r>
+              <a:rPr lang="en-GB" sz="2000" u="sng"/>
+              <a:t>Design 2</a:t>
+            </a:r>
+            <a:endParaRPr sz="1200"/>
+          </a:p>
+        </p:txBody>
+      </p:sp>
+      <p:cxnSp>
+        <p:nvCxnSpPr>
+          <p:cNvPr id="153" name="Google Shape;153;p15"/>
+          <p:cNvCxnSpPr>
+            <a:stCxn id="148" idx="2"/>
+          </p:cNvCxnSpPr>
+          <p:nvPr/>
+        </p:nvCxnSpPr>
+        <p:spPr>
+          <a:xfrm>
+            <a:off x="4010244" y="1185883"/>
+            <a:ext cx="1263900" cy="600000"/>
+          </a:xfrm>
+          <a:prstGeom prst="straightConnector1">
+            <a:avLst/>
+          </a:prstGeom>
+          <a:noFill/>
+          <a:ln cap="flat" cmpd="sng" w="19050">
+            <a:solidFill>
+              <a:schemeClr val="dk2"/>
+            </a:solidFill>
+            <a:prstDash val="solid"/>
+            <a:round/>
+            <a:headEnd len="med" w="med" type="none"/>
+            <a:tailEnd len="med" w="med" type="stealth"/>
+          </a:ln>
+        </p:spPr>
+      </p:cxnSp>
+      <p:cxnSp>
+        <p:nvCxnSpPr>
+          <p:cNvPr id="154" name="Google Shape;154;p15"/>
+          <p:cNvCxnSpPr>
+            <a:stCxn id="151" idx="0"/>
+          </p:cNvCxnSpPr>
+          <p:nvPr/>
+        </p:nvCxnSpPr>
+        <p:spPr>
+          <a:xfrm flipH="1" rot="10800000">
+            <a:off x="1032933" y="3535787"/>
+            <a:ext cx="806700" cy="333600"/>
+          </a:xfrm>
+          <a:prstGeom prst="straightConnector1">
+            <a:avLst/>
+          </a:prstGeom>
+          <a:noFill/>
+          <a:ln cap="flat" cmpd="sng" w="19050">
+            <a:solidFill>
+              <a:schemeClr val="dk2"/>
+            </a:solidFill>
+            <a:prstDash val="solid"/>
+            <a:round/>
+            <a:headEnd len="med" w="med" type="none"/>
+            <a:tailEnd len="med" w="med" type="stealth"/>
+          </a:ln>
+        </p:spPr>
+      </p:cxnSp>
+      <p:cxnSp>
+        <p:nvCxnSpPr>
+          <p:cNvPr id="155" name="Google Shape;155;p15"/>
+          <p:cNvCxnSpPr>
+            <a:stCxn id="146" idx="2"/>
+          </p:cNvCxnSpPr>
+          <p:nvPr/>
+        </p:nvCxnSpPr>
+        <p:spPr>
+          <a:xfrm>
+            <a:off x="900667" y="2229874"/>
+            <a:ext cx="663600" cy="219000"/>
+          </a:xfrm>
+          <a:prstGeom prst="straightConnector1">
+            <a:avLst/>
+          </a:prstGeom>
+          <a:noFill/>
+          <a:ln cap="flat" cmpd="sng" w="19050">
+            <a:solidFill>
+              <a:schemeClr val="dk2"/>
+            </a:solidFill>
+            <a:prstDash val="solid"/>
+            <a:round/>
+            <a:headEnd len="med" w="med" type="none"/>
+            <a:tailEnd len="med" w="med" type="stealth"/>
+          </a:ln>
+        </p:spPr>
+      </p:cxnSp>
+      <p:cxnSp>
+        <p:nvCxnSpPr>
+          <p:cNvPr id="156" name="Google Shape;156;p15"/>
+          <p:cNvCxnSpPr/>
+          <p:nvPr/>
+        </p:nvCxnSpPr>
+        <p:spPr>
+          <a:xfrm flipH="1" rot="10800000">
+            <a:off x="596189" y="2563050"/>
+            <a:ext cx="609000" cy="346200"/>
+          </a:xfrm>
+          <a:prstGeom prst="straightConnector1">
+            <a:avLst/>
+          </a:prstGeom>
+          <a:noFill/>
+          <a:ln cap="flat" cmpd="sng" w="19050">
+            <a:solidFill>
+              <a:schemeClr val="dk2"/>
+            </a:solidFill>
+            <a:prstDash val="solid"/>
+            <a:round/>
+            <a:headEnd len="med" w="med" type="none"/>
+            <a:tailEnd len="med" w="med" type="stealth"/>
+          </a:ln>
+        </p:spPr>
+      </p:cxnSp>
+      <p:pic>
+        <p:nvPicPr>
+          <p:cNvPr id="157" name="Google Shape;157;p15"/>
+          <p:cNvPicPr preferRelativeResize="0"/>
+          <p:nvPr/>
+        </p:nvPicPr>
+        <p:blipFill rotWithShape="1">
+          <a:blip r:embed="rId7">
+            <a:alphaModFix/>
+          </a:blip>
+          <a:srcRect b="54211" l="36924" r="55480" t="32704"/>
+          <a:stretch/>
+        </p:blipFill>
+        <p:spPr>
+          <a:xfrm>
+            <a:off x="7362928" y="1123610"/>
+            <a:ext cx="907565" cy="729059"/>
+          </a:xfrm>
+          <a:prstGeom prst="rect">
+            <a:avLst/>
+          </a:prstGeom>
+          <a:noFill/>
+          <a:ln>
+            <a:noFill/>
+          </a:ln>
+        </p:spPr>
+      </p:pic>
+      <p:sp>
+        <p:nvSpPr>
+          <p:cNvPr id="158" name="Google Shape;158;p15"/>
+          <p:cNvSpPr/>
+          <p:nvPr/>
+        </p:nvSpPr>
+        <p:spPr>
+          <a:xfrm>
+            <a:off x="2073396" y="2355994"/>
+            <a:ext cx="42600" cy="39300"/>
+          </a:xfrm>
+          <a:prstGeom prst="ellipse">
+            <a:avLst/>
+          </a:prstGeom>
+          <a:solidFill>
+            <a:schemeClr val="lt2"/>
+          </a:solidFill>
+          <a:ln cap="flat" cmpd="sng" w="9525">
+            <a:solidFill>
+              <a:schemeClr val="dk2"/>
+            </a:solidFill>
+            <a:prstDash val="solid"/>
+            <a:round/>
+            <a:headEnd len="sm" w="sm" type="none"/>
+            <a:tailEnd len="sm" w="sm" type="none"/>
+          </a:ln>
+        </p:spPr>
+        <p:txBody>
+          <a:bodyPr anchorCtr="0" anchor="ctr" bIns="51525" lIns="51525" spcFirstLastPara="1" rIns="51525" wrap="square" tIns="51525">
+            <a:noAutofit/>
+          </a:bodyPr>
+          <a:lstStyle/>
+          <a:p>
+            <a:pPr indent="0" lvl="0" marL="0" rtl="0" algn="l">
+              <a:spcBef>
+                <a:spcPts val="0"/>
+              </a:spcBef>
+              <a:spcAft>
+                <a:spcPts val="0"/>
+              </a:spcAft>
+              <a:buNone/>
+            </a:pPr>
+            <a:r>
+              <a:t/>
+            </a:r>
+            <a:endParaRPr/>
+          </a:p>
+        </p:txBody>
+      </p:sp>
+      <p:sp>
+        <p:nvSpPr>
+          <p:cNvPr id="159" name="Google Shape;159;p15"/>
+          <p:cNvSpPr/>
+          <p:nvPr/>
+        </p:nvSpPr>
+        <p:spPr>
+          <a:xfrm>
+            <a:off x="2533030" y="2148814"/>
+            <a:ext cx="42600" cy="39300"/>
+          </a:xfrm>
+          <a:prstGeom prst="ellipse">
+            <a:avLst/>
+          </a:prstGeom>
+          <a:solidFill>
+            <a:schemeClr val="lt2"/>
+          </a:solidFill>
+          <a:ln cap="flat" cmpd="sng" w="9525">
+            <a:solidFill>
+              <a:schemeClr val="dk2"/>
+            </a:solidFill>
+            <a:prstDash val="solid"/>
+            <a:round/>
+            <a:headEnd len="sm" w="sm" type="none"/>
+            <a:tailEnd len="sm" w="sm" type="none"/>
+          </a:ln>
+        </p:spPr>
+        <p:txBody>
+          <a:bodyPr anchorCtr="0" anchor="ctr" bIns="51525" lIns="51525" spcFirstLastPara="1" rIns="51525" wrap="square" tIns="51525">
+            <a:noAutofit/>
+          </a:bodyPr>
+          <a:lstStyle/>
+          <a:p>
+            <a:pPr indent="0" lvl="0" marL="0" rtl="0" algn="l">
+              <a:spcBef>
+                <a:spcPts val="0"/>
+              </a:spcBef>
+              <a:spcAft>
+                <a:spcPts val="0"/>
+              </a:spcAft>
+              <a:buNone/>
+            </a:pPr>
+            <a:r>
+              <a:t/>
+            </a:r>
+            <a:endParaRPr/>
+          </a:p>
+        </p:txBody>
+      </p:sp>
+      <p:sp>
+        <p:nvSpPr>
+          <p:cNvPr id="160" name="Google Shape;160;p15"/>
+          <p:cNvSpPr/>
+          <p:nvPr/>
+        </p:nvSpPr>
+        <p:spPr>
+          <a:xfrm>
+            <a:off x="1603829" y="2148814"/>
+            <a:ext cx="42600" cy="39300"/>
+          </a:xfrm>
+          <a:prstGeom prst="ellipse">
+            <a:avLst/>
+          </a:prstGeom>
+          <a:solidFill>
+            <a:schemeClr val="lt2"/>
+          </a:solidFill>
+          <a:ln cap="flat" cmpd="sng" w="9525">
+            <a:solidFill>
+              <a:schemeClr val="dk2"/>
+            </a:solidFill>
+            <a:prstDash val="solid"/>
+            <a:round/>
+            <a:headEnd len="sm" w="sm" type="none"/>
+            <a:tailEnd len="sm" w="sm" type="none"/>
+          </a:ln>
+        </p:spPr>
+        <p:txBody>
+          <a:bodyPr anchorCtr="0" anchor="ctr" bIns="51525" lIns="51525" spcFirstLastPara="1" rIns="51525" wrap="square" tIns="51525">
+            <a:noAutofit/>
+          </a:bodyPr>
+          <a:lstStyle/>
+          <a:p>
+            <a:pPr indent="0" lvl="0" marL="0" rtl="0" algn="l">
+              <a:spcBef>
+                <a:spcPts val="0"/>
+              </a:spcBef>
+              <a:spcAft>
+                <a:spcPts val="0"/>
+              </a:spcAft>
+              <a:buNone/>
+            </a:pPr>
+            <a:r>
+              <a:t/>
+            </a:r>
+            <a:endParaRPr/>
+          </a:p>
+        </p:txBody>
+      </p:sp>
+      <p:sp>
+        <p:nvSpPr>
+          <p:cNvPr id="161" name="Google Shape;161;p15"/>
+          <p:cNvSpPr/>
+          <p:nvPr/>
+        </p:nvSpPr>
+        <p:spPr>
+          <a:xfrm>
+            <a:off x="2030942" y="1943100"/>
+            <a:ext cx="42600" cy="39300"/>
+          </a:xfrm>
+          <a:prstGeom prst="ellipse">
+            <a:avLst/>
+          </a:prstGeom>
+          <a:solidFill>
+            <a:schemeClr val="lt2"/>
+          </a:solidFill>
+          <a:ln cap="flat" cmpd="sng" w="9525">
+            <a:solidFill>
+              <a:schemeClr val="dk2"/>
+            </a:solidFill>
+            <a:prstDash val="solid"/>
+            <a:round/>
+            <a:headEnd len="sm" w="sm" type="none"/>
+            <a:tailEnd len="sm" w="sm" type="none"/>
+          </a:ln>
+        </p:spPr>
+        <p:txBody>
+          <a:bodyPr anchorCtr="0" anchor="ctr" bIns="51525" lIns="51525" spcFirstLastPara="1" rIns="51525" wrap="square" tIns="51525">
+            <a:noAutofit/>
+          </a:bodyPr>
+          <a:lstStyle/>
+          <a:p>
+            <a:pPr indent="0" lvl="0" marL="0" rtl="0" algn="l">
+              <a:spcBef>
+                <a:spcPts val="0"/>
+              </a:spcBef>
+              <a:spcAft>
+                <a:spcPts val="0"/>
+              </a:spcAft>
+              <a:buNone/>
+            </a:pPr>
+            <a:r>
+              <a:t/>
+            </a:r>
+            <a:endParaRPr/>
+          </a:p>
+        </p:txBody>
+      </p:sp>
+      <p:sp>
+        <p:nvSpPr>
+          <p:cNvPr id="162" name="Google Shape;162;p15"/>
+          <p:cNvSpPr/>
+          <p:nvPr/>
+        </p:nvSpPr>
+        <p:spPr>
+          <a:xfrm>
+            <a:off x="5408446" y="1668090"/>
+            <a:ext cx="42600" cy="97800"/>
+          </a:xfrm>
+          <a:prstGeom prst="rect">
+            <a:avLst/>
+          </a:prstGeom>
+          <a:solidFill>
+            <a:schemeClr val="dk1"/>
+          </a:solidFill>
+          <a:ln cap="flat" cmpd="sng" w="9525">
+            <a:solidFill>
+              <a:schemeClr val="dk2"/>
+            </a:solidFill>
+            <a:prstDash val="solid"/>
+            <a:round/>
+            <a:headEnd len="sm" w="sm" type="none"/>
+            <a:tailEnd len="sm" w="sm" type="none"/>
+          </a:ln>
+        </p:spPr>
+        <p:txBody>
+          <a:bodyPr anchorCtr="0" anchor="ctr" bIns="51525" lIns="51525" spcFirstLastPara="1" rIns="51525" wrap="square" tIns="51525">
+            <a:noAutofit/>
+          </a:bodyPr>
+          <a:lstStyle/>
+          <a:p>
+            <a:pPr indent="0" lvl="0" marL="0" rtl="0" algn="l">
+              <a:spcBef>
+                <a:spcPts val="0"/>
+              </a:spcBef>
+              <a:spcAft>
+                <a:spcPts val="0"/>
+              </a:spcAft>
+              <a:buNone/>
+            </a:pPr>
+            <a:r>
+              <a:t/>
+            </a:r>
+            <a:endParaRPr/>
+          </a:p>
+        </p:txBody>
+      </p:sp>
+      <p:sp>
+        <p:nvSpPr>
+          <p:cNvPr id="163" name="Google Shape;163;p15"/>
+          <p:cNvSpPr txBox="1"/>
+          <p:nvPr/>
+        </p:nvSpPr>
+        <p:spPr>
+          <a:xfrm>
+            <a:off x="7408515" y="422191"/>
+            <a:ext cx="1582500" cy="873600"/>
+          </a:xfrm>
+          <a:prstGeom prst="rect">
+            <a:avLst/>
+          </a:prstGeom>
+          <a:noFill/>
+          <a:ln>
+            <a:noFill/>
+          </a:ln>
+        </p:spPr>
+        <p:txBody>
+          <a:bodyPr anchorCtr="0" anchor="t" bIns="51525" lIns="51525" spcFirstLastPara="1" rIns="51525" wrap="square" tIns="51525">
+            <a:spAutoFit/>
+          </a:bodyPr>
+          <a:lstStyle/>
+          <a:p>
+            <a:pPr indent="0" lvl="0" marL="0" rtl="0" algn="l">
+              <a:spcBef>
+                <a:spcPts val="0"/>
+              </a:spcBef>
+              <a:spcAft>
+                <a:spcPts val="0"/>
+              </a:spcAft>
+              <a:buClr>
+                <a:schemeClr val="dk1"/>
+              </a:buClr>
+              <a:buSzPts val="600"/>
+              <a:buFont typeface="Arial"/>
+              <a:buNone/>
+            </a:pPr>
+            <a:r>
+              <a:rPr lang="en-GB" sz="700">
+                <a:solidFill>
+                  <a:schemeClr val="dk1"/>
+                </a:solidFill>
+              </a:rPr>
+              <a:t>The flat bit of the display spinner can be laser cutted with an SVG file, laser cutted acrylic have a smooth surface, and the colour could be black, giving it a minimalistic modern feel.</a:t>
+            </a:r>
+            <a:endParaRPr sz="700">
+              <a:solidFill>
+                <a:schemeClr val="dk1"/>
+              </a:solidFill>
+            </a:endParaRPr>
+          </a:p>
+          <a:p>
+            <a:pPr indent="0" lvl="0" marL="0" rtl="0" algn="l">
+              <a:spcBef>
+                <a:spcPts val="0"/>
+              </a:spcBef>
+              <a:spcAft>
+                <a:spcPts val="0"/>
+              </a:spcAft>
+              <a:buNone/>
+            </a:pPr>
+            <a:r>
+              <a:t/>
+            </a:r>
+            <a:endParaRPr sz="800"/>
+          </a:p>
+        </p:txBody>
+      </p:sp>
+      <p:sp>
+        <p:nvSpPr>
+          <p:cNvPr id="164" name="Google Shape;164;p15"/>
+          <p:cNvSpPr txBox="1"/>
+          <p:nvPr/>
+        </p:nvSpPr>
+        <p:spPr>
+          <a:xfrm>
+            <a:off x="7218861" y="1994610"/>
+            <a:ext cx="1582500" cy="843000"/>
+          </a:xfrm>
+          <a:prstGeom prst="rect">
+            <a:avLst/>
+          </a:prstGeom>
+          <a:noFill/>
+          <a:ln>
+            <a:noFill/>
+          </a:ln>
+        </p:spPr>
+        <p:txBody>
+          <a:bodyPr anchorCtr="0" anchor="t" bIns="51525" lIns="51525" spcFirstLastPara="1" rIns="51525" wrap="square" tIns="51525">
+            <a:spAutoFit/>
+          </a:bodyPr>
+          <a:lstStyle/>
+          <a:p>
+            <a:pPr indent="0" lvl="0" marL="0" rtl="0" algn="l">
+              <a:spcBef>
+                <a:spcPts val="0"/>
+              </a:spcBef>
+              <a:spcAft>
+                <a:spcPts val="0"/>
+              </a:spcAft>
+              <a:buNone/>
+            </a:pPr>
+            <a:r>
+              <a:rPr lang="en-GB" sz="800"/>
+              <a:t>The display spinner’s bottom bit will be a motor axle, which will be held together by a 3D printed motor flang and locked tightly to the motor axle, so the spinner will be spun.</a:t>
+            </a:r>
+            <a:endParaRPr sz="800"/>
+          </a:p>
+        </p:txBody>
+      </p:sp>
+      <p:cxnSp>
+        <p:nvCxnSpPr>
+          <p:cNvPr id="165" name="Google Shape;165;p15"/>
+          <p:cNvCxnSpPr/>
+          <p:nvPr/>
+        </p:nvCxnSpPr>
+        <p:spPr>
+          <a:xfrm rot="10800000">
+            <a:off x="7832561" y="1658360"/>
+            <a:ext cx="211800" cy="337200"/>
+          </a:xfrm>
+          <a:prstGeom prst="straightConnector1">
+            <a:avLst/>
+          </a:prstGeom>
+          <a:noFill/>
+          <a:ln cap="flat" cmpd="sng" w="9525">
+            <a:solidFill>
+              <a:schemeClr val="dk2"/>
+            </a:solidFill>
+            <a:prstDash val="solid"/>
+            <a:round/>
+            <a:headEnd len="med" w="med" type="none"/>
+            <a:tailEnd len="med" w="med" type="triangle"/>
+          </a:ln>
+        </p:spPr>
+      </p:cxnSp>
+      <p:sp>
+        <p:nvSpPr>
+          <p:cNvPr id="166" name="Google Shape;166;p15"/>
+          <p:cNvSpPr txBox="1"/>
+          <p:nvPr/>
+        </p:nvSpPr>
+        <p:spPr>
+          <a:xfrm>
+            <a:off x="6157595" y="3141230"/>
+            <a:ext cx="1413300" cy="473400"/>
+          </a:xfrm>
+          <a:prstGeom prst="rect">
+            <a:avLst/>
+          </a:prstGeom>
+          <a:noFill/>
+          <a:ln>
+            <a:noFill/>
+          </a:ln>
+        </p:spPr>
+        <p:txBody>
+          <a:bodyPr anchorCtr="0" anchor="t" bIns="51525" lIns="51525" spcFirstLastPara="1" rIns="51525" wrap="square" tIns="51525">
+            <a:spAutoFit/>
+          </a:bodyPr>
+          <a:lstStyle/>
+          <a:p>
+            <a:pPr indent="0" lvl="0" marL="0" rtl="0" algn="l">
+              <a:spcBef>
+                <a:spcPts val="0"/>
+              </a:spcBef>
+              <a:spcAft>
+                <a:spcPts val="0"/>
+              </a:spcAft>
+              <a:buNone/>
+            </a:pPr>
+            <a:r>
+              <a:rPr lang="en-GB" sz="800"/>
+              <a:t>This design consists of glass panes for its outer panels to give it a minimalistic look.</a:t>
+            </a:r>
+            <a:endParaRPr sz="800"/>
+          </a:p>
+        </p:txBody>
+      </p:sp>
+      <p:cxnSp>
+        <p:nvCxnSpPr>
+          <p:cNvPr id="167" name="Google Shape;167;p15"/>
+          <p:cNvCxnSpPr>
+            <a:stCxn id="147" idx="3"/>
+          </p:cNvCxnSpPr>
+          <p:nvPr/>
+        </p:nvCxnSpPr>
+        <p:spPr>
+          <a:xfrm>
+            <a:off x="4372864" y="1507673"/>
+            <a:ext cx="660900" cy="205800"/>
+          </a:xfrm>
+          <a:prstGeom prst="straightConnector1">
+            <a:avLst/>
+          </a:prstGeom>
+          <a:noFill/>
+          <a:ln cap="flat" cmpd="sng" w="9525">
+            <a:solidFill>
+              <a:schemeClr val="dk2"/>
+            </a:solidFill>
+            <a:prstDash val="solid"/>
+            <a:round/>
+            <a:headEnd len="med" w="med" type="none"/>
+            <a:tailEnd len="med" w="med" type="triangle"/>
+          </a:ln>
+        </p:spPr>
+      </p:cxnSp>
+      <p:cxnSp>
+        <p:nvCxnSpPr>
+          <p:cNvPr id="168" name="Google Shape;168;p15"/>
+          <p:cNvCxnSpPr/>
+          <p:nvPr/>
+        </p:nvCxnSpPr>
+        <p:spPr>
+          <a:xfrm flipH="1">
+            <a:off x="8093709" y="1051190"/>
+            <a:ext cx="198000" cy="264300"/>
+          </a:xfrm>
+          <a:prstGeom prst="straightConnector1">
+            <a:avLst/>
+          </a:prstGeom>
+          <a:noFill/>
+          <a:ln cap="flat" cmpd="sng" w="9525">
+            <a:solidFill>
+              <a:schemeClr val="dk2"/>
+            </a:solidFill>
+            <a:prstDash val="solid"/>
+            <a:round/>
+            <a:headEnd len="med" w="med" type="none"/>
+            <a:tailEnd len="med" w="med" type="triangle"/>
+          </a:ln>
+        </p:spPr>
+      </p:cxnSp>
+      <p:sp>
+        <p:nvSpPr>
+          <p:cNvPr id="169" name="Google Shape;169;p15"/>
+          <p:cNvSpPr txBox="1"/>
+          <p:nvPr/>
+        </p:nvSpPr>
+        <p:spPr>
+          <a:xfrm>
+            <a:off x="5377498" y="2189613"/>
+            <a:ext cx="1582500" cy="750600"/>
+          </a:xfrm>
+          <a:prstGeom prst="rect">
+            <a:avLst/>
+          </a:prstGeom>
+          <a:noFill/>
+          <a:ln>
+            <a:noFill/>
+          </a:ln>
+        </p:spPr>
+        <p:txBody>
+          <a:bodyPr anchorCtr="0" anchor="t" bIns="51525" lIns="51525" spcFirstLastPara="1" rIns="51525" wrap="square" tIns="51525">
+            <a:spAutoFit/>
+          </a:bodyPr>
+          <a:lstStyle/>
+          <a:p>
+            <a:pPr indent="0" lvl="0" marL="0" rtl="0" algn="l">
+              <a:spcBef>
+                <a:spcPts val="0"/>
+              </a:spcBef>
+              <a:spcAft>
+                <a:spcPts val="0"/>
+              </a:spcAft>
+              <a:buNone/>
+            </a:pPr>
+            <a:r>
+              <a:rPr lang="en-GB" sz="700"/>
+              <a:t>In this design, there won’t be a button panel to control the ON/OFF of the DC motor and LED light strips. Instead, this design will rely on a remote control, which a bluetooth component needs to be installed. </a:t>
+            </a:r>
+            <a:endParaRPr sz="700"/>
+          </a:p>
+        </p:txBody>
+      </p:sp>
+      <p:sp>
+        <p:nvSpPr>
+          <p:cNvPr id="170" name="Google Shape;170;p15"/>
+          <p:cNvSpPr txBox="1"/>
+          <p:nvPr/>
+        </p:nvSpPr>
+        <p:spPr>
+          <a:xfrm>
+            <a:off x="5550021" y="126976"/>
+            <a:ext cx="1582500" cy="966000"/>
+          </a:xfrm>
+          <a:prstGeom prst="rect">
+            <a:avLst/>
+          </a:prstGeom>
+          <a:noFill/>
+          <a:ln>
+            <a:noFill/>
+          </a:ln>
+        </p:spPr>
+        <p:txBody>
+          <a:bodyPr anchorCtr="0" anchor="t" bIns="51525" lIns="51525" spcFirstLastPara="1" rIns="51525" wrap="square" tIns="51525">
+            <a:spAutoFit/>
+          </a:bodyPr>
+          <a:lstStyle/>
+          <a:p>
+            <a:pPr indent="0" lvl="0" marL="0" rtl="0" algn="l">
+              <a:spcBef>
+                <a:spcPts val="0"/>
+              </a:spcBef>
+              <a:spcAft>
+                <a:spcPts val="0"/>
+              </a:spcAft>
+              <a:buNone/>
+            </a:pPr>
+            <a:r>
+              <a:rPr lang="en-GB" sz="700"/>
+              <a:t>This display spinner’s RTC and arduino chip board will be placed below the electric motor, and right above the battery holders. RTC will tell the arduino what time is it, so that the lights will be turned off during sleeping hours as mentioned in specification.</a:t>
+            </a:r>
+            <a:endParaRPr sz="700"/>
+          </a:p>
+        </p:txBody>
+      </p:sp>
+      <p:cxnSp>
+        <p:nvCxnSpPr>
+          <p:cNvPr id="171" name="Google Shape;171;p15"/>
+          <p:cNvCxnSpPr/>
+          <p:nvPr/>
+        </p:nvCxnSpPr>
+        <p:spPr>
+          <a:xfrm flipH="1">
+            <a:off x="5436732" y="944382"/>
+            <a:ext cx="636000" cy="629700"/>
+          </a:xfrm>
+          <a:prstGeom prst="straightConnector1">
+            <a:avLst/>
+          </a:prstGeom>
+          <a:noFill/>
+          <a:ln cap="flat" cmpd="sng" w="9525">
+            <a:solidFill>
+              <a:schemeClr val="dk2"/>
+            </a:solidFill>
+            <a:prstDash val="solid"/>
+            <a:round/>
+            <a:headEnd len="med" w="med" type="none"/>
+            <a:tailEnd len="med" w="med" type="triangle"/>
+          </a:ln>
+        </p:spPr>
+      </p:cxnSp>
+      <p:cxnSp>
+        <p:nvCxnSpPr>
+          <p:cNvPr id="172" name="Google Shape;172;p15"/>
+          <p:cNvCxnSpPr/>
+          <p:nvPr/>
+        </p:nvCxnSpPr>
+        <p:spPr>
+          <a:xfrm>
+            <a:off x="6828881" y="944382"/>
+            <a:ext cx="741900" cy="618300"/>
+          </a:xfrm>
+          <a:prstGeom prst="straightConnector1">
+            <a:avLst/>
+          </a:prstGeom>
+          <a:noFill/>
+          <a:ln cap="flat" cmpd="sng" w="9525">
+            <a:solidFill>
+              <a:schemeClr val="dk2"/>
+            </a:solidFill>
+            <a:prstDash val="solid"/>
+            <a:round/>
+            <a:headEnd len="med" w="med" type="none"/>
+            <a:tailEnd len="med" w="med" type="triangle"/>
+          </a:ln>
+        </p:spPr>
+      </p:cxnSp>
+      <p:cxnSp>
+        <p:nvCxnSpPr>
+          <p:cNvPr id="173" name="Google Shape;173;p15"/>
+          <p:cNvCxnSpPr>
+            <a:stCxn id="169" idx="0"/>
+            <a:endCxn id="162" idx="3"/>
+          </p:cNvCxnSpPr>
+          <p:nvPr/>
+        </p:nvCxnSpPr>
+        <p:spPr>
+          <a:xfrm rot="10800000">
+            <a:off x="5451148" y="1717113"/>
+            <a:ext cx="717600" cy="472500"/>
+          </a:xfrm>
+          <a:prstGeom prst="straightConnector1">
+            <a:avLst/>
+          </a:prstGeom>
+          <a:noFill/>
+          <a:ln cap="flat" cmpd="sng" w="9525">
+            <a:solidFill>
+              <a:schemeClr val="dk2"/>
+            </a:solidFill>
+            <a:prstDash val="solid"/>
+            <a:round/>
+            <a:headEnd len="med" w="med" type="none"/>
+            <a:tailEnd len="med" w="med" type="triangle"/>
+          </a:ln>
+        </p:spPr>
+      </p:cxnSp>
+      <p:sp>
+        <p:nvSpPr>
+          <p:cNvPr id="174" name="Google Shape;174;p15"/>
+          <p:cNvSpPr txBox="1"/>
+          <p:nvPr/>
+        </p:nvSpPr>
+        <p:spPr>
+          <a:xfrm>
+            <a:off x="3230842" y="2838101"/>
+            <a:ext cx="2090400" cy="843000"/>
+          </a:xfrm>
+          <a:prstGeom prst="rect">
+            <a:avLst/>
+          </a:prstGeom>
+          <a:noFill/>
+          <a:ln>
+            <a:noFill/>
+          </a:ln>
+        </p:spPr>
+        <p:txBody>
+          <a:bodyPr anchorCtr="0" anchor="t" bIns="51525" lIns="51525" spcFirstLastPara="1" rIns="51525" wrap="square" tIns="51525">
+            <a:spAutoFit/>
+          </a:bodyPr>
+          <a:lstStyle/>
+          <a:p>
+            <a:pPr indent="0" lvl="0" marL="0" rtl="0" algn="l">
+              <a:spcBef>
+                <a:spcPts val="0"/>
+              </a:spcBef>
+              <a:spcAft>
+                <a:spcPts val="0"/>
+              </a:spcAft>
+              <a:buNone/>
+            </a:pPr>
+            <a:r>
+              <a:rPr lang="en-GB" sz="800"/>
+              <a:t>The sides of this design would compose of 4 stainless steel or iron rods, that will give this design structural integrity, which the individual glass pieces will then be attached to the metal rods via glass-to-glass steel partitioning joints.</a:t>
+            </a:r>
+            <a:endParaRPr sz="800"/>
+          </a:p>
+        </p:txBody>
+      </p:sp>
+      <p:cxnSp>
+        <p:nvCxnSpPr>
+          <p:cNvPr id="175" name="Google Shape;175;p15"/>
+          <p:cNvCxnSpPr>
+            <a:stCxn id="174" idx="1"/>
+          </p:cNvCxnSpPr>
+          <p:nvPr/>
+        </p:nvCxnSpPr>
+        <p:spPr>
+          <a:xfrm rot="10800000">
+            <a:off x="2638342" y="2886101"/>
+            <a:ext cx="592500" cy="373500"/>
+          </a:xfrm>
+          <a:prstGeom prst="straightConnector1">
+            <a:avLst/>
+          </a:prstGeom>
+          <a:noFill/>
+          <a:ln cap="flat" cmpd="sng" w="9525">
+            <a:solidFill>
+              <a:schemeClr val="dk2"/>
+            </a:solidFill>
+            <a:prstDash val="solid"/>
+            <a:round/>
+            <a:headEnd len="med" w="med" type="none"/>
+            <a:tailEnd len="med" w="med" type="triangle"/>
+          </a:ln>
+        </p:spPr>
+      </p:cxnSp>
+      <p:sp>
+        <p:nvSpPr>
+          <p:cNvPr id="176" name="Google Shape;176;p15"/>
+          <p:cNvSpPr txBox="1"/>
+          <p:nvPr/>
+        </p:nvSpPr>
+        <p:spPr>
+          <a:xfrm>
+            <a:off x="2554257" y="4281957"/>
+            <a:ext cx="2090400" cy="719700"/>
+          </a:xfrm>
+          <a:prstGeom prst="rect">
+            <a:avLst/>
+          </a:prstGeom>
+          <a:noFill/>
+          <a:ln>
+            <a:noFill/>
+          </a:ln>
+        </p:spPr>
+        <p:txBody>
+          <a:bodyPr anchorCtr="0" anchor="t" bIns="51525" lIns="51525" spcFirstLastPara="1" rIns="51525" wrap="square" tIns="51525">
+            <a:spAutoFit/>
+          </a:bodyPr>
+          <a:lstStyle/>
+          <a:p>
+            <a:pPr indent="0" lvl="0" marL="0" rtl="0" algn="l">
+              <a:spcBef>
+                <a:spcPts val="0"/>
+              </a:spcBef>
+              <a:spcAft>
+                <a:spcPts val="0"/>
+              </a:spcAft>
+              <a:buNone/>
+            </a:pPr>
+            <a:r>
+              <a:rPr lang="en-GB" sz="800"/>
+              <a:t>The copper wires will run through these 4 metal rods, connecting the motion sensors at the top and the display spinner on the top layer, to provide these electronic components with a supply of electricity.</a:t>
+            </a:r>
+            <a:endParaRPr sz="800"/>
+          </a:p>
+        </p:txBody>
+      </p:sp>
+      <p:cxnSp>
+        <p:nvCxnSpPr>
+          <p:cNvPr id="177" name="Google Shape;177;p15"/>
+          <p:cNvCxnSpPr/>
+          <p:nvPr/>
+        </p:nvCxnSpPr>
+        <p:spPr>
+          <a:xfrm rot="10800000">
+            <a:off x="2623982" y="3535731"/>
+            <a:ext cx="374700" cy="798300"/>
+          </a:xfrm>
+          <a:prstGeom prst="straightConnector1">
+            <a:avLst/>
+          </a:prstGeom>
+          <a:noFill/>
+          <a:ln cap="flat" cmpd="sng" w="9525">
+            <a:solidFill>
+              <a:schemeClr val="dk2"/>
+            </a:solidFill>
+            <a:prstDash val="solid"/>
+            <a:round/>
+            <a:headEnd len="med" w="med" type="none"/>
+            <a:tailEnd len="med" w="med" type="triangle"/>
+          </a:ln>
+        </p:spPr>
+      </p:cxnSp>
+      <p:sp>
+        <p:nvSpPr>
+          <p:cNvPr id="178" name="Google Shape;178;p15"/>
+          <p:cNvSpPr txBox="1"/>
+          <p:nvPr/>
+        </p:nvSpPr>
+        <p:spPr>
+          <a:xfrm>
+            <a:off x="489963" y="680184"/>
+            <a:ext cx="2090400" cy="1089300"/>
+          </a:xfrm>
+          <a:prstGeom prst="rect">
+            <a:avLst/>
+          </a:prstGeom>
+          <a:noFill/>
+          <a:ln>
+            <a:noFill/>
+          </a:ln>
+        </p:spPr>
+        <p:txBody>
+          <a:bodyPr anchorCtr="0" anchor="t" bIns="51525" lIns="51525" spcFirstLastPara="1" rIns="51525" wrap="square" tIns="51525">
+            <a:spAutoFit/>
+          </a:bodyPr>
+          <a:lstStyle/>
+          <a:p>
+            <a:pPr indent="0" lvl="0" marL="0" rtl="0" algn="l">
+              <a:spcBef>
+                <a:spcPts val="0"/>
+              </a:spcBef>
+              <a:spcAft>
+                <a:spcPts val="0"/>
+              </a:spcAft>
+              <a:buNone/>
+            </a:pPr>
+            <a:r>
+              <a:rPr lang="en-GB" sz="800"/>
+              <a:t>At the top of this design, will consist of 4x PIR motion sensors, they will be pointed down and detect whether are there people around, these sensors will then communicate to the Arduino chip in the display spinner via copper wires which travels down the 4 metal rods on each corner. </a:t>
+            </a:r>
+            <a:endParaRPr sz="800"/>
+          </a:p>
+        </p:txBody>
+      </p:sp>
+      <p:cxnSp>
+        <p:nvCxnSpPr>
+          <p:cNvPr id="179" name="Google Shape;179;p15"/>
+          <p:cNvCxnSpPr>
+            <a:endCxn id="159" idx="0"/>
+          </p:cNvCxnSpPr>
+          <p:nvPr/>
+        </p:nvCxnSpPr>
+        <p:spPr>
+          <a:xfrm>
+            <a:off x="2242630" y="1523314"/>
+            <a:ext cx="311700" cy="625500"/>
+          </a:xfrm>
+          <a:prstGeom prst="straightConnector1">
+            <a:avLst/>
+          </a:prstGeom>
+          <a:noFill/>
+          <a:ln cap="flat" cmpd="sng" w="9525">
+            <a:solidFill>
+              <a:schemeClr val="dk2"/>
+            </a:solidFill>
+            <a:prstDash val="solid"/>
+            <a:round/>
+            <a:headEnd len="med" w="med" type="none"/>
+            <a:tailEnd len="med" w="med" type="triangle"/>
+          </a:ln>
+        </p:spPr>
+      </p:cxnSp>
+      <p:cxnSp>
+        <p:nvCxnSpPr>
+          <p:cNvPr id="180" name="Google Shape;180;p15"/>
+          <p:cNvCxnSpPr>
+            <a:endCxn id="161" idx="1"/>
+          </p:cNvCxnSpPr>
+          <p:nvPr/>
+        </p:nvCxnSpPr>
+        <p:spPr>
+          <a:xfrm>
+            <a:off x="1797480" y="1534555"/>
+            <a:ext cx="239700" cy="414300"/>
+          </a:xfrm>
+          <a:prstGeom prst="straightConnector1">
+            <a:avLst/>
+          </a:prstGeom>
+          <a:noFill/>
+          <a:ln cap="flat" cmpd="sng" w="9525">
+            <a:solidFill>
+              <a:schemeClr val="dk2"/>
+            </a:solidFill>
+            <a:prstDash val="solid"/>
+            <a:round/>
+            <a:headEnd len="med" w="med" type="none"/>
+            <a:tailEnd len="med" w="med" type="triangle"/>
+          </a:ln>
+        </p:spPr>
+      </p:cxnSp>
+      <p:cxnSp>
+        <p:nvCxnSpPr>
+          <p:cNvPr id="181" name="Google Shape;181;p15"/>
+          <p:cNvCxnSpPr>
+            <a:endCxn id="160" idx="7"/>
+          </p:cNvCxnSpPr>
+          <p:nvPr/>
+        </p:nvCxnSpPr>
+        <p:spPr>
+          <a:xfrm flipH="1">
+            <a:off x="1640190" y="1562669"/>
+            <a:ext cx="72300" cy="591900"/>
+          </a:xfrm>
+          <a:prstGeom prst="straightConnector1">
+            <a:avLst/>
+          </a:prstGeom>
+          <a:noFill/>
+          <a:ln cap="flat" cmpd="sng" w="9525">
+            <a:solidFill>
+              <a:schemeClr val="dk2"/>
+            </a:solidFill>
+            <a:prstDash val="solid"/>
+            <a:round/>
+            <a:headEnd len="med" w="med" type="none"/>
+            <a:tailEnd len="med" w="med" type="triangle"/>
+          </a:ln>
+        </p:spPr>
+      </p:cxnSp>
+      <p:cxnSp>
+        <p:nvCxnSpPr>
+          <p:cNvPr id="182" name="Google Shape;182;p15"/>
+          <p:cNvCxnSpPr/>
+          <p:nvPr/>
+        </p:nvCxnSpPr>
+        <p:spPr>
+          <a:xfrm flipH="1">
+            <a:off x="2122257" y="1506513"/>
+            <a:ext cx="7200" cy="854400"/>
+          </a:xfrm>
+          <a:prstGeom prst="straightConnector1">
+            <a:avLst/>
+          </a:prstGeom>
+          <a:noFill/>
+          <a:ln cap="flat" cmpd="sng" w="9525">
+            <a:solidFill>
+              <a:schemeClr val="dk2"/>
+            </a:solidFill>
+            <a:prstDash val="solid"/>
+            <a:round/>
+            <a:headEnd len="med" w="med" type="none"/>
+            <a:tailEnd len="med" w="med" type="triangle"/>
+          </a:ln>
+        </p:spPr>
+      </p:cxnSp>
+      <p:sp>
+        <p:nvSpPr>
+          <p:cNvPr id="183" name="Google Shape;183;p15"/>
+          <p:cNvSpPr txBox="1"/>
+          <p:nvPr/>
+        </p:nvSpPr>
+        <p:spPr>
+          <a:xfrm>
+            <a:off x="7634847" y="4027620"/>
+            <a:ext cx="1413300" cy="843000"/>
+          </a:xfrm>
+          <a:prstGeom prst="rect">
+            <a:avLst/>
+          </a:prstGeom>
+          <a:noFill/>
+          <a:ln>
+            <a:noFill/>
+          </a:ln>
+        </p:spPr>
+        <p:txBody>
+          <a:bodyPr anchorCtr="0" anchor="t" bIns="51525" lIns="51525" spcFirstLastPara="1" rIns="51525" wrap="square" tIns="51525">
+            <a:spAutoFit/>
+          </a:bodyPr>
+          <a:lstStyle/>
+          <a:p>
+            <a:pPr indent="0" lvl="0" marL="0" rtl="0" algn="l">
+              <a:spcBef>
+                <a:spcPts val="0"/>
+              </a:spcBef>
+              <a:spcAft>
+                <a:spcPts val="0"/>
+              </a:spcAft>
+              <a:buNone/>
+            </a:pPr>
+            <a:r>
+              <a:rPr lang="en-GB" sz="800"/>
+              <a:t>Silicone will be use as the adhesive to join the steel and glass together. Silicone is extremely strong and will hold the side glass panes together well.</a:t>
+            </a:r>
+            <a:endParaRPr sz="800"/>
+          </a:p>
+        </p:txBody>
+      </p:sp>
+      <p:cxnSp>
+        <p:nvCxnSpPr>
+          <p:cNvPr id="184" name="Google Shape;184;p15"/>
+          <p:cNvCxnSpPr/>
+          <p:nvPr/>
+        </p:nvCxnSpPr>
+        <p:spPr>
+          <a:xfrm rot="10800000">
+            <a:off x="6836032" y="3822549"/>
+            <a:ext cx="1045800" cy="252900"/>
+          </a:xfrm>
+          <a:prstGeom prst="straightConnector1">
+            <a:avLst/>
+          </a:prstGeom>
+          <a:noFill/>
+          <a:ln cap="flat" cmpd="sng" w="9525">
+            <a:solidFill>
+              <a:schemeClr val="dk2"/>
+            </a:solidFill>
+            <a:prstDash val="solid"/>
+            <a:round/>
+            <a:headEnd len="med" w="med" type="none"/>
+            <a:tailEnd len="med" w="med" type="triangle"/>
+          </a:ln>
+        </p:spPr>
+      </p:cxnSp>
+      <p:sp>
+        <p:nvSpPr>
+          <p:cNvPr id="185" name="Google Shape;185;p15"/>
+          <p:cNvSpPr txBox="1"/>
+          <p:nvPr/>
+        </p:nvSpPr>
+        <p:spPr>
+          <a:xfrm>
+            <a:off x="3307866" y="3567906"/>
+            <a:ext cx="1936500" cy="719700"/>
+          </a:xfrm>
+          <a:prstGeom prst="rect">
+            <a:avLst/>
+          </a:prstGeom>
+          <a:noFill/>
+          <a:ln>
+            <a:noFill/>
+          </a:ln>
+        </p:spPr>
+        <p:txBody>
+          <a:bodyPr anchorCtr="0" anchor="t" bIns="51525" lIns="51525" spcFirstLastPara="1" rIns="51525" wrap="square" tIns="51525">
+            <a:spAutoFit/>
+          </a:bodyPr>
+          <a:lstStyle/>
+          <a:p>
+            <a:pPr indent="0" lvl="0" marL="0" rtl="0" algn="l">
+              <a:spcBef>
+                <a:spcPts val="0"/>
+              </a:spcBef>
+              <a:spcAft>
+                <a:spcPts val="0"/>
+              </a:spcAft>
+              <a:buNone/>
+            </a:pPr>
+            <a:r>
+              <a:rPr lang="en-GB" sz="800"/>
+              <a:t>This design have 2 glass panes in between, which will be held together by the 4 corner metal rods, these 2 panes acts to give this design 3 layers in between o display.</a:t>
+            </a:r>
+            <a:endParaRPr sz="800"/>
+          </a:p>
+        </p:txBody>
+      </p:sp>
+      <p:cxnSp>
+        <p:nvCxnSpPr>
+          <p:cNvPr id="186" name="Google Shape;186;p15"/>
+          <p:cNvCxnSpPr>
+            <a:stCxn id="185" idx="1"/>
+          </p:cNvCxnSpPr>
+          <p:nvPr/>
+        </p:nvCxnSpPr>
+        <p:spPr>
+          <a:xfrm rot="10800000">
+            <a:off x="2362566" y="3007356"/>
+            <a:ext cx="945300" cy="920400"/>
+          </a:xfrm>
+          <a:prstGeom prst="straightConnector1">
+            <a:avLst/>
+          </a:prstGeom>
+          <a:noFill/>
+          <a:ln cap="flat" cmpd="sng" w="9525">
+            <a:solidFill>
+              <a:schemeClr val="dk2"/>
+            </a:solidFill>
+            <a:prstDash val="solid"/>
+            <a:round/>
+            <a:headEnd len="med" w="med" type="none"/>
+            <a:tailEnd len="med" w="med" type="triangle"/>
+          </a:ln>
+        </p:spPr>
+      </p:cxnSp>
+      <p:sp>
+        <p:nvSpPr>
+          <p:cNvPr id="187" name="Google Shape;187;p15"/>
+          <p:cNvSpPr txBox="1"/>
+          <p:nvPr/>
+        </p:nvSpPr>
+        <p:spPr>
+          <a:xfrm>
+            <a:off x="3269713" y="1922745"/>
+            <a:ext cx="1582500" cy="1073700"/>
+          </a:xfrm>
+          <a:prstGeom prst="rect">
+            <a:avLst/>
+          </a:prstGeom>
+          <a:noFill/>
+          <a:ln>
+            <a:noFill/>
+          </a:ln>
+        </p:spPr>
+        <p:txBody>
+          <a:bodyPr anchorCtr="0" anchor="t" bIns="51525" lIns="51525" spcFirstLastPara="1" rIns="51525" wrap="square" tIns="51525">
+            <a:spAutoFit/>
+          </a:bodyPr>
+          <a:lstStyle/>
+          <a:p>
+            <a:pPr indent="0" lvl="0" marL="0" rtl="0" algn="l">
+              <a:spcBef>
+                <a:spcPts val="0"/>
+              </a:spcBef>
+              <a:spcAft>
+                <a:spcPts val="0"/>
+              </a:spcAft>
+              <a:buNone/>
+            </a:pPr>
+            <a:r>
+              <a:rPr lang="en-GB" sz="700"/>
+              <a:t>In between each glass pane layer, LED strips could be installed to provide lighting for the displaying artifact, variable resistor could even be installed to control the brightness to the user’s needs. LED is specifically used as they are efficient and doesn’t waste much power unlike incandescent bulbs.</a:t>
+            </a:r>
+            <a:endParaRPr sz="700"/>
+          </a:p>
+        </p:txBody>
+      </p:sp>
+      <p:cxnSp>
+        <p:nvCxnSpPr>
+          <p:cNvPr id="188" name="Google Shape;188;p15"/>
+          <p:cNvCxnSpPr>
+            <a:stCxn id="187" idx="1"/>
+          </p:cNvCxnSpPr>
+          <p:nvPr/>
+        </p:nvCxnSpPr>
+        <p:spPr>
+          <a:xfrm flipH="1">
+            <a:off x="2454613" y="2459595"/>
+            <a:ext cx="815100" cy="312000"/>
+          </a:xfrm>
+          <a:prstGeom prst="straightConnector1">
+            <a:avLst/>
+          </a:prstGeom>
+          <a:noFill/>
+          <a:ln cap="flat" cmpd="sng" w="9525">
+            <a:solidFill>
+              <a:schemeClr val="dk2"/>
+            </a:solidFill>
+            <a:prstDash val="solid"/>
+            <a:round/>
+            <a:headEnd len="med" w="med" type="none"/>
+            <a:tailEnd len="med" w="med" type="triangle"/>
+          </a:ln>
+        </p:spPr>
+      </p:cxnSp>
+      <p:pic>
+        <p:nvPicPr>
+          <p:cNvPr id="189" name="Google Shape;189;p15"/>
+          <p:cNvPicPr preferRelativeResize="0"/>
+          <p:nvPr/>
+        </p:nvPicPr>
+        <p:blipFill rotWithShape="1">
+          <a:blip r:embed="rId8">
+            <a:alphaModFix/>
+          </a:blip>
+          <a:srcRect b="55964" l="54597" r="31786" t="26144"/>
+          <a:stretch/>
+        </p:blipFill>
+        <p:spPr>
+          <a:xfrm>
+            <a:off x="7832447" y="2743687"/>
+            <a:ext cx="871797" cy="643947"/>
+          </a:xfrm>
+          <a:prstGeom prst="rect">
+            <a:avLst/>
+          </a:prstGeom>
+          <a:noFill/>
+          <a:ln>
+            <a:noFill/>
+          </a:ln>
+        </p:spPr>
+      </p:pic>
+      <p:sp>
+        <p:nvSpPr>
+          <p:cNvPr id="190" name="Google Shape;190;p15"/>
+          <p:cNvSpPr txBox="1"/>
+          <p:nvPr/>
+        </p:nvSpPr>
+        <p:spPr>
+          <a:xfrm>
+            <a:off x="7920143" y="3336276"/>
+            <a:ext cx="842700" cy="642900"/>
+          </a:xfrm>
+          <a:prstGeom prst="rect">
+            <a:avLst/>
+          </a:prstGeom>
+          <a:noFill/>
+          <a:ln>
+            <a:noFill/>
+          </a:ln>
+        </p:spPr>
+        <p:txBody>
+          <a:bodyPr anchorCtr="0" anchor="t" bIns="51525" lIns="51525" spcFirstLastPara="1" rIns="51525" wrap="square" tIns="51525">
+            <a:spAutoFit/>
+          </a:bodyPr>
+          <a:lstStyle/>
+          <a:p>
+            <a:pPr indent="0" lvl="0" marL="0" rtl="0" algn="l">
+              <a:spcBef>
+                <a:spcPts val="0"/>
+              </a:spcBef>
+              <a:spcAft>
+                <a:spcPts val="0"/>
+              </a:spcAft>
+              <a:buNone/>
+            </a:pPr>
+            <a:r>
+              <a:rPr lang="en-GB" sz="700"/>
+              <a:t>Concept of motor flange. Which will be glued to the motor’s axle and display spinner.</a:t>
+            </a:r>
+            <a:endParaRPr sz="700"/>
+          </a:p>
+        </p:txBody>
+      </p:sp>
+      <p:sp>
+        <p:nvSpPr>
+          <p:cNvPr id="191" name="Google Shape;191;p15"/>
+          <p:cNvSpPr txBox="1"/>
+          <p:nvPr>
+            <p:ph idx="12" type="sldNum"/>
+          </p:nvPr>
+        </p:nvSpPr>
+        <p:spPr>
+          <a:xfrm>
+            <a:off x="5123820" y="2243290"/>
+            <a:ext cx="331800" cy="189300"/>
+          </a:xfrm>
+          <a:prstGeom prst="rect">
+            <a:avLst/>
+          </a:prstGeom>
+        </p:spPr>
+        <p:txBody>
+          <a:bodyPr anchorCtr="0" anchor="ctr" bIns="91425" lIns="91425" spcFirstLastPara="1" rIns="91425" wrap="square" tIns="91425">
+            <a:normAutofit fontScale="25000" lnSpcReduction="20000"/>
+          </a:bodyPr>
+          <a:lstStyle/>
+          <a:p>
+            <a:pPr indent="0" lvl="0" marL="0" rtl="0" algn="r">
+              <a:spcBef>
+                <a:spcPts val="0"/>
+              </a:spcBef>
+              <a:spcAft>
+                <a:spcPts val="0"/>
+              </a:spcAft>
+              <a:buNone/>
+            </a:pPr>
+            <a:fld id="{00000000-1234-1234-1234-123412341234}" type="slidenum">
+              <a:rPr lang="en-GB"/>
+              <a:t>‹#›</a:t>
+            </a:fld>
+            <a:endParaRPr/>
+          </a:p>
+        </p:txBody>
+      </p:sp>
+      <p:sp>
+        <p:nvSpPr>
+          <p:cNvPr id="192" name="Google Shape;192;p15"/>
+          <p:cNvSpPr txBox="1"/>
+          <p:nvPr/>
+        </p:nvSpPr>
+        <p:spPr>
+          <a:xfrm>
+            <a:off x="6168148" y="1143180"/>
+            <a:ext cx="1052700" cy="867600"/>
+          </a:xfrm>
+          <a:prstGeom prst="rect">
+            <a:avLst/>
+          </a:prstGeom>
+          <a:noFill/>
+          <a:ln>
+            <a:noFill/>
+          </a:ln>
+        </p:spPr>
+        <p:txBody>
+          <a:bodyPr anchorCtr="0" anchor="t" bIns="51525" lIns="51525" spcFirstLastPara="1" rIns="51525" wrap="square" tIns="51525">
+            <a:noAutofit/>
+          </a:bodyPr>
+          <a:lstStyle/>
+          <a:p>
+            <a:pPr indent="0" lvl="0" marL="0" rtl="0" algn="l">
+              <a:spcBef>
+                <a:spcPts val="0"/>
+              </a:spcBef>
+              <a:spcAft>
+                <a:spcPts val="0"/>
+              </a:spcAft>
+              <a:buNone/>
+            </a:pPr>
+            <a:r>
+              <a:rPr lang="en-GB" sz="700"/>
+              <a:t>The display spinner will be able to carry displaying artifact and spin 360 degree as per requested by the specification. The speed needs to also be variable, and can be controlled by a remote control.</a:t>
+            </a:r>
+            <a:endParaRPr sz="700"/>
+          </a:p>
+        </p:txBody>
+      </p:sp>
+      <p:cxnSp>
+        <p:nvCxnSpPr>
+          <p:cNvPr id="193" name="Google Shape;193;p15"/>
+          <p:cNvCxnSpPr>
+            <a:endCxn id="157" idx="1"/>
+          </p:cNvCxnSpPr>
+          <p:nvPr/>
+        </p:nvCxnSpPr>
+        <p:spPr>
+          <a:xfrm flipH="1" rot="10800000">
+            <a:off x="7176928" y="1488140"/>
+            <a:ext cx="186000" cy="247200"/>
+          </a:xfrm>
+          <a:prstGeom prst="straightConnector1">
+            <a:avLst/>
+          </a:prstGeom>
+          <a:noFill/>
+          <a:ln cap="flat" cmpd="sng" w="9525">
+            <a:solidFill>
+              <a:schemeClr val="dk2"/>
+            </a:solidFill>
+            <a:prstDash val="solid"/>
+            <a:round/>
+            <a:headEnd len="med" w="med" type="none"/>
+            <a:tailEnd len="med" w="med" type="stealth"/>
+          </a:ln>
+        </p:spPr>
+      </p:cxnSp>
+    </p:spTree>
+  </p:cSld>
+  <p:clrMapOvr>
+    <a:masterClrMapping/>
+  </p:clrMapOvr>
+</p:sld>
+</file>
+
+<file path=ppt/slides/slide4.xml><?xml version="1.0" encoding="utf-8"?>
+<p:sld xmlns:a="http://schemas.openxmlformats.org/drawingml/2006/main" xmlns:r="http://schemas.openxmlformats.org/officeDocument/2006/relationships" xmlns:mc="http://schemas.openxmlformats.org/markup-compatibility/2006" xmlns:mv="urn:schemas-microsoft-com:mac:vml" xmlns:p="http://schemas.openxmlformats.org/presentationml/2006/main" xmlns:c="http://schemas.openxmlformats.org/drawingml/2006/chart" xmlns:dgm="http://schemas.openxmlformats.org/drawingml/2006/diagram" xmlns:o="urn:schemas-microsoft-com:office:office" xmlns:v="urn:schemas-microsoft-com:vml" xmlns:pvml="urn:schemas-microsoft-com:office:powerpoint" xmlns:com="http://schemas.openxmlformats.org/drawingml/2006/compatibility" xmlns:p14="http://schemas.microsoft.com/office/powerpoint/2010/main" xmlns:p15="http://schemas.microsoft.com/office/powerpoint/2012/main" xmlns:ahyp="http://schemas.microsoft.com/office/drawing/2018/hyperlinkcolor">
+  <p:cSld>
+    <p:spTree>
+      <p:nvGrpSpPr>
+        <p:cNvPr id="197" name="Shape 197"/>
+        <p:cNvGrpSpPr/>
+        <p:nvPr/>
+      </p:nvGrpSpPr>
+      <p:grpSpPr>
+        <a:xfrm>
+          <a:off x="0" y="0"/>
+          <a:ext cx="0" cy="0"/>
+          <a:chOff x="0" y="0"/>
+          <a:chExt cx="0" cy="0"/>
+        </a:xfrm>
+      </p:grpSpPr>
+      <p:grpSp>
+        <p:nvGrpSpPr>
+          <p:cNvPr id="198" name="Google Shape;198;p16"/>
+          <p:cNvGrpSpPr/>
+          <p:nvPr/>
+        </p:nvGrpSpPr>
+        <p:grpSpPr>
+          <a:xfrm>
+            <a:off x="6319812" y="3216449"/>
+            <a:ext cx="1267213" cy="1573813"/>
+            <a:chOff x="1671875" y="3851213"/>
+            <a:chExt cx="2866350" cy="4521151"/>
+          </a:xfrm>
+        </p:grpSpPr>
+        <p:pic>
+          <p:nvPicPr>
+            <p:cNvPr id="199" name="Google Shape;199;p16"/>
+            <p:cNvPicPr preferRelativeResize="0"/>
+            <p:nvPr/>
+          </p:nvPicPr>
+          <p:blipFill rotWithShape="1">
+            <a:blip r:embed="rId3">
+              <a:alphaModFix/>
+            </a:blip>
+            <a:srcRect b="12479" l="32683" r="52582" t="54635"/>
+            <a:stretch/>
+          </p:blipFill>
+          <p:spPr>
+            <a:xfrm>
+              <a:off x="1671875" y="3851213"/>
+              <a:ext cx="2866350" cy="4521151"/>
+            </a:xfrm>
+            <a:prstGeom prst="rect">
+              <a:avLst/>
+            </a:prstGeom>
+            <a:noFill/>
+            <a:ln>
+              <a:noFill/>
+            </a:ln>
+          </p:spPr>
+        </p:pic>
+        <p:sp>
+          <p:nvSpPr>
+            <p:cNvPr id="200" name="Google Shape;200;p16"/>
+            <p:cNvSpPr/>
+            <p:nvPr/>
+          </p:nvSpPr>
+          <p:spPr>
+            <a:xfrm>
+              <a:off x="3428450" y="4897500"/>
+              <a:ext cx="70200" cy="81900"/>
+            </a:xfrm>
+            <a:prstGeom prst="ellipse">
+              <a:avLst/>
+            </a:prstGeom>
+            <a:solidFill>
+              <a:schemeClr val="lt2"/>
+            </a:solidFill>
+            <a:ln cap="flat" cmpd="sng" w="9525">
+              <a:solidFill>
+                <a:schemeClr val="dk2"/>
+              </a:solidFill>
+              <a:prstDash val="solid"/>
+              <a:round/>
+              <a:headEnd len="sm" w="sm" type="none"/>
+              <a:tailEnd len="sm" w="sm" type="none"/>
+            </a:ln>
+          </p:spPr>
+          <p:txBody>
+            <a:bodyPr anchorCtr="0" anchor="ctr" bIns="51525" lIns="51525" spcFirstLastPara="1" rIns="51525" wrap="square" tIns="51525">
+              <a:noAutofit/>
+            </a:bodyPr>
+            <a:lstStyle/>
+            <a:p>
+              <a:pPr indent="0" lvl="0" marL="0" rtl="0" algn="l">
+                <a:spcBef>
+                  <a:spcPts val="0"/>
+                </a:spcBef>
+                <a:spcAft>
+                  <a:spcPts val="0"/>
+                </a:spcAft>
+                <a:buNone/>
+              </a:pPr>
+              <a:r>
+                <a:t/>
+              </a:r>
+              <a:endParaRPr/>
+            </a:p>
+          </p:txBody>
+        </p:sp>
+        <p:sp>
+          <p:nvSpPr>
+            <p:cNvPr id="201" name="Google Shape;201;p16"/>
+            <p:cNvSpPr/>
+            <p:nvPr/>
+          </p:nvSpPr>
+          <p:spPr>
+            <a:xfrm>
+              <a:off x="4188475" y="4466825"/>
+              <a:ext cx="70200" cy="81900"/>
+            </a:xfrm>
+            <a:prstGeom prst="ellipse">
+              <a:avLst/>
+            </a:prstGeom>
+            <a:solidFill>
+              <a:schemeClr val="lt2"/>
+            </a:solidFill>
+            <a:ln cap="flat" cmpd="sng" w="9525">
+              <a:solidFill>
+                <a:schemeClr val="dk2"/>
+              </a:solidFill>
+              <a:prstDash val="solid"/>
+              <a:round/>
+              <a:headEnd len="sm" w="sm" type="none"/>
+              <a:tailEnd len="sm" w="sm" type="none"/>
+            </a:ln>
+          </p:spPr>
+          <p:txBody>
+            <a:bodyPr anchorCtr="0" anchor="ctr" bIns="51525" lIns="51525" spcFirstLastPara="1" rIns="51525" wrap="square" tIns="51525">
+              <a:noAutofit/>
+            </a:bodyPr>
+            <a:lstStyle/>
+            <a:p>
+              <a:pPr indent="0" lvl="0" marL="0" rtl="0" algn="l">
+                <a:spcBef>
+                  <a:spcPts val="0"/>
+                </a:spcBef>
+                <a:spcAft>
+                  <a:spcPts val="0"/>
+                </a:spcAft>
+                <a:buNone/>
+              </a:pPr>
+              <a:r>
+                <a:t/>
+              </a:r>
+              <a:endParaRPr/>
+            </a:p>
+          </p:txBody>
+        </p:sp>
+        <p:sp>
+          <p:nvSpPr>
+            <p:cNvPr id="202" name="Google Shape;202;p16"/>
+            <p:cNvSpPr/>
+            <p:nvPr/>
+          </p:nvSpPr>
+          <p:spPr>
+            <a:xfrm>
+              <a:off x="2652000" y="4466825"/>
+              <a:ext cx="70200" cy="81900"/>
+            </a:xfrm>
+            <a:prstGeom prst="ellipse">
+              <a:avLst/>
+            </a:prstGeom>
+            <a:solidFill>
+              <a:schemeClr val="lt2"/>
+            </a:solidFill>
+            <a:ln cap="flat" cmpd="sng" w="9525">
+              <a:solidFill>
+                <a:schemeClr val="dk2"/>
+              </a:solidFill>
+              <a:prstDash val="solid"/>
+              <a:round/>
+              <a:headEnd len="sm" w="sm" type="none"/>
+              <a:tailEnd len="sm" w="sm" type="none"/>
+            </a:ln>
+          </p:spPr>
+          <p:txBody>
+            <a:bodyPr anchorCtr="0" anchor="ctr" bIns="51525" lIns="51525" spcFirstLastPara="1" rIns="51525" wrap="square" tIns="51525">
+              <a:noAutofit/>
+            </a:bodyPr>
+            <a:lstStyle/>
+            <a:p>
+              <a:pPr indent="0" lvl="0" marL="0" rtl="0" algn="l">
+                <a:spcBef>
+                  <a:spcPts val="0"/>
+                </a:spcBef>
+                <a:spcAft>
+                  <a:spcPts val="0"/>
+                </a:spcAft>
+                <a:buNone/>
+              </a:pPr>
+              <a:r>
+                <a:t/>
+              </a:r>
+              <a:endParaRPr/>
+            </a:p>
+          </p:txBody>
+        </p:sp>
+        <p:sp>
+          <p:nvSpPr>
+            <p:cNvPr id="203" name="Google Shape;203;p16"/>
+            <p:cNvSpPr/>
+            <p:nvPr/>
+          </p:nvSpPr>
+          <p:spPr>
+            <a:xfrm>
+              <a:off x="3358250" y="4039200"/>
+              <a:ext cx="70200" cy="81900"/>
+            </a:xfrm>
+            <a:prstGeom prst="ellipse">
+              <a:avLst/>
+            </a:prstGeom>
+            <a:solidFill>
+              <a:schemeClr val="lt2"/>
+            </a:solidFill>
+            <a:ln cap="flat" cmpd="sng" w="9525">
+              <a:solidFill>
+                <a:schemeClr val="dk2"/>
+              </a:solidFill>
+              <a:prstDash val="solid"/>
+              <a:round/>
+              <a:headEnd len="sm" w="sm" type="none"/>
+              <a:tailEnd len="sm" w="sm" type="none"/>
+            </a:ln>
+          </p:spPr>
+          <p:txBody>
+            <a:bodyPr anchorCtr="0" anchor="ctr" bIns="51525" lIns="51525" spcFirstLastPara="1" rIns="51525" wrap="square" tIns="51525">
+              <a:noAutofit/>
+            </a:bodyPr>
+            <a:lstStyle/>
+            <a:p>
+              <a:pPr indent="0" lvl="0" marL="0" rtl="0" algn="l">
+                <a:spcBef>
+                  <a:spcPts val="0"/>
+                </a:spcBef>
+                <a:spcAft>
+                  <a:spcPts val="0"/>
+                </a:spcAft>
+                <a:buNone/>
+              </a:pPr>
+              <a:r>
+                <a:t/>
+              </a:r>
+              <a:endParaRPr/>
+            </a:p>
+          </p:txBody>
+        </p:sp>
+      </p:grpSp>
+      <p:grpSp>
+        <p:nvGrpSpPr>
+          <p:cNvPr id="204" name="Google Shape;204;p16"/>
+          <p:cNvGrpSpPr/>
+          <p:nvPr/>
+        </p:nvGrpSpPr>
+        <p:grpSpPr>
+          <a:xfrm>
+            <a:off x="6587480" y="178515"/>
+            <a:ext cx="1267213" cy="1573813"/>
+            <a:chOff x="1671875" y="3851213"/>
+            <a:chExt cx="2866350" cy="4521151"/>
+          </a:xfrm>
+        </p:grpSpPr>
+        <p:pic>
+          <p:nvPicPr>
+            <p:cNvPr id="205" name="Google Shape;205;p16"/>
+            <p:cNvPicPr preferRelativeResize="0"/>
+            <p:nvPr/>
+          </p:nvPicPr>
+          <p:blipFill rotWithShape="1">
+            <a:blip r:embed="rId3">
+              <a:alphaModFix/>
+            </a:blip>
+            <a:srcRect b="12479" l="32683" r="52582" t="54635"/>
+            <a:stretch/>
+          </p:blipFill>
+          <p:spPr>
+            <a:xfrm>
+              <a:off x="1671875" y="3851213"/>
+              <a:ext cx="2866350" cy="4521151"/>
+            </a:xfrm>
+            <a:prstGeom prst="rect">
+              <a:avLst/>
+            </a:prstGeom>
+            <a:noFill/>
+            <a:ln>
+              <a:noFill/>
+            </a:ln>
+          </p:spPr>
+        </p:pic>
+        <p:sp>
+          <p:nvSpPr>
+            <p:cNvPr id="206" name="Google Shape;206;p16"/>
+            <p:cNvSpPr/>
+            <p:nvPr/>
+          </p:nvSpPr>
+          <p:spPr>
+            <a:xfrm>
+              <a:off x="3428450" y="4897500"/>
+              <a:ext cx="70200" cy="81900"/>
+            </a:xfrm>
+            <a:prstGeom prst="ellipse">
+              <a:avLst/>
+            </a:prstGeom>
+            <a:solidFill>
+              <a:schemeClr val="lt2"/>
+            </a:solidFill>
+            <a:ln cap="flat" cmpd="sng" w="9525">
+              <a:solidFill>
+                <a:schemeClr val="dk2"/>
+              </a:solidFill>
+              <a:prstDash val="solid"/>
+              <a:round/>
+              <a:headEnd len="sm" w="sm" type="none"/>
+              <a:tailEnd len="sm" w="sm" type="none"/>
+            </a:ln>
+          </p:spPr>
+          <p:txBody>
+            <a:bodyPr anchorCtr="0" anchor="ctr" bIns="51525" lIns="51525" spcFirstLastPara="1" rIns="51525" wrap="square" tIns="51525">
+              <a:noAutofit/>
+            </a:bodyPr>
+            <a:lstStyle/>
+            <a:p>
+              <a:pPr indent="0" lvl="0" marL="0" rtl="0" algn="l">
+                <a:spcBef>
+                  <a:spcPts val="0"/>
+                </a:spcBef>
+                <a:spcAft>
+                  <a:spcPts val="0"/>
+                </a:spcAft>
+                <a:buNone/>
+              </a:pPr>
+              <a:r>
+                <a:t/>
+              </a:r>
+              <a:endParaRPr/>
+            </a:p>
+          </p:txBody>
+        </p:sp>
+        <p:sp>
+          <p:nvSpPr>
+            <p:cNvPr id="207" name="Google Shape;207;p16"/>
+            <p:cNvSpPr/>
+            <p:nvPr/>
+          </p:nvSpPr>
+          <p:spPr>
+            <a:xfrm>
+              <a:off x="4188475" y="4466825"/>
+              <a:ext cx="70200" cy="81900"/>
+            </a:xfrm>
+            <a:prstGeom prst="ellipse">
+              <a:avLst/>
+            </a:prstGeom>
+            <a:solidFill>
+              <a:schemeClr val="lt2"/>
+            </a:solidFill>
+            <a:ln cap="flat" cmpd="sng" w="9525">
+              <a:solidFill>
+                <a:schemeClr val="dk2"/>
+              </a:solidFill>
+              <a:prstDash val="solid"/>
+              <a:round/>
+              <a:headEnd len="sm" w="sm" type="none"/>
+              <a:tailEnd len="sm" w="sm" type="none"/>
+            </a:ln>
+          </p:spPr>
+          <p:txBody>
+            <a:bodyPr anchorCtr="0" anchor="ctr" bIns="51525" lIns="51525" spcFirstLastPara="1" rIns="51525" wrap="square" tIns="51525">
+              <a:noAutofit/>
+            </a:bodyPr>
+            <a:lstStyle/>
+            <a:p>
+              <a:pPr indent="0" lvl="0" marL="0" rtl="0" algn="l">
+                <a:spcBef>
+                  <a:spcPts val="0"/>
+                </a:spcBef>
+                <a:spcAft>
+                  <a:spcPts val="0"/>
+                </a:spcAft>
+                <a:buNone/>
+              </a:pPr>
+              <a:r>
+                <a:t/>
+              </a:r>
+              <a:endParaRPr/>
+            </a:p>
+          </p:txBody>
+        </p:sp>
+        <p:sp>
+          <p:nvSpPr>
+            <p:cNvPr id="208" name="Google Shape;208;p16"/>
+            <p:cNvSpPr/>
+            <p:nvPr/>
+          </p:nvSpPr>
+          <p:spPr>
+            <a:xfrm>
+              <a:off x="2652000" y="4466825"/>
+              <a:ext cx="70200" cy="81900"/>
+            </a:xfrm>
+            <a:prstGeom prst="ellipse">
+              <a:avLst/>
+            </a:prstGeom>
+            <a:solidFill>
+              <a:schemeClr val="lt2"/>
+            </a:solidFill>
+            <a:ln cap="flat" cmpd="sng" w="9525">
+              <a:solidFill>
+                <a:schemeClr val="dk2"/>
+              </a:solidFill>
+              <a:prstDash val="solid"/>
+              <a:round/>
+              <a:headEnd len="sm" w="sm" type="none"/>
+              <a:tailEnd len="sm" w="sm" type="none"/>
+            </a:ln>
+          </p:spPr>
+          <p:txBody>
+            <a:bodyPr anchorCtr="0" anchor="ctr" bIns="51525" lIns="51525" spcFirstLastPara="1" rIns="51525" wrap="square" tIns="51525">
+              <a:noAutofit/>
+            </a:bodyPr>
+            <a:lstStyle/>
+            <a:p>
+              <a:pPr indent="0" lvl="0" marL="0" rtl="0" algn="l">
+                <a:spcBef>
+                  <a:spcPts val="0"/>
+                </a:spcBef>
+                <a:spcAft>
+                  <a:spcPts val="0"/>
+                </a:spcAft>
+                <a:buNone/>
+              </a:pPr>
+              <a:r>
+                <a:t/>
+              </a:r>
+              <a:endParaRPr/>
+            </a:p>
+          </p:txBody>
+        </p:sp>
+        <p:sp>
+          <p:nvSpPr>
+            <p:cNvPr id="209" name="Google Shape;209;p16"/>
+            <p:cNvSpPr/>
+            <p:nvPr/>
+          </p:nvSpPr>
+          <p:spPr>
+            <a:xfrm>
+              <a:off x="3358250" y="4039200"/>
+              <a:ext cx="70200" cy="81900"/>
+            </a:xfrm>
+            <a:prstGeom prst="ellipse">
+              <a:avLst/>
+            </a:prstGeom>
+            <a:solidFill>
+              <a:schemeClr val="lt2"/>
+            </a:solidFill>
+            <a:ln cap="flat" cmpd="sng" w="9525">
+              <a:solidFill>
+                <a:schemeClr val="dk2"/>
+              </a:solidFill>
+              <a:prstDash val="solid"/>
+              <a:round/>
+              <a:headEnd len="sm" w="sm" type="none"/>
+              <a:tailEnd len="sm" w="sm" type="none"/>
+            </a:ln>
+          </p:spPr>
+          <p:txBody>
+            <a:bodyPr anchorCtr="0" anchor="ctr" bIns="51525" lIns="51525" spcFirstLastPara="1" rIns="51525" wrap="square" tIns="51525">
+              <a:noAutofit/>
+            </a:bodyPr>
+            <a:lstStyle/>
+            <a:p>
+              <a:pPr indent="0" lvl="0" marL="0" rtl="0" algn="l">
+                <a:spcBef>
+                  <a:spcPts val="0"/>
+                </a:spcBef>
+                <a:spcAft>
+                  <a:spcPts val="0"/>
+                </a:spcAft>
+                <a:buNone/>
+              </a:pPr>
+              <a:r>
+                <a:t/>
+              </a:r>
+              <a:endParaRPr/>
+            </a:p>
+          </p:txBody>
+        </p:sp>
+      </p:grpSp>
+      <p:sp>
+        <p:nvSpPr>
+          <p:cNvPr id="210" name="Google Shape;210;p16"/>
+          <p:cNvSpPr txBox="1"/>
+          <p:nvPr/>
+        </p:nvSpPr>
+        <p:spPr>
+          <a:xfrm>
+            <a:off x="282182" y="174829"/>
+            <a:ext cx="4051200" cy="411900"/>
+          </a:xfrm>
+          <a:prstGeom prst="rect">
+            <a:avLst/>
+          </a:prstGeom>
+          <a:noFill/>
+          <a:ln>
+            <a:noFill/>
+          </a:ln>
+        </p:spPr>
+        <p:txBody>
+          <a:bodyPr anchorCtr="0" anchor="t" bIns="51525" lIns="51525" spcFirstLastPara="1" rIns="51525" wrap="square" tIns="51525">
+            <a:spAutoFit/>
+          </a:bodyPr>
+          <a:lstStyle/>
+          <a:p>
+            <a:pPr indent="0" lvl="0" marL="0" rtl="0" algn="l">
+              <a:spcBef>
+                <a:spcPts val="0"/>
+              </a:spcBef>
+              <a:spcAft>
+                <a:spcPts val="0"/>
+              </a:spcAft>
+              <a:buNone/>
+            </a:pPr>
+            <a:r>
+              <a:rPr lang="en-GB" sz="2000" u="sng"/>
+              <a:t>Design 2 – Development</a:t>
+            </a:r>
+            <a:endParaRPr sz="1200"/>
+          </a:p>
+        </p:txBody>
+      </p:sp>
+      <p:sp>
+        <p:nvSpPr>
+          <p:cNvPr id="211" name="Google Shape;211;p16"/>
+          <p:cNvSpPr txBox="1"/>
+          <p:nvPr>
+            <p:ph idx="12" type="sldNum"/>
+          </p:nvPr>
+        </p:nvSpPr>
+        <p:spPr>
+          <a:xfrm>
+            <a:off x="5123820" y="2243290"/>
+            <a:ext cx="331800" cy="189300"/>
+          </a:xfrm>
+          <a:prstGeom prst="rect">
+            <a:avLst/>
+          </a:prstGeom>
+        </p:spPr>
+        <p:txBody>
+          <a:bodyPr anchorCtr="0" anchor="ctr" bIns="91425" lIns="91425" spcFirstLastPara="1" rIns="91425" wrap="square" tIns="91425">
+            <a:normAutofit fontScale="25000" lnSpcReduction="20000"/>
+          </a:bodyPr>
+          <a:lstStyle/>
+          <a:p>
+            <a:pPr indent="0" lvl="0" marL="0" rtl="0" algn="r">
+              <a:spcBef>
+                <a:spcPts val="0"/>
+              </a:spcBef>
+              <a:spcAft>
+                <a:spcPts val="0"/>
+              </a:spcAft>
+              <a:buNone/>
+            </a:pPr>
+            <a:fld id="{00000000-1234-1234-1234-123412341234}" type="slidenum">
+              <a:rPr lang="en-GB"/>
+              <a:t>‹#›</a:t>
+            </a:fld>
+            <a:endParaRPr/>
+          </a:p>
+        </p:txBody>
+      </p:sp>
+      <p:cxnSp>
+        <p:nvCxnSpPr>
+          <p:cNvPr id="212" name="Google Shape;212;p16"/>
+          <p:cNvCxnSpPr/>
+          <p:nvPr/>
+        </p:nvCxnSpPr>
+        <p:spPr>
+          <a:xfrm>
+            <a:off x="2274086" y="1141244"/>
+            <a:ext cx="0" cy="746100"/>
+          </a:xfrm>
+          <a:prstGeom prst="straightConnector1">
+            <a:avLst/>
+          </a:prstGeom>
+          <a:noFill/>
+          <a:ln cap="flat" cmpd="sng" w="28575">
+            <a:solidFill>
+              <a:schemeClr val="dk2"/>
+            </a:solidFill>
+            <a:prstDash val="solid"/>
+            <a:round/>
+            <a:headEnd len="med" w="med" type="stealth"/>
+            <a:tailEnd len="med" w="med" type="stealth"/>
+          </a:ln>
+        </p:spPr>
+      </p:cxnSp>
+      <p:pic>
+        <p:nvPicPr>
+          <p:cNvPr id="213" name="Google Shape;213;p16"/>
+          <p:cNvPicPr preferRelativeResize="0"/>
+          <p:nvPr/>
+        </p:nvPicPr>
+        <p:blipFill>
+          <a:blip r:embed="rId4">
+            <a:alphaModFix/>
+          </a:blip>
+          <a:stretch>
+            <a:fillRect/>
+          </a:stretch>
+        </p:blipFill>
+        <p:spPr>
+          <a:xfrm>
+            <a:off x="3720148" y="509503"/>
+            <a:ext cx="1577916" cy="1380670"/>
+          </a:xfrm>
+          <a:prstGeom prst="rect">
+            <a:avLst/>
+          </a:prstGeom>
+          <a:noFill/>
+          <a:ln>
+            <a:noFill/>
+          </a:ln>
+        </p:spPr>
+      </p:pic>
+      <p:sp>
+        <p:nvSpPr>
+          <p:cNvPr id="214" name="Google Shape;214;p16"/>
+          <p:cNvSpPr txBox="1"/>
+          <p:nvPr/>
+        </p:nvSpPr>
+        <p:spPr>
+          <a:xfrm>
+            <a:off x="418450" y="2253402"/>
+            <a:ext cx="2899200" cy="1458600"/>
+          </a:xfrm>
+          <a:prstGeom prst="rect">
+            <a:avLst/>
+          </a:prstGeom>
+          <a:noFill/>
+          <a:ln>
+            <a:noFill/>
+          </a:ln>
+        </p:spPr>
+        <p:txBody>
+          <a:bodyPr anchorCtr="0" anchor="t" bIns="51525" lIns="51525" spcFirstLastPara="1" rIns="51525" wrap="square" tIns="51525">
+            <a:spAutoFit/>
+          </a:bodyPr>
+          <a:lstStyle/>
+          <a:p>
+            <a:pPr indent="0" lvl="0" marL="0" rtl="0" algn="l">
+              <a:spcBef>
+                <a:spcPts val="0"/>
+              </a:spcBef>
+              <a:spcAft>
+                <a:spcPts val="0"/>
+              </a:spcAft>
+              <a:buNone/>
+            </a:pPr>
+            <a:r>
+              <a:rPr lang="en-GB" sz="800"/>
+              <a:t>For the height of this design, based on my research, which shows that eye level:height ratio is 1.04:1. Which if this display case were to be designed for world mean height of 167 cm, with an eye level of 160 cm. Further since humans tends to view things best from an angle between head tilt of 18-24 degree. Assuming that the person is standing 1 feet away, the displaying artifact needs to be at a height of 146 cm -  151 cm. Thus, in this design phase, I will assume that the height of the artifact displaying needs to be 145 cm from ground, from here I will use my drawing to estimate the dimensions of this design.</a:t>
+            </a:r>
+            <a:endParaRPr sz="800"/>
+          </a:p>
+        </p:txBody>
+      </p:sp>
+      <p:sp>
+        <p:nvSpPr>
+          <p:cNvPr id="215" name="Google Shape;215;p16"/>
+          <p:cNvSpPr txBox="1"/>
+          <p:nvPr/>
+        </p:nvSpPr>
+        <p:spPr>
+          <a:xfrm>
+            <a:off x="2371090" y="1425479"/>
+            <a:ext cx="589800" cy="211800"/>
+          </a:xfrm>
+          <a:prstGeom prst="rect">
+            <a:avLst/>
+          </a:prstGeom>
+          <a:noFill/>
+          <a:ln>
+            <a:noFill/>
+          </a:ln>
+        </p:spPr>
+        <p:txBody>
+          <a:bodyPr anchorCtr="0" anchor="t" bIns="51525" lIns="51525" spcFirstLastPara="1" rIns="51525" wrap="square" tIns="51525">
+            <a:spAutoFit/>
+          </a:bodyPr>
+          <a:lstStyle/>
+          <a:p>
+            <a:pPr indent="0" lvl="0" marL="0" rtl="0" algn="l">
+              <a:spcBef>
+                <a:spcPts val="0"/>
+              </a:spcBef>
+              <a:spcAft>
+                <a:spcPts val="0"/>
+              </a:spcAft>
+              <a:buNone/>
+            </a:pPr>
+            <a:r>
+              <a:rPr lang="en-GB" sz="700"/>
+              <a:t>145 cm</a:t>
+            </a:r>
+            <a:endParaRPr sz="700"/>
+          </a:p>
+        </p:txBody>
+      </p:sp>
+      <p:sp>
+        <p:nvSpPr>
+          <p:cNvPr id="216" name="Google Shape;216;p16"/>
+          <p:cNvSpPr txBox="1"/>
+          <p:nvPr/>
+        </p:nvSpPr>
+        <p:spPr>
+          <a:xfrm>
+            <a:off x="5989955" y="1942703"/>
+            <a:ext cx="2630400" cy="966000"/>
+          </a:xfrm>
+          <a:prstGeom prst="rect">
+            <a:avLst/>
+          </a:prstGeom>
+          <a:noFill/>
+          <a:ln>
+            <a:noFill/>
+          </a:ln>
+        </p:spPr>
+        <p:txBody>
+          <a:bodyPr anchorCtr="0" anchor="t" bIns="51525" lIns="51525" spcFirstLastPara="1" rIns="51525" wrap="square" tIns="51525">
+            <a:spAutoFit/>
+          </a:bodyPr>
+          <a:lstStyle/>
+          <a:p>
+            <a:pPr indent="0" lvl="0" marL="0" rtl="0" algn="l">
+              <a:spcBef>
+                <a:spcPts val="0"/>
+              </a:spcBef>
+              <a:spcAft>
+                <a:spcPts val="0"/>
+              </a:spcAft>
+              <a:buNone/>
+            </a:pPr>
+            <a:r>
+              <a:rPr lang="en-GB" sz="800"/>
+              <a:t>Since the displaying artifact needs to be at a height of 145 cm from ground, from here using the scales of this sketch, I have worked out what the dimensions of this design would approximately be.</a:t>
+            </a:r>
+            <a:endParaRPr sz="800"/>
+          </a:p>
+          <a:p>
+            <a:pPr indent="0" lvl="0" marL="0" rtl="0" algn="l">
+              <a:spcBef>
+                <a:spcPts val="0"/>
+              </a:spcBef>
+              <a:spcAft>
+                <a:spcPts val="0"/>
+              </a:spcAft>
+              <a:buNone/>
+            </a:pPr>
+            <a:r>
+              <a:t/>
+            </a:r>
+            <a:endParaRPr sz="800"/>
+          </a:p>
+          <a:p>
+            <a:pPr indent="0" lvl="0" marL="0" rtl="0" algn="l">
+              <a:spcBef>
+                <a:spcPts val="0"/>
+              </a:spcBef>
+              <a:spcAft>
+                <a:spcPts val="0"/>
+              </a:spcAft>
+              <a:buNone/>
+            </a:pPr>
+            <a:r>
+              <a:rPr lang="en-GB" sz="800"/>
+              <a:t>Which, from the estimation above, the case will likely have a dimension of 0.7m X 0.7m X 2.15m.</a:t>
+            </a:r>
+            <a:endParaRPr sz="800"/>
+          </a:p>
+        </p:txBody>
+      </p:sp>
+      <p:cxnSp>
+        <p:nvCxnSpPr>
+          <p:cNvPr id="217" name="Google Shape;217;p16"/>
+          <p:cNvCxnSpPr/>
+          <p:nvPr/>
+        </p:nvCxnSpPr>
+        <p:spPr>
+          <a:xfrm>
+            <a:off x="7908925" y="676912"/>
+            <a:ext cx="0" cy="745800"/>
+          </a:xfrm>
+          <a:prstGeom prst="straightConnector1">
+            <a:avLst/>
+          </a:prstGeom>
+          <a:noFill/>
+          <a:ln cap="flat" cmpd="sng" w="28575">
+            <a:solidFill>
+              <a:schemeClr val="dk2"/>
+            </a:solidFill>
+            <a:prstDash val="solid"/>
+            <a:round/>
+            <a:headEnd len="med" w="med" type="stealth"/>
+            <a:tailEnd len="med" w="med" type="stealth"/>
+          </a:ln>
+        </p:spPr>
+      </p:cxnSp>
+      <p:sp>
+        <p:nvSpPr>
+          <p:cNvPr id="218" name="Google Shape;218;p16"/>
+          <p:cNvSpPr txBox="1"/>
+          <p:nvPr/>
+        </p:nvSpPr>
+        <p:spPr>
+          <a:xfrm>
+            <a:off x="8015076" y="960931"/>
+            <a:ext cx="589800" cy="211800"/>
+          </a:xfrm>
+          <a:prstGeom prst="rect">
+            <a:avLst/>
+          </a:prstGeom>
+          <a:noFill/>
+          <a:ln>
+            <a:noFill/>
+          </a:ln>
+        </p:spPr>
+        <p:txBody>
+          <a:bodyPr anchorCtr="0" anchor="t" bIns="51525" lIns="51525" spcFirstLastPara="1" rIns="51525" wrap="square" tIns="51525">
+            <a:spAutoFit/>
+          </a:bodyPr>
+          <a:lstStyle/>
+          <a:p>
+            <a:pPr indent="0" lvl="0" marL="0" rtl="0" algn="l">
+              <a:spcBef>
+                <a:spcPts val="0"/>
+              </a:spcBef>
+              <a:spcAft>
+                <a:spcPts val="0"/>
+              </a:spcAft>
+              <a:buNone/>
+            </a:pPr>
+            <a:r>
+              <a:rPr lang="en-GB" sz="700"/>
+              <a:t>145 cm</a:t>
+            </a:r>
+            <a:endParaRPr sz="700"/>
+          </a:p>
+        </p:txBody>
+      </p:sp>
+      <p:cxnSp>
+        <p:nvCxnSpPr>
+          <p:cNvPr id="219" name="Google Shape;219;p16"/>
+          <p:cNvCxnSpPr/>
+          <p:nvPr/>
+        </p:nvCxnSpPr>
+        <p:spPr>
+          <a:xfrm>
+            <a:off x="6881102" y="1581703"/>
+            <a:ext cx="338700" cy="158400"/>
+          </a:xfrm>
+          <a:prstGeom prst="straightConnector1">
+            <a:avLst/>
+          </a:prstGeom>
+          <a:noFill/>
+          <a:ln cap="flat" cmpd="sng" w="28575">
+            <a:solidFill>
+              <a:schemeClr val="dk2"/>
+            </a:solidFill>
+            <a:prstDash val="solid"/>
+            <a:round/>
+            <a:headEnd len="med" w="med" type="stealth"/>
+            <a:tailEnd len="med" w="med" type="stealth"/>
+          </a:ln>
+        </p:spPr>
+      </p:cxnSp>
+      <p:sp>
+        <p:nvSpPr>
+          <p:cNvPr id="220" name="Google Shape;220;p16"/>
+          <p:cNvSpPr txBox="1"/>
+          <p:nvPr/>
+        </p:nvSpPr>
+        <p:spPr>
+          <a:xfrm>
+            <a:off x="6677070" y="1685420"/>
+            <a:ext cx="589800" cy="211800"/>
+          </a:xfrm>
+          <a:prstGeom prst="rect">
+            <a:avLst/>
+          </a:prstGeom>
+          <a:noFill/>
+          <a:ln>
+            <a:noFill/>
+          </a:ln>
+        </p:spPr>
+        <p:txBody>
+          <a:bodyPr anchorCtr="0" anchor="t" bIns="51525" lIns="51525" spcFirstLastPara="1" rIns="51525" wrap="square" tIns="51525">
+            <a:spAutoFit/>
+          </a:bodyPr>
+          <a:lstStyle/>
+          <a:p>
+            <a:pPr indent="0" lvl="0" marL="0" rtl="0" algn="l">
+              <a:spcBef>
+                <a:spcPts val="0"/>
+              </a:spcBef>
+              <a:spcAft>
+                <a:spcPts val="0"/>
+              </a:spcAft>
+              <a:buNone/>
+            </a:pPr>
+            <a:r>
+              <a:rPr lang="en-GB" sz="700"/>
+              <a:t>70 cm</a:t>
+            </a:r>
+            <a:endParaRPr sz="700"/>
+          </a:p>
+        </p:txBody>
+      </p:sp>
+      <p:cxnSp>
+        <p:nvCxnSpPr>
+          <p:cNvPr id="221" name="Google Shape;221;p16"/>
+          <p:cNvCxnSpPr/>
+          <p:nvPr/>
+        </p:nvCxnSpPr>
+        <p:spPr>
+          <a:xfrm>
+            <a:off x="7908925" y="400230"/>
+            <a:ext cx="0" cy="281100"/>
+          </a:xfrm>
+          <a:prstGeom prst="straightConnector1">
+            <a:avLst/>
+          </a:prstGeom>
+          <a:noFill/>
+          <a:ln cap="flat" cmpd="sng" w="28575">
+            <a:solidFill>
+              <a:schemeClr val="dk2"/>
+            </a:solidFill>
+            <a:prstDash val="solid"/>
+            <a:round/>
+            <a:headEnd len="med" w="med" type="stealth"/>
+            <a:tailEnd len="med" w="med" type="stealth"/>
+          </a:ln>
+        </p:spPr>
+      </p:cxnSp>
+      <p:sp>
+        <p:nvSpPr>
+          <p:cNvPr id="222" name="Google Shape;222;p16"/>
+          <p:cNvSpPr txBox="1"/>
+          <p:nvPr/>
+        </p:nvSpPr>
+        <p:spPr>
+          <a:xfrm>
+            <a:off x="8042683" y="472468"/>
+            <a:ext cx="589800" cy="211800"/>
+          </a:xfrm>
+          <a:prstGeom prst="rect">
+            <a:avLst/>
+          </a:prstGeom>
+          <a:noFill/>
+          <a:ln>
+            <a:noFill/>
+          </a:ln>
+        </p:spPr>
+        <p:txBody>
+          <a:bodyPr anchorCtr="0" anchor="t" bIns="51525" lIns="51525" spcFirstLastPara="1" rIns="51525" wrap="square" tIns="51525">
+            <a:spAutoFit/>
+          </a:bodyPr>
+          <a:lstStyle/>
+          <a:p>
+            <a:pPr indent="0" lvl="0" marL="0" rtl="0" algn="l">
+              <a:spcBef>
+                <a:spcPts val="0"/>
+              </a:spcBef>
+              <a:spcAft>
+                <a:spcPts val="0"/>
+              </a:spcAft>
+              <a:buNone/>
+            </a:pPr>
+            <a:r>
+              <a:rPr lang="en-GB" sz="700"/>
+              <a:t>70 cm</a:t>
+            </a:r>
+            <a:endParaRPr sz="700"/>
+          </a:p>
+        </p:txBody>
+      </p:sp>
+      <p:cxnSp>
+        <p:nvCxnSpPr>
+          <p:cNvPr id="223" name="Google Shape;223;p16"/>
+          <p:cNvCxnSpPr/>
+          <p:nvPr/>
+        </p:nvCxnSpPr>
+        <p:spPr>
+          <a:xfrm flipH="1">
+            <a:off x="7575180" y="1567849"/>
+            <a:ext cx="375300" cy="186300"/>
+          </a:xfrm>
+          <a:prstGeom prst="straightConnector1">
+            <a:avLst/>
+          </a:prstGeom>
+          <a:noFill/>
+          <a:ln cap="flat" cmpd="sng" w="28575">
+            <a:solidFill>
+              <a:schemeClr val="dk2"/>
+            </a:solidFill>
+            <a:prstDash val="solid"/>
+            <a:round/>
+            <a:headEnd len="med" w="med" type="stealth"/>
+            <a:tailEnd len="med" w="med" type="stealth"/>
+          </a:ln>
+        </p:spPr>
+      </p:cxnSp>
+      <p:sp>
+        <p:nvSpPr>
+          <p:cNvPr id="224" name="Google Shape;224;p16"/>
+          <p:cNvSpPr txBox="1"/>
+          <p:nvPr/>
+        </p:nvSpPr>
+        <p:spPr>
+          <a:xfrm>
+            <a:off x="7771266" y="1685414"/>
+            <a:ext cx="589800" cy="211800"/>
+          </a:xfrm>
+          <a:prstGeom prst="rect">
+            <a:avLst/>
+          </a:prstGeom>
+          <a:noFill/>
+          <a:ln>
+            <a:noFill/>
+          </a:ln>
+        </p:spPr>
+        <p:txBody>
+          <a:bodyPr anchorCtr="0" anchor="t" bIns="51525" lIns="51525" spcFirstLastPara="1" rIns="51525" wrap="square" tIns="51525">
+            <a:spAutoFit/>
+          </a:bodyPr>
+          <a:lstStyle/>
+          <a:p>
+            <a:pPr indent="0" lvl="0" marL="0" rtl="0" algn="l">
+              <a:spcBef>
+                <a:spcPts val="0"/>
+              </a:spcBef>
+              <a:spcAft>
+                <a:spcPts val="0"/>
+              </a:spcAft>
+              <a:buNone/>
+            </a:pPr>
+            <a:r>
+              <a:rPr lang="en-GB" sz="700"/>
+              <a:t>70 cm </a:t>
+            </a:r>
+            <a:endParaRPr sz="700"/>
+          </a:p>
+        </p:txBody>
+      </p:sp>
+      <p:pic>
+        <p:nvPicPr>
+          <p:cNvPr id="225" name="Google Shape;225;p16"/>
+          <p:cNvPicPr preferRelativeResize="0"/>
+          <p:nvPr/>
+        </p:nvPicPr>
+        <p:blipFill rotWithShape="1">
+          <a:blip r:embed="rId5">
+            <a:alphaModFix/>
+          </a:blip>
+          <a:srcRect b="0" l="0" r="22702" t="7723"/>
+          <a:stretch/>
+        </p:blipFill>
+        <p:spPr>
+          <a:xfrm>
+            <a:off x="3585233" y="2181423"/>
+            <a:ext cx="2069163" cy="1209718"/>
+          </a:xfrm>
+          <a:prstGeom prst="rect">
+            <a:avLst/>
+          </a:prstGeom>
+          <a:noFill/>
+          <a:ln>
+            <a:noFill/>
+          </a:ln>
+        </p:spPr>
+      </p:pic>
+      <p:sp>
+        <p:nvSpPr>
+          <p:cNvPr id="226" name="Google Shape;226;p16"/>
+          <p:cNvSpPr txBox="1"/>
+          <p:nvPr/>
+        </p:nvSpPr>
+        <p:spPr>
+          <a:xfrm>
+            <a:off x="2381930" y="3743481"/>
+            <a:ext cx="2630400" cy="1089300"/>
+          </a:xfrm>
+          <a:prstGeom prst="rect">
+            <a:avLst/>
+          </a:prstGeom>
+          <a:noFill/>
+          <a:ln>
+            <a:noFill/>
+          </a:ln>
+        </p:spPr>
+        <p:txBody>
+          <a:bodyPr anchorCtr="0" anchor="t" bIns="51525" lIns="51525" spcFirstLastPara="1" rIns="51525" wrap="square" tIns="51525">
+            <a:spAutoFit/>
+          </a:bodyPr>
+          <a:lstStyle/>
+          <a:p>
+            <a:pPr indent="0" lvl="0" marL="0" rtl="0" algn="l">
+              <a:spcBef>
+                <a:spcPts val="0"/>
+              </a:spcBef>
+              <a:spcAft>
+                <a:spcPts val="0"/>
+              </a:spcAft>
+              <a:buNone/>
+            </a:pPr>
+            <a:r>
+              <a:rPr lang="en-GB" sz="800"/>
+              <a:t>Overall, from the approximation drawings on this page’s top right, this means that the 7 respective pieces of glass/acrylic panes used will have a dimension of:</a:t>
+            </a:r>
+            <a:endParaRPr sz="800"/>
+          </a:p>
+          <a:p>
+            <a:pPr indent="-177800" lvl="0" marL="254000" rtl="0" algn="l">
+              <a:spcBef>
+                <a:spcPts val="0"/>
+              </a:spcBef>
+              <a:spcAft>
+                <a:spcPts val="0"/>
+              </a:spcAft>
+              <a:buSzPts val="800"/>
+              <a:buChar char="●"/>
+            </a:pPr>
+            <a:r>
+              <a:rPr lang="en-GB" sz="800"/>
+              <a:t>215 cm X 70 cm (4x middle panels) </a:t>
+            </a:r>
+            <a:endParaRPr sz="800"/>
+          </a:p>
+          <a:p>
+            <a:pPr indent="-177800" lvl="0" marL="254000" rtl="0" algn="l">
+              <a:spcBef>
+                <a:spcPts val="0"/>
+              </a:spcBef>
+              <a:spcAft>
+                <a:spcPts val="0"/>
+              </a:spcAft>
+              <a:buSzPts val="800"/>
+              <a:buChar char="●"/>
+            </a:pPr>
+            <a:r>
+              <a:rPr lang="en-GB" sz="800"/>
+              <a:t>70 cm X 70 cm (top &amp; 2x layer panels)</a:t>
+            </a:r>
+            <a:endParaRPr sz="800"/>
+          </a:p>
+          <a:p>
+            <a:pPr indent="0" lvl="0" marL="0" rtl="0" algn="l">
+              <a:spcBef>
+                <a:spcPts val="0"/>
+              </a:spcBef>
+              <a:spcAft>
+                <a:spcPts val="0"/>
+              </a:spcAft>
+              <a:buNone/>
+            </a:pPr>
+            <a:r>
+              <a:t/>
+            </a:r>
+            <a:endParaRPr sz="800"/>
+          </a:p>
+          <a:p>
+            <a:pPr indent="0" lvl="0" marL="0" rtl="0" algn="l">
+              <a:spcBef>
+                <a:spcPts val="0"/>
+              </a:spcBef>
+              <a:spcAft>
+                <a:spcPts val="0"/>
+              </a:spcAft>
+              <a:buNone/>
+            </a:pPr>
+            <a:r>
+              <a:rPr lang="en-GB" sz="800"/>
+              <a:t>From this information, I will determine whether is glass or acrylic suitable to be used for this design.</a:t>
+            </a:r>
+            <a:endParaRPr sz="800"/>
+          </a:p>
+        </p:txBody>
+      </p:sp>
+      <p:sp>
+        <p:nvSpPr>
+          <p:cNvPr id="227" name="Google Shape;227;p16"/>
+          <p:cNvSpPr txBox="1"/>
+          <p:nvPr/>
+        </p:nvSpPr>
+        <p:spPr>
+          <a:xfrm>
+            <a:off x="7546295" y="2871601"/>
+            <a:ext cx="1582500" cy="427200"/>
+          </a:xfrm>
+          <a:prstGeom prst="rect">
+            <a:avLst/>
+          </a:prstGeom>
+          <a:noFill/>
+          <a:ln>
+            <a:noFill/>
+          </a:ln>
+        </p:spPr>
+        <p:txBody>
+          <a:bodyPr anchorCtr="0" anchor="t" bIns="51525" lIns="51525" spcFirstLastPara="1" rIns="51525" wrap="square" tIns="51525">
+            <a:spAutoFit/>
+          </a:bodyPr>
+          <a:lstStyle/>
+          <a:p>
+            <a:pPr indent="0" lvl="0" marL="0" rtl="0" algn="l">
+              <a:spcBef>
+                <a:spcPts val="0"/>
+              </a:spcBef>
+              <a:spcAft>
+                <a:spcPts val="0"/>
+              </a:spcAft>
+              <a:buNone/>
+            </a:pPr>
+            <a:r>
+              <a:rPr lang="en-GB" sz="700"/>
+              <a:t>Glass-to-glass steel partitioning joint, or UV glue, or acrylic will be used to join the acrylic/glass panes together.</a:t>
+            </a:r>
+            <a:endParaRPr sz="700"/>
+          </a:p>
+        </p:txBody>
+      </p:sp>
+      <p:sp>
+        <p:nvSpPr>
+          <p:cNvPr id="228" name="Google Shape;228;p16"/>
+          <p:cNvSpPr txBox="1"/>
+          <p:nvPr/>
+        </p:nvSpPr>
+        <p:spPr>
+          <a:xfrm>
+            <a:off x="5155973" y="4643594"/>
+            <a:ext cx="2124300" cy="535200"/>
+          </a:xfrm>
+          <a:prstGeom prst="rect">
+            <a:avLst/>
+          </a:prstGeom>
+          <a:noFill/>
+          <a:ln>
+            <a:noFill/>
+          </a:ln>
+        </p:spPr>
+        <p:txBody>
+          <a:bodyPr anchorCtr="0" anchor="t" bIns="51525" lIns="51525" spcFirstLastPara="1" rIns="51525" wrap="square" tIns="51525">
+            <a:spAutoFit/>
+          </a:bodyPr>
+          <a:lstStyle/>
+          <a:p>
+            <a:pPr indent="0" lvl="0" marL="0" rtl="0" algn="l">
+              <a:spcBef>
+                <a:spcPts val="0"/>
+              </a:spcBef>
+              <a:spcAft>
+                <a:spcPts val="0"/>
+              </a:spcAft>
+              <a:buNone/>
+            </a:pPr>
+            <a:r>
+              <a:rPr lang="en-GB" sz="700"/>
+              <a:t>For the base, an alternative to rubberwood used can be stainless steel, which will give this design a minimalist look, and can even be spray painted if requested by the client.</a:t>
+            </a:r>
+            <a:endParaRPr sz="700"/>
+          </a:p>
+        </p:txBody>
+      </p:sp>
+      <p:cxnSp>
+        <p:nvCxnSpPr>
+          <p:cNvPr id="229" name="Google Shape;229;p16"/>
+          <p:cNvCxnSpPr>
+            <a:stCxn id="227" idx="2"/>
+          </p:cNvCxnSpPr>
+          <p:nvPr/>
+        </p:nvCxnSpPr>
+        <p:spPr>
+          <a:xfrm flipH="1">
+            <a:off x="7502345" y="3298801"/>
+            <a:ext cx="835200" cy="440700"/>
+          </a:xfrm>
+          <a:prstGeom prst="straightConnector1">
+            <a:avLst/>
+          </a:prstGeom>
+          <a:noFill/>
+          <a:ln cap="flat" cmpd="sng" w="9525">
+            <a:solidFill>
+              <a:schemeClr val="dk2"/>
+            </a:solidFill>
+            <a:prstDash val="solid"/>
+            <a:round/>
+            <a:headEnd len="med" w="med" type="none"/>
+            <a:tailEnd len="med" w="med" type="stealth"/>
+          </a:ln>
+        </p:spPr>
+      </p:cxnSp>
+      <p:cxnSp>
+        <p:nvCxnSpPr>
+          <p:cNvPr id="230" name="Google Shape;230;p16"/>
+          <p:cNvCxnSpPr>
+            <a:stCxn id="228" idx="0"/>
+          </p:cNvCxnSpPr>
+          <p:nvPr/>
+        </p:nvCxnSpPr>
+        <p:spPr>
+          <a:xfrm flipH="1" rot="10800000">
+            <a:off x="6218123" y="4461794"/>
+            <a:ext cx="825900" cy="181800"/>
+          </a:xfrm>
+          <a:prstGeom prst="straightConnector1">
+            <a:avLst/>
+          </a:prstGeom>
+          <a:noFill/>
+          <a:ln cap="flat" cmpd="sng" w="9525">
+            <a:solidFill>
+              <a:schemeClr val="dk2"/>
+            </a:solidFill>
+            <a:prstDash val="solid"/>
+            <a:round/>
+            <a:headEnd len="med" w="med" type="none"/>
+            <a:tailEnd len="med" w="med" type="stealth"/>
+          </a:ln>
+        </p:spPr>
+      </p:cxnSp>
+      <p:grpSp>
+        <p:nvGrpSpPr>
+          <p:cNvPr id="231" name="Google Shape;231;p16"/>
+          <p:cNvGrpSpPr/>
+          <p:nvPr/>
+        </p:nvGrpSpPr>
+        <p:grpSpPr>
+          <a:xfrm>
+            <a:off x="909960" y="633370"/>
+            <a:ext cx="1267213" cy="1573813"/>
+            <a:chOff x="1671875" y="3851213"/>
+            <a:chExt cx="2866350" cy="4521151"/>
+          </a:xfrm>
+        </p:grpSpPr>
+        <p:pic>
+          <p:nvPicPr>
+            <p:cNvPr id="232" name="Google Shape;232;p16"/>
+            <p:cNvPicPr preferRelativeResize="0"/>
+            <p:nvPr/>
+          </p:nvPicPr>
+          <p:blipFill rotWithShape="1">
+            <a:blip r:embed="rId3">
+              <a:alphaModFix/>
+            </a:blip>
+            <a:srcRect b="12479" l="32683" r="52582" t="54635"/>
+            <a:stretch/>
+          </p:blipFill>
+          <p:spPr>
+            <a:xfrm>
+              <a:off x="1671875" y="3851213"/>
+              <a:ext cx="2866350" cy="4521151"/>
+            </a:xfrm>
+            <a:prstGeom prst="rect">
+              <a:avLst/>
+            </a:prstGeom>
+            <a:noFill/>
+            <a:ln>
+              <a:noFill/>
+            </a:ln>
+          </p:spPr>
+        </p:pic>
+        <p:sp>
+          <p:nvSpPr>
+            <p:cNvPr id="233" name="Google Shape;233;p16"/>
+            <p:cNvSpPr/>
+            <p:nvPr/>
+          </p:nvSpPr>
+          <p:spPr>
+            <a:xfrm>
+              <a:off x="3428450" y="4897500"/>
+              <a:ext cx="70200" cy="81900"/>
+            </a:xfrm>
+            <a:prstGeom prst="ellipse">
+              <a:avLst/>
+            </a:prstGeom>
+            <a:solidFill>
+              <a:schemeClr val="lt2"/>
+            </a:solidFill>
+            <a:ln cap="flat" cmpd="sng" w="9525">
+              <a:solidFill>
+                <a:schemeClr val="dk2"/>
+              </a:solidFill>
+              <a:prstDash val="solid"/>
+              <a:round/>
+              <a:headEnd len="sm" w="sm" type="none"/>
+              <a:tailEnd len="sm" w="sm" type="none"/>
+            </a:ln>
+          </p:spPr>
+          <p:txBody>
+            <a:bodyPr anchorCtr="0" anchor="ctr" bIns="51525" lIns="51525" spcFirstLastPara="1" rIns="51525" wrap="square" tIns="51525">
+              <a:noAutofit/>
+            </a:bodyPr>
+            <a:lstStyle/>
+            <a:p>
+              <a:pPr indent="0" lvl="0" marL="0" rtl="0" algn="l">
+                <a:spcBef>
+                  <a:spcPts val="0"/>
+                </a:spcBef>
+                <a:spcAft>
+                  <a:spcPts val="0"/>
+                </a:spcAft>
+                <a:buNone/>
+              </a:pPr>
+              <a:r>
+                <a:t/>
+              </a:r>
+              <a:endParaRPr/>
+            </a:p>
+          </p:txBody>
+        </p:sp>
+        <p:sp>
+          <p:nvSpPr>
+            <p:cNvPr id="234" name="Google Shape;234;p16"/>
+            <p:cNvSpPr/>
+            <p:nvPr/>
+          </p:nvSpPr>
+          <p:spPr>
+            <a:xfrm>
+              <a:off x="4188475" y="4466825"/>
+              <a:ext cx="70200" cy="81900"/>
+            </a:xfrm>
+            <a:prstGeom prst="ellipse">
+              <a:avLst/>
+            </a:prstGeom>
+            <a:solidFill>
+              <a:schemeClr val="lt2"/>
+            </a:solidFill>
+            <a:ln cap="flat" cmpd="sng" w="9525">
+              <a:solidFill>
+                <a:schemeClr val="dk2"/>
+              </a:solidFill>
+              <a:prstDash val="solid"/>
+              <a:round/>
+              <a:headEnd len="sm" w="sm" type="none"/>
+              <a:tailEnd len="sm" w="sm" type="none"/>
+            </a:ln>
+          </p:spPr>
+          <p:txBody>
+            <a:bodyPr anchorCtr="0" anchor="ctr" bIns="51525" lIns="51525" spcFirstLastPara="1" rIns="51525" wrap="square" tIns="51525">
+              <a:noAutofit/>
+            </a:bodyPr>
+            <a:lstStyle/>
+            <a:p>
+              <a:pPr indent="0" lvl="0" marL="0" rtl="0" algn="l">
+                <a:spcBef>
+                  <a:spcPts val="0"/>
+                </a:spcBef>
+                <a:spcAft>
+                  <a:spcPts val="0"/>
+                </a:spcAft>
+                <a:buNone/>
+              </a:pPr>
+              <a:r>
+                <a:t/>
+              </a:r>
+              <a:endParaRPr/>
+            </a:p>
+          </p:txBody>
+        </p:sp>
+        <p:sp>
+          <p:nvSpPr>
+            <p:cNvPr id="235" name="Google Shape;235;p16"/>
+            <p:cNvSpPr/>
+            <p:nvPr/>
+          </p:nvSpPr>
+          <p:spPr>
+            <a:xfrm>
+              <a:off x="2652000" y="4466825"/>
+              <a:ext cx="70200" cy="81900"/>
+            </a:xfrm>
+            <a:prstGeom prst="ellipse">
+              <a:avLst/>
+            </a:prstGeom>
+            <a:solidFill>
+              <a:schemeClr val="lt2"/>
+            </a:solidFill>
+            <a:ln cap="flat" cmpd="sng" w="9525">
+              <a:solidFill>
+                <a:schemeClr val="dk2"/>
+              </a:solidFill>
+              <a:prstDash val="solid"/>
+              <a:round/>
+              <a:headEnd len="sm" w="sm" type="none"/>
+              <a:tailEnd len="sm" w="sm" type="none"/>
+            </a:ln>
+          </p:spPr>
+          <p:txBody>
+            <a:bodyPr anchorCtr="0" anchor="ctr" bIns="51525" lIns="51525" spcFirstLastPara="1" rIns="51525" wrap="square" tIns="51525">
+              <a:noAutofit/>
+            </a:bodyPr>
+            <a:lstStyle/>
+            <a:p>
+              <a:pPr indent="0" lvl="0" marL="0" rtl="0" algn="l">
+                <a:spcBef>
+                  <a:spcPts val="0"/>
+                </a:spcBef>
+                <a:spcAft>
+                  <a:spcPts val="0"/>
+                </a:spcAft>
+                <a:buNone/>
+              </a:pPr>
+              <a:r>
+                <a:t/>
+              </a:r>
+              <a:endParaRPr/>
+            </a:p>
+          </p:txBody>
+        </p:sp>
+        <p:sp>
+          <p:nvSpPr>
+            <p:cNvPr id="236" name="Google Shape;236;p16"/>
+            <p:cNvSpPr/>
+            <p:nvPr/>
+          </p:nvSpPr>
+          <p:spPr>
+            <a:xfrm>
+              <a:off x="3358250" y="4039200"/>
+              <a:ext cx="70200" cy="81900"/>
+            </a:xfrm>
+            <a:prstGeom prst="ellipse">
+              <a:avLst/>
+            </a:prstGeom>
+            <a:solidFill>
+              <a:schemeClr val="lt2"/>
+            </a:solidFill>
+            <a:ln cap="flat" cmpd="sng" w="9525">
+              <a:solidFill>
+                <a:schemeClr val="dk2"/>
+              </a:solidFill>
+              <a:prstDash val="solid"/>
+              <a:round/>
+              <a:headEnd len="sm" w="sm" type="none"/>
+              <a:tailEnd len="sm" w="sm" type="none"/>
+            </a:ln>
+          </p:spPr>
+          <p:txBody>
+            <a:bodyPr anchorCtr="0" anchor="ctr" bIns="51525" lIns="51525" spcFirstLastPara="1" rIns="51525" wrap="square" tIns="51525">
+              <a:noAutofit/>
+            </a:bodyPr>
+            <a:lstStyle/>
+            <a:p>
+              <a:pPr indent="0" lvl="0" marL="0" rtl="0" algn="l">
+                <a:spcBef>
+                  <a:spcPts val="0"/>
+                </a:spcBef>
+                <a:spcAft>
+                  <a:spcPts val="0"/>
+                </a:spcAft>
+                <a:buNone/>
+              </a:pPr>
+              <a:r>
+                <a:t/>
+              </a:r>
+              <a:endParaRPr/>
+            </a:p>
+          </p:txBody>
+        </p:sp>
+      </p:grpSp>
+      <p:grpSp>
+        <p:nvGrpSpPr>
+          <p:cNvPr id="237" name="Google Shape;237;p16"/>
+          <p:cNvGrpSpPr/>
+          <p:nvPr/>
+        </p:nvGrpSpPr>
+        <p:grpSpPr>
+          <a:xfrm>
+            <a:off x="798034" y="3482584"/>
+            <a:ext cx="1267213" cy="1573813"/>
+            <a:chOff x="1671875" y="3851213"/>
+            <a:chExt cx="2866350" cy="4521151"/>
+          </a:xfrm>
+        </p:grpSpPr>
+        <p:pic>
+          <p:nvPicPr>
+            <p:cNvPr id="238" name="Google Shape;238;p16"/>
+            <p:cNvPicPr preferRelativeResize="0"/>
+            <p:nvPr/>
+          </p:nvPicPr>
+          <p:blipFill rotWithShape="1">
+            <a:blip r:embed="rId3">
+              <a:alphaModFix/>
+            </a:blip>
+            <a:srcRect b="12479" l="32683" r="52582" t="54635"/>
+            <a:stretch/>
+          </p:blipFill>
+          <p:spPr>
+            <a:xfrm>
+              <a:off x="1671875" y="3851213"/>
+              <a:ext cx="2866350" cy="4521151"/>
+            </a:xfrm>
+            <a:prstGeom prst="rect">
+              <a:avLst/>
+            </a:prstGeom>
+            <a:noFill/>
+            <a:ln>
+              <a:noFill/>
+            </a:ln>
+          </p:spPr>
+        </p:pic>
+        <p:sp>
+          <p:nvSpPr>
+            <p:cNvPr id="239" name="Google Shape;239;p16"/>
+            <p:cNvSpPr/>
+            <p:nvPr/>
+          </p:nvSpPr>
+          <p:spPr>
+            <a:xfrm>
+              <a:off x="3428450" y="4897500"/>
+              <a:ext cx="70200" cy="81900"/>
+            </a:xfrm>
+            <a:prstGeom prst="ellipse">
+              <a:avLst/>
+            </a:prstGeom>
+            <a:solidFill>
+              <a:schemeClr val="lt2"/>
+            </a:solidFill>
+            <a:ln cap="flat" cmpd="sng" w="9525">
+              <a:solidFill>
+                <a:schemeClr val="dk2"/>
+              </a:solidFill>
+              <a:prstDash val="solid"/>
+              <a:round/>
+              <a:headEnd len="sm" w="sm" type="none"/>
+              <a:tailEnd len="sm" w="sm" type="none"/>
+            </a:ln>
+          </p:spPr>
+          <p:txBody>
+            <a:bodyPr anchorCtr="0" anchor="ctr" bIns="51525" lIns="51525" spcFirstLastPara="1" rIns="51525" wrap="square" tIns="51525">
+              <a:noAutofit/>
+            </a:bodyPr>
+            <a:lstStyle/>
+            <a:p>
+              <a:pPr indent="0" lvl="0" marL="0" rtl="0" algn="l">
+                <a:spcBef>
+                  <a:spcPts val="0"/>
+                </a:spcBef>
+                <a:spcAft>
+                  <a:spcPts val="0"/>
+                </a:spcAft>
+                <a:buNone/>
+              </a:pPr>
+              <a:r>
+                <a:t/>
+              </a:r>
+              <a:endParaRPr/>
+            </a:p>
+          </p:txBody>
+        </p:sp>
+        <p:sp>
+          <p:nvSpPr>
+            <p:cNvPr id="240" name="Google Shape;240;p16"/>
+            <p:cNvSpPr/>
+            <p:nvPr/>
+          </p:nvSpPr>
+          <p:spPr>
+            <a:xfrm>
+              <a:off x="4188475" y="4466825"/>
+              <a:ext cx="70200" cy="81900"/>
+            </a:xfrm>
+            <a:prstGeom prst="ellipse">
+              <a:avLst/>
+            </a:prstGeom>
+            <a:solidFill>
+              <a:schemeClr val="lt2"/>
+            </a:solidFill>
+            <a:ln cap="flat" cmpd="sng" w="9525">
+              <a:solidFill>
+                <a:schemeClr val="dk2"/>
+              </a:solidFill>
+              <a:prstDash val="solid"/>
+              <a:round/>
+              <a:headEnd len="sm" w="sm" type="none"/>
+              <a:tailEnd len="sm" w="sm" type="none"/>
+            </a:ln>
+          </p:spPr>
+          <p:txBody>
+            <a:bodyPr anchorCtr="0" anchor="ctr" bIns="51525" lIns="51525" spcFirstLastPara="1" rIns="51525" wrap="square" tIns="51525">
+              <a:noAutofit/>
+            </a:bodyPr>
+            <a:lstStyle/>
+            <a:p>
+              <a:pPr indent="0" lvl="0" marL="0" rtl="0" algn="l">
+                <a:spcBef>
+                  <a:spcPts val="0"/>
+                </a:spcBef>
+                <a:spcAft>
+                  <a:spcPts val="0"/>
+                </a:spcAft>
+                <a:buNone/>
+              </a:pPr>
+              <a:r>
+                <a:t/>
+              </a:r>
+              <a:endParaRPr/>
+            </a:p>
+          </p:txBody>
+        </p:sp>
+        <p:sp>
+          <p:nvSpPr>
+            <p:cNvPr id="241" name="Google Shape;241;p16"/>
+            <p:cNvSpPr/>
+            <p:nvPr/>
+          </p:nvSpPr>
+          <p:spPr>
+            <a:xfrm>
+              <a:off x="2652000" y="4466825"/>
+              <a:ext cx="70200" cy="81900"/>
+            </a:xfrm>
+            <a:prstGeom prst="ellipse">
+              <a:avLst/>
+            </a:prstGeom>
+            <a:solidFill>
+              <a:schemeClr val="lt2"/>
+            </a:solidFill>
+            <a:ln cap="flat" cmpd="sng" w="9525">
+              <a:solidFill>
+                <a:schemeClr val="dk2"/>
+              </a:solidFill>
+              <a:prstDash val="solid"/>
+              <a:round/>
+              <a:headEnd len="sm" w="sm" type="none"/>
+              <a:tailEnd len="sm" w="sm" type="none"/>
+            </a:ln>
+          </p:spPr>
+          <p:txBody>
+            <a:bodyPr anchorCtr="0" anchor="ctr" bIns="51525" lIns="51525" spcFirstLastPara="1" rIns="51525" wrap="square" tIns="51525">
+              <a:noAutofit/>
+            </a:bodyPr>
+            <a:lstStyle/>
+            <a:p>
+              <a:pPr indent="0" lvl="0" marL="0" rtl="0" algn="l">
+                <a:spcBef>
+                  <a:spcPts val="0"/>
+                </a:spcBef>
+                <a:spcAft>
+                  <a:spcPts val="0"/>
+                </a:spcAft>
+                <a:buNone/>
+              </a:pPr>
+              <a:r>
+                <a:t/>
+              </a:r>
+              <a:endParaRPr/>
+            </a:p>
+          </p:txBody>
+        </p:sp>
+        <p:sp>
+          <p:nvSpPr>
+            <p:cNvPr id="242" name="Google Shape;242;p16"/>
+            <p:cNvSpPr/>
+            <p:nvPr/>
+          </p:nvSpPr>
+          <p:spPr>
+            <a:xfrm>
+              <a:off x="3358250" y="4039200"/>
+              <a:ext cx="70200" cy="81900"/>
+            </a:xfrm>
+            <a:prstGeom prst="ellipse">
+              <a:avLst/>
+            </a:prstGeom>
+            <a:solidFill>
+              <a:schemeClr val="lt2"/>
+            </a:solidFill>
+            <a:ln cap="flat" cmpd="sng" w="9525">
+              <a:solidFill>
+                <a:schemeClr val="dk2"/>
+              </a:solidFill>
+              <a:prstDash val="solid"/>
+              <a:round/>
+              <a:headEnd len="sm" w="sm" type="none"/>
+              <a:tailEnd len="sm" w="sm" type="none"/>
+            </a:ln>
+          </p:spPr>
+          <p:txBody>
+            <a:bodyPr anchorCtr="0" anchor="ctr" bIns="51525" lIns="51525" spcFirstLastPara="1" rIns="51525" wrap="square" tIns="51525">
+              <a:noAutofit/>
+            </a:bodyPr>
+            <a:lstStyle/>
+            <a:p>
+              <a:pPr indent="0" lvl="0" marL="0" rtl="0" algn="l">
+                <a:spcBef>
+                  <a:spcPts val="0"/>
+                </a:spcBef>
+                <a:spcAft>
+                  <a:spcPts val="0"/>
+                </a:spcAft>
+                <a:buNone/>
+              </a:pPr>
+              <a:r>
+                <a:t/>
+              </a:r>
+              <a:endParaRPr/>
+            </a:p>
+          </p:txBody>
+        </p:sp>
+      </p:grpSp>
+    </p:spTree>
+  </p:cSld>
+  <p:clrMapOvr>
+    <a:masterClrMapping/>
+  </p:clrMapOvr>
+</p:sld>
+</file>
+
 <file path=ppt/theme/theme1.xml><?xml version="1.0" encoding="utf-8"?>
+<a:theme xmlns:a="http://schemas.openxmlformats.org/drawingml/2006/main" xmlns:r="http://schemas.openxmlformats.org/officeDocument/2006/relationships" name="Simple Light">
+  <a:themeElements>
+    <a:clrScheme name="Simple Light">
+      <a:dk1>
+        <a:srgbClr val="000000"/>
+      </a:dk1>
+      <a:lt1>
+        <a:srgbClr val="FFFFFF"/>
+      </a:lt1>
+      <a:dk2>
+        <a:srgbClr val="595959"/>
+      </a:dk2>
+      <a:lt2>
+        <a:srgbClr val="EEEEEE"/>
+      </a:lt2>
+      <a:accent1>
+        <a:srgbClr val="4285F4"/>
+      </a:accent1>
+      <a:accent2>
+        <a:srgbClr val="212121"/>
+      </a:accent2>
+      <a:accent3>
+        <a:srgbClr val="78909C"/>
+      </a:accent3>
+      <a:accent4>
+        <a:srgbClr val="FFAB40"/>
+      </a:accent4>
+      <a:accent5>
+        <a:srgbClr val="0097A7"/>
+      </a:accent5>
+      <a:accent6>
+        <a:srgbClr val="EEFF41"/>
+      </a:accent6>
+      <a:hlink>
+        <a:srgbClr val="0097A7"/>
+      </a:hlink>
+      <a:folHlink>
+        <a:srgbClr val="0097A7"/>
+      </a:folHlink>
+    </a:clrScheme>
+    <a:fontScheme name="Office">
+      <a:majorFont>
+        <a:latin typeface="Arial"/>
+        <a:ea typeface=""/>
+        <a:cs typeface=""/>
+        <a:font script="Jpan" typeface="ＭＳ Ｐゴシック"/>
+        <a:font script="Hang" typeface="맑은 고딕"/>
+        <a:font script="Hans" typeface="宋体"/>
+        <a:font script="Hant" typeface="新細明體"/>
+        <a:font script="Arab" typeface="Times New Roman"/>
+        <a:font script="Hebr" typeface="Times New Roman"/>
+        <a:font script="Thai" typeface="Angsana New"/>
+        <a:font script="Ethi" typeface="Nyala"/>
+        <a:font script="Beng" typeface="Vrinda"/>
+        <a:font script="Gujr" typeface="Shruti"/>
+        <a:font script="Khmr" typeface="MoolBoran"/>
+        <a:font script="Knda" typeface="Tunga"/>
+        <a:font script="Guru" typeface="Raavi"/>
+        <a:font script="Cans" typeface="Euphemia"/>
+        <a:font script="Cher" typeface="Plantagenet Cherokee"/>
+        <a:font script="Yiii" typeface="Microsoft Yi Baiti"/>
+        <a:font script="Tibt" typeface="Microsoft Himalaya"/>
+        <a:font script="Thaa" typeface="MV Boli"/>
+        <a:font script="Deva" typeface="Mangal"/>
+        <a:font script="Telu" typeface="Gautami"/>
+        <a:font script="Taml" typeface="Latha"/>
+        <a:font script="Syrc" typeface="Estrangelo Edessa"/>
+        <a:font script="Orya" typeface="Kalinga"/>
+        <a:font script="Mlym" typeface="Kartika"/>
+        <a:font script="Laoo" typeface="DokChampa"/>
+        <a:font script="Sinh" typeface="Iskoola Pota"/>
+        <a:font script="Mong" typeface="Mongolian Baiti"/>
+        <a:font script="Viet" typeface="Times New Roman"/>
+        <a:font script="Uigh" typeface="Microsoft Uighur"/>
+        <a:font script="Geor" typeface="Sylfaen"/>
+      </a:majorFont>
+      <a:minorFont>
+        <a:latin typeface="Arial"/>
+        <a:ea typeface=""/>
+        <a:cs typeface=""/>
+        <a:font script="Jpan" typeface="ＭＳ Ｐゴシック"/>
+        <a:font script="Hang" typeface="맑은 고딕"/>
+        <a:font script="Hans" typeface="宋体"/>
+        <a:font script="Hant" typeface="新細明體"/>
+        <a:font script="Arab" typeface="Arial"/>
+        <a:font script="Hebr" typeface="Arial"/>
+        <a:font script="Thai" typeface="Cordia New"/>
+        <a:font script="Ethi" typeface="Nyala"/>
+        <a:font script="Beng" typeface="Vrinda"/>
+        <a:font script="Gujr" typeface="Shruti"/>
+        <a:font script="Khmr" typeface="DaunPenh"/>
+        <a:font script="Knda" typeface="Tunga"/>
+        <a:font script="Guru" typeface="Raavi"/>
+        <a:font script="Cans" typeface="Euphemia"/>
+        <a:font script="Cher" typeface="Plantagenet Cherokee"/>
+        <a:font script="Yiii" typeface="Microsoft Yi Baiti"/>
+        <a:font script="Tibt" typeface="Microsoft Himalaya"/>
+        <a:font script="Thaa" typeface="MV Boli"/>
+        <a:font script="Deva" typeface="Mangal"/>
+        <a:font script="Telu" typeface="Gautami"/>
+        <a:font script="Taml" typeface="Latha"/>
+        <a:font script="Syrc" typeface="Estrangelo Edessa"/>
+        <a:font script="Orya" typeface="Kalinga"/>
+        <a:font script="Mlym" typeface="Kartika"/>
+        <a:font script="Laoo" typeface="DokChampa"/>
+        <a:font script="Sinh" typeface="Iskoola Pota"/>
+        <a:font script="Mong" typeface="Mongolian Baiti"/>
+        <a:font script="Viet" typeface="Arial"/>
+        <a:font script="Uigh" typeface="Microsoft Uighur"/>
+        <a:font script="Geor" typeface="Sylfaen"/>
+      </a:minorFont>
+    </a:fontScheme>
+    <a:fmtScheme name="Office">
+      <a:fillStyleLst>
+        <a:solidFill>
+          <a:schemeClr val="phClr"/>
+        </a:solidFill>
+        <a:gradFill rotWithShape="1">
+          <a:gsLst>
+            <a:gs pos="0">
+              <a:schemeClr val="phClr">
+                <a:tint val="50000"/>
+                <a:satMod val="300000"/>
+              </a:schemeClr>
+            </a:gs>
+            <a:gs pos="35000">
+              <a:schemeClr val="phClr">
+                <a:tint val="37000"/>
+                <a:satMod val="300000"/>
+              </a:schemeClr>
+            </a:gs>
+            <a:gs pos="100000">
+              <a:schemeClr val="phClr">
+                <a:tint val="15000"/>
+                <a:satMod val="350000"/>
+              </a:schemeClr>
+            </a:gs>
+          </a:gsLst>
+          <a:lin ang="16200000" scaled="1"/>
+        </a:gradFill>
+        <a:gradFill rotWithShape="1">
+          <a:gsLst>
+            <a:gs pos="0">
+              <a:schemeClr val="phClr">
+                <a:tint val="100000"/>
+                <a:shade val="100000"/>
+                <a:satMod val="130000"/>
+              </a:schemeClr>
+            </a:gs>
+            <a:gs pos="100000">
+              <a:schemeClr val="phClr">
+                <a:tint val="50000"/>
+                <a:shade val="100000"/>
+                <a:satMod val="350000"/>
+              </a:schemeClr>
+            </a:gs>
+          </a:gsLst>
+          <a:lin ang="16200000" scaled="0"/>
+        </a:gradFill>
+      </a:fillStyleLst>
+      <a:lnStyleLst>
+        <a:ln w="9525" cap="flat" cmpd="sng" algn="ctr">
+          <a:solidFill>
+            <a:schemeClr val="phClr">
+              <a:shade val="95000"/>
+              <a:satMod val="105000"/>
+            </a:schemeClr>
+          </a:solidFill>
+          <a:prstDash val="solid"/>
+        </a:ln>
+        <a:ln w="25400" cap="flat" cmpd="sng" algn="ctr">
+          <a:solidFill>
+            <a:schemeClr val="phClr"/>
+          </a:solidFill>
+          <a:prstDash val="solid"/>
+        </a:ln>
+        <a:ln w="38100" cap="flat" cmpd="sng" algn="ctr">
+          <a:solidFill>
+            <a:schemeClr val="phClr"/>
+          </a:solidFill>
+          <a:prstDash val="solid"/>
+        </a:ln>
+      </a:lnStyleLst>
+      <a:effectStyleLst>
+        <a:effectStyle>
+          <a:effectLst>
+            <a:outerShdw blurRad="40000" dist="20000" dir="5400000" rotWithShape="0">
+              <a:srgbClr val="000000">
+                <a:alpha val="38000"/>
+              </a:srgbClr>
+            </a:outerShdw>
+          </a:effectLst>
+        </a:effectStyle>
+        <a:effectStyle>
+          <a:effectLst>
+            <a:outerShdw blurRad="40000" dist="23000" dir="5400000" rotWithShape="0">
+              <a:srgbClr val="000000">
+                <a:alpha val="35000"/>
+              </a:srgbClr>
+            </a:outerShdw>
+          </a:effectLst>
+        </a:effectStyle>
+        <a:effectStyle>
+          <a:effectLst>
+            <a:outerShdw blurRad="40000" dist="23000" dir="5400000" rotWithShape="0">
+              <a:srgbClr val="000000">
+                <a:alpha val="35000"/>
+              </a:srgbClr>
+            </a:outerShdw>
+          </a:effectLst>
+          <a:scene3d>
+            <a:camera prst="orthographicFront">
+              <a:rot lat="0" lon="0" rev="0"/>
+            </a:camera>
+            <a:lightRig rig="threePt" dir="t">
+              <a:rot lat="0" lon="0" rev="1200000"/>
+            </a:lightRig>
+          </a:scene3d>
+          <a:sp3d>
+            <a:bevelT w="63500" h="25400"/>
+          </a:sp3d>
+        </a:effectStyle>
+      </a:effectStyleLst>
+      <a:bgFillStyleLst>
+        <a:solidFill>
+          <a:schemeClr val="phClr"/>
+        </a:solidFill>
+        <a:gradFill rotWithShape="1">
+          <a:gsLst>
+            <a:gs pos="0">
+              <a:schemeClr val="phClr">
+                <a:tint val="40000"/>
+                <a:satMod val="350000"/>
+              </a:schemeClr>
+            </a:gs>
+            <a:gs pos="40000">
+              <a:schemeClr val="phClr">
+                <a:tint val="45000"/>
+                <a:shade val="99000"/>
+                <a:satMod val="350000"/>
+              </a:schemeClr>
+            </a:gs>
+            <a:gs pos="100000">
+              <a:schemeClr val="phClr">
+                <a:shade val="20000"/>
+                <a:satMod val="255000"/>
+              </a:schemeClr>
+            </a:gs>
+          </a:gsLst>
+          <a:path path="circle">
+            <a:fillToRect l="50000" t="-80000" r="50000" b="180000"/>
+          </a:path>
+        </a:gradFill>
+        <a:gradFill rotWithShape="1">
+          <a:gsLst>
+            <a:gs pos="0">
+              <a:schemeClr val="phClr">
+                <a:tint val="80000"/>
+                <a:satMod val="300000"/>
+              </a:schemeClr>
+            </a:gs>
+            <a:gs pos="100000">
+              <a:schemeClr val="phClr">
+                <a:shade val="30000"/>
+                <a:satMod val="200000"/>
+              </a:schemeClr>
+            </a:gs>
+          </a:gsLst>
+          <a:path path="circle">
+            <a:fillToRect l="50000" t="50000" r="50000" b="50000"/>
+          </a:path>
+        </a:gradFill>
+      </a:bgFillStyleLst>
+    </a:fmtScheme>
+  </a:themeElements>
+</a:theme>
+</file>
+
+<file path=ppt/theme/theme2.xml><?xml version="1.0" encoding="utf-8"?>
 <a:theme xmlns:a="http://schemas.openxmlformats.org/drawingml/2006/main" xmlns:r="http://schemas.openxmlformats.org/officeDocument/2006/relationships">
   <a:themeElements>
     <a:clrScheme name="Default">
@@ -7494,283 +12848,4 @@
     </a:fmtScheme>
   </a:themeElements>
 </a:theme>
-</file>
-
-<file path=ppt/theme/theme2.xml><?xml version="1.0" encoding="utf-8"?>
-<a:theme xmlns:a="http://schemas.openxmlformats.org/drawingml/2006/main" xmlns:r="http://schemas.openxmlformats.org/officeDocument/2006/relationships" name="Simple Light">
-  <a:themeElements>
-    <a:clrScheme name="Simple Light">
-      <a:dk1>
-        <a:srgbClr val="000000"/>
-      </a:dk1>
-      <a:lt1>
-        <a:srgbClr val="FFFFFF"/>
-      </a:lt1>
-      <a:dk2>
-        <a:srgbClr val="595959"/>
-      </a:dk2>
-      <a:lt2>
-        <a:srgbClr val="EEEEEE"/>
-      </a:lt2>
-      <a:accent1>
-        <a:srgbClr val="4285F4"/>
-      </a:accent1>
-      <a:accent2>
-        <a:srgbClr val="212121"/>
-      </a:accent2>
-      <a:accent3>
-        <a:srgbClr val="78909C"/>
-      </a:accent3>
-      <a:accent4>
-        <a:srgbClr val="FFAB40"/>
-      </a:accent4>
-      <a:accent5>
-        <a:srgbClr val="0097A7"/>
-      </a:accent5>
-      <a:accent6>
-        <a:srgbClr val="EEFF41"/>
-      </a:accent6>
-      <a:hlink>
-        <a:srgbClr val="0097A7"/>
-      </a:hlink>
-      <a:folHlink>
-        <a:srgbClr val="0097A7"/>
-      </a:folHlink>
-    </a:clrScheme>
-    <a:fontScheme name="Office">
-      <a:majorFont>
-        <a:latin typeface="Arial"/>
-        <a:ea typeface=""/>
-        <a:cs typeface=""/>
-        <a:font script="Jpan" typeface="ＭＳ Ｐゴシック"/>
-        <a:font script="Hang" typeface="맑은 고딕"/>
-        <a:font script="Hans" typeface="宋体"/>
-        <a:font script="Hant" typeface="新細明體"/>
-        <a:font script="Arab" typeface="Times New Roman"/>
-        <a:font script="Hebr" typeface="Times New Roman"/>
-        <a:font script="Thai" typeface="Angsana New"/>
-        <a:font script="Ethi" typeface="Nyala"/>
-        <a:font script="Beng" typeface="Vrinda"/>
-        <a:font script="Gujr" typeface="Shruti"/>
-        <a:font script="Khmr" typeface="MoolBoran"/>
-        <a:font script="Knda" typeface="Tunga"/>
-        <a:font script="Guru" typeface="Raavi"/>
-        <a:font script="Cans" typeface="Euphemia"/>
-        <a:font script="Cher" typeface="Plantagenet Cherokee"/>
-        <a:font script="Yiii" typeface="Microsoft Yi Baiti"/>
-        <a:font script="Tibt" typeface="Microsoft Himalaya"/>
-        <a:font script="Thaa" typeface="MV Boli"/>
-        <a:font script="Deva" typeface="Mangal"/>
-        <a:font script="Telu" typeface="Gautami"/>
-        <a:font script="Taml" typeface="Latha"/>
-        <a:font script="Syrc" typeface="Estrangelo Edessa"/>
-        <a:font script="Orya" typeface="Kalinga"/>
-        <a:font script="Mlym" typeface="Kartika"/>
-        <a:font script="Laoo" typeface="DokChampa"/>
-        <a:font script="Sinh" typeface="Iskoola Pota"/>
-        <a:font script="Mong" typeface="Mongolian Baiti"/>
-        <a:font script="Viet" typeface="Times New Roman"/>
-        <a:font script="Uigh" typeface="Microsoft Uighur"/>
-        <a:font script="Geor" typeface="Sylfaen"/>
-      </a:majorFont>
-      <a:minorFont>
-        <a:latin typeface="Arial"/>
-        <a:ea typeface=""/>
-        <a:cs typeface=""/>
-        <a:font script="Jpan" typeface="ＭＳ Ｐゴシック"/>
-        <a:font script="Hang" typeface="맑은 고딕"/>
-        <a:font script="Hans" typeface="宋体"/>
-        <a:font script="Hant" typeface="新細明體"/>
-        <a:font script="Arab" typeface="Arial"/>
-        <a:font script="Hebr" typeface="Arial"/>
-        <a:font script="Thai" typeface="Cordia New"/>
-        <a:font script="Ethi" typeface="Nyala"/>
-        <a:font script="Beng" typeface="Vrinda"/>
-        <a:font script="Gujr" typeface="Shruti"/>
-        <a:font script="Khmr" typeface="DaunPenh"/>
-        <a:font script="Knda" typeface="Tunga"/>
-        <a:font script="Guru" typeface="Raavi"/>
-        <a:font script="Cans" typeface="Euphemia"/>
-        <a:font script="Cher" typeface="Plantagenet Cherokee"/>
-        <a:font script="Yiii" typeface="Microsoft Yi Baiti"/>
-        <a:font script="Tibt" typeface="Microsoft Himalaya"/>
-        <a:font script="Thaa" typeface="MV Boli"/>
-        <a:font script="Deva" typeface="Mangal"/>
-        <a:font script="Telu" typeface="Gautami"/>
-        <a:font script="Taml" typeface="Latha"/>
-        <a:font script="Syrc" typeface="Estrangelo Edessa"/>
-        <a:font script="Orya" typeface="Kalinga"/>
-        <a:font script="Mlym" typeface="Kartika"/>
-        <a:font script="Laoo" typeface="DokChampa"/>
-        <a:font script="Sinh" typeface="Iskoola Pota"/>
-        <a:font script="Mong" typeface="Mongolian Baiti"/>
-        <a:font script="Viet" typeface="Arial"/>
-        <a:font script="Uigh" typeface="Microsoft Uighur"/>
-        <a:font script="Geor" typeface="Sylfaen"/>
-      </a:minorFont>
-    </a:fontScheme>
-    <a:fmtScheme name="Office">
-      <a:fillStyleLst>
-        <a:solidFill>
-          <a:schemeClr val="phClr"/>
-        </a:solidFill>
-        <a:gradFill rotWithShape="1">
-          <a:gsLst>
-            <a:gs pos="0">
-              <a:schemeClr val="phClr">
-                <a:tint val="50000"/>
-                <a:satMod val="300000"/>
-              </a:schemeClr>
-            </a:gs>
-            <a:gs pos="35000">
-              <a:schemeClr val="phClr">
-                <a:tint val="37000"/>
-                <a:satMod val="300000"/>
-              </a:schemeClr>
-            </a:gs>
-            <a:gs pos="100000">
-              <a:schemeClr val="phClr">
-                <a:tint val="15000"/>
-                <a:satMod val="350000"/>
-              </a:schemeClr>
-            </a:gs>
-          </a:gsLst>
-          <a:lin ang="16200000" scaled="1"/>
-        </a:gradFill>
-        <a:gradFill rotWithShape="1">
-          <a:gsLst>
-            <a:gs pos="0">
-              <a:schemeClr val="phClr">
-                <a:tint val="100000"/>
-                <a:shade val="100000"/>
-                <a:satMod val="130000"/>
-              </a:schemeClr>
-            </a:gs>
-            <a:gs pos="100000">
-              <a:schemeClr val="phClr">
-                <a:tint val="50000"/>
-                <a:shade val="100000"/>
-                <a:satMod val="350000"/>
-              </a:schemeClr>
-            </a:gs>
-          </a:gsLst>
-          <a:lin ang="16200000" scaled="0"/>
-        </a:gradFill>
-      </a:fillStyleLst>
-      <a:lnStyleLst>
-        <a:ln w="9525" cap="flat" cmpd="sng" algn="ctr">
-          <a:solidFill>
-            <a:schemeClr val="phClr">
-              <a:shade val="95000"/>
-              <a:satMod val="105000"/>
-            </a:schemeClr>
-          </a:solidFill>
-          <a:prstDash val="solid"/>
-        </a:ln>
-        <a:ln w="25400" cap="flat" cmpd="sng" algn="ctr">
-          <a:solidFill>
-            <a:schemeClr val="phClr"/>
-          </a:solidFill>
-          <a:prstDash val="solid"/>
-        </a:ln>
-        <a:ln w="38100" cap="flat" cmpd="sng" algn="ctr">
-          <a:solidFill>
-            <a:schemeClr val="phClr"/>
-          </a:solidFill>
-          <a:prstDash val="solid"/>
-        </a:ln>
-      </a:lnStyleLst>
-      <a:effectStyleLst>
-        <a:effectStyle>
-          <a:effectLst>
-            <a:outerShdw blurRad="40000" dist="20000" dir="5400000" rotWithShape="0">
-              <a:srgbClr val="000000">
-                <a:alpha val="38000"/>
-              </a:srgbClr>
-            </a:outerShdw>
-          </a:effectLst>
-        </a:effectStyle>
-        <a:effectStyle>
-          <a:effectLst>
-            <a:outerShdw blurRad="40000" dist="23000" dir="5400000" rotWithShape="0">
-              <a:srgbClr val="000000">
-                <a:alpha val="35000"/>
-              </a:srgbClr>
-            </a:outerShdw>
-          </a:effectLst>
-        </a:effectStyle>
-        <a:effectStyle>
-          <a:effectLst>
-            <a:outerShdw blurRad="40000" dist="23000" dir="5400000" rotWithShape="0">
-              <a:srgbClr val="000000">
-                <a:alpha val="35000"/>
-              </a:srgbClr>
-            </a:outerShdw>
-          </a:effectLst>
-          <a:scene3d>
-            <a:camera prst="orthographicFront">
-              <a:rot lat="0" lon="0" rev="0"/>
-            </a:camera>
-            <a:lightRig rig="threePt" dir="t">
-              <a:rot lat="0" lon="0" rev="1200000"/>
-            </a:lightRig>
-          </a:scene3d>
-          <a:sp3d>
-            <a:bevelT w="63500" h="25400"/>
-          </a:sp3d>
-        </a:effectStyle>
-      </a:effectStyleLst>
-      <a:bgFillStyleLst>
-        <a:solidFill>
-          <a:schemeClr val="phClr"/>
-        </a:solidFill>
-        <a:gradFill rotWithShape="1">
-          <a:gsLst>
-            <a:gs pos="0">
-              <a:schemeClr val="phClr">
-                <a:tint val="40000"/>
-                <a:satMod val="350000"/>
-              </a:schemeClr>
-            </a:gs>
-            <a:gs pos="40000">
-              <a:schemeClr val="phClr">
-                <a:tint val="45000"/>
-                <a:shade val="99000"/>
-                <a:satMod val="350000"/>
-              </a:schemeClr>
-            </a:gs>
-            <a:gs pos="100000">
-              <a:schemeClr val="phClr">
-                <a:shade val="20000"/>
-                <a:satMod val="255000"/>
-              </a:schemeClr>
-            </a:gs>
-          </a:gsLst>
-          <a:path path="circle">
-            <a:fillToRect l="50000" t="-80000" r="50000" b="180000"/>
-          </a:path>
-        </a:gradFill>
-        <a:gradFill rotWithShape="1">
-          <a:gsLst>
-            <a:gs pos="0">
-              <a:schemeClr val="phClr">
-                <a:tint val="80000"/>
-                <a:satMod val="300000"/>
-              </a:schemeClr>
-            </a:gs>
-            <a:gs pos="100000">
-              <a:schemeClr val="phClr">
-                <a:shade val="30000"/>
-                <a:satMod val="200000"/>
-              </a:schemeClr>
-            </a:gs>
-          </a:gsLst>
-          <a:path path="circle">
-            <a:fillToRect l="50000" t="50000" r="50000" b="50000"/>
-          </a:path>
-        </a:gradFill>
-      </a:bgFillStyleLst>
-    </a:fmtScheme>
-  </a:themeElements>
-</a:theme>
 </file>
--- a/Woodworking project/Presentation for Woodwork competition.pptx
+++ b/Woodworking project/Presentation for Woodwork competition.pptx
@@ -12,6 +12,7 @@
     <p:sldId id="257" r:id="rId7"/>
     <p:sldId id="258" r:id="rId8"/>
     <p:sldId id="259" r:id="rId9"/>
+    <p:sldId id="260" r:id="rId10"/>
   </p:sldIdLst>
   <p:sldSz cy="5143500" cx="9144000"/>
   <p:notesSz cx="6858000" cy="9144000"/>
@@ -1075,6 +1076,106 @@
             <a:r>
               <a:rPr lang="en-GB"/>
               <a:t>Draw details on glass joints.</a:t>
+            </a:r>
+            <a:endParaRPr/>
+          </a:p>
+        </p:txBody>
+      </p:sp>
+    </p:spTree>
+  </p:cSld>
+  <p:clrMapOvr>
+    <a:masterClrMapping/>
+  </p:clrMapOvr>
+</p:notes>
+</file>
+
+<file path=ppt/notesSlides/notesSlide5.xml><?xml version="1.0" encoding="utf-8"?>
+<p:notes xmlns:a="http://schemas.openxmlformats.org/drawingml/2006/main" xmlns:r="http://schemas.openxmlformats.org/officeDocument/2006/relationships" xmlns:mc="http://schemas.openxmlformats.org/markup-compatibility/2006" xmlns:mv="urn:schemas-microsoft-com:mac:vml" xmlns:p="http://schemas.openxmlformats.org/presentationml/2006/main" xmlns:c="http://schemas.openxmlformats.org/drawingml/2006/chart" xmlns:dgm="http://schemas.openxmlformats.org/drawingml/2006/diagram" xmlns:o="urn:schemas-microsoft-com:office:office" xmlns:v="urn:schemas-microsoft-com:vml" xmlns:pvml="urn:schemas-microsoft-com:office:powerpoint" xmlns:com="http://schemas.openxmlformats.org/drawingml/2006/compatibility" xmlns:p14="http://schemas.microsoft.com/office/powerpoint/2010/main" xmlns:p15="http://schemas.microsoft.com/office/powerpoint/2012/main" xmlns:ahyp="http://schemas.microsoft.com/office/drawing/2018/hyperlinkcolor" showMasterPhAnim="0" showMasterSp="0">
+  <p:cSld>
+    <p:spTree>
+      <p:nvGrpSpPr>
+        <p:cNvPr id="243" name="Shape 243"/>
+        <p:cNvGrpSpPr/>
+        <p:nvPr/>
+      </p:nvGrpSpPr>
+      <p:grpSpPr>
+        <a:xfrm>
+          <a:off x="0" y="0"/>
+          <a:ext cx="0" cy="0"/>
+          <a:chOff x="0" y="0"/>
+          <a:chExt cx="0" cy="0"/>
+        </a:xfrm>
+      </p:grpSpPr>
+      <p:sp>
+        <p:nvSpPr>
+          <p:cNvPr id="244" name="Google Shape;244;g2eef032fe31_0_0:notes"/>
+          <p:cNvSpPr/>
+          <p:nvPr>
+            <p:ph idx="2" type="sldImg"/>
+          </p:nvPr>
+        </p:nvSpPr>
+        <p:spPr>
+          <a:xfrm>
+            <a:off x="381255" y="685800"/>
+            <a:ext cx="6096000" cy="3429000"/>
+          </a:xfrm>
+          <a:custGeom>
+            <a:rect b="b" l="l" r="r" t="t"/>
+            <a:pathLst>
+              <a:path extrusionOk="0" h="120000" w="120000">
+                <a:moveTo>
+                  <a:pt x="0" y="0"/>
+                </a:moveTo>
+                <a:lnTo>
+                  <a:pt x="120000" y="0"/>
+                </a:lnTo>
+                <a:lnTo>
+                  <a:pt x="120000" y="120000"/>
+                </a:lnTo>
+                <a:lnTo>
+                  <a:pt x="0" y="120000"/>
+                </a:lnTo>
+                <a:close/>
+              </a:path>
+            </a:pathLst>
+          </a:custGeom>
+        </p:spPr>
+      </p:sp>
+      <p:sp>
+        <p:nvSpPr>
+          <p:cNvPr id="245" name="Google Shape;245;g2eef032fe31_0_0:notes"/>
+          <p:cNvSpPr txBox="1"/>
+          <p:nvPr>
+            <p:ph idx="1" type="body"/>
+          </p:nvPr>
+        </p:nvSpPr>
+        <p:spPr>
+          <a:xfrm>
+            <a:off x="685800" y="4343400"/>
+            <a:ext cx="5486400" cy="4114800"/>
+          </a:xfrm>
+          <a:prstGeom prst="rect">
+            <a:avLst/>
+          </a:prstGeom>
+        </p:spPr>
+        <p:txBody>
+          <a:bodyPr anchorCtr="0" anchor="t" bIns="91425" lIns="91425" spcFirstLastPara="1" rIns="91425" wrap="square" tIns="91425">
+            <a:noAutofit/>
+          </a:bodyPr>
+          <a:lstStyle/>
+          <a:p>
+            <a:pPr indent="0" lvl="0" marL="0" rtl="0" algn="l">
+              <a:spcBef>
+                <a:spcPts val="0"/>
+              </a:spcBef>
+              <a:spcAft>
+                <a:spcPts val="0"/>
+              </a:spcAft>
+              <a:buNone/>
+            </a:pPr>
+            <a:r>
+              <a:rPr lang="en-GB"/>
+              <a:t>Door lock. Crop out finger joint horizontal. Flange coupling</a:t>
             </a:r>
             <a:endParaRPr/>
           </a:p>
@@ -12292,7 +12393,2094 @@
 </p:sld>
 </file>
 
+<file path=ppt/slides/slide5.xml><?xml version="1.0" encoding="utf-8"?>
+<p:sld xmlns:a="http://schemas.openxmlformats.org/drawingml/2006/main" xmlns:r="http://schemas.openxmlformats.org/officeDocument/2006/relationships" xmlns:mc="http://schemas.openxmlformats.org/markup-compatibility/2006" xmlns:mv="urn:schemas-microsoft-com:mac:vml" xmlns:p="http://schemas.openxmlformats.org/presentationml/2006/main" xmlns:c="http://schemas.openxmlformats.org/drawingml/2006/chart" xmlns:dgm="http://schemas.openxmlformats.org/drawingml/2006/diagram" xmlns:o="urn:schemas-microsoft-com:office:office" xmlns:v="urn:schemas-microsoft-com:vml" xmlns:pvml="urn:schemas-microsoft-com:office:powerpoint" xmlns:com="http://schemas.openxmlformats.org/drawingml/2006/compatibility" xmlns:p14="http://schemas.microsoft.com/office/powerpoint/2010/main" xmlns:p15="http://schemas.microsoft.com/office/powerpoint/2012/main" xmlns:ahyp="http://schemas.microsoft.com/office/drawing/2018/hyperlinkcolor">
+  <p:cSld>
+    <p:spTree>
+      <p:nvGrpSpPr>
+        <p:cNvPr id="246" name="Shape 246"/>
+        <p:cNvGrpSpPr/>
+        <p:nvPr/>
+      </p:nvGrpSpPr>
+      <p:grpSpPr>
+        <a:xfrm>
+          <a:off x="0" y="0"/>
+          <a:ext cx="0" cy="0"/>
+          <a:chOff x="0" y="0"/>
+          <a:chExt cx="0" cy="0"/>
+        </a:xfrm>
+      </p:grpSpPr>
+      <p:pic>
+        <p:nvPicPr>
+          <p:cNvPr id="247" name="Google Shape;247;p17"/>
+          <p:cNvPicPr preferRelativeResize="0"/>
+          <p:nvPr/>
+        </p:nvPicPr>
+        <p:blipFill rotWithShape="1">
+          <a:blip r:embed="rId3">
+            <a:alphaModFix/>
+          </a:blip>
+          <a:srcRect b="43971" l="69543" r="11519" t="0"/>
+          <a:stretch/>
+        </p:blipFill>
+        <p:spPr>
+          <a:xfrm>
+            <a:off x="479682" y="831893"/>
+            <a:ext cx="1557927" cy="2591146"/>
+          </a:xfrm>
+          <a:prstGeom prst="rect">
+            <a:avLst/>
+          </a:prstGeom>
+          <a:noFill/>
+          <a:ln>
+            <a:noFill/>
+          </a:ln>
+        </p:spPr>
+      </p:pic>
+      <p:pic>
+        <p:nvPicPr>
+          <p:cNvPr id="248" name="Google Shape;248;p17"/>
+          <p:cNvPicPr preferRelativeResize="0"/>
+          <p:nvPr/>
+        </p:nvPicPr>
+        <p:blipFill rotWithShape="1">
+          <a:blip r:embed="rId4">
+            <a:alphaModFix/>
+          </a:blip>
+          <a:srcRect b="29834" l="25952" r="61504" t="58808"/>
+          <a:stretch/>
+        </p:blipFill>
+        <p:spPr>
+          <a:xfrm>
+            <a:off x="2036558" y="733485"/>
+            <a:ext cx="1126757" cy="573545"/>
+          </a:xfrm>
+          <a:prstGeom prst="rect">
+            <a:avLst/>
+          </a:prstGeom>
+          <a:noFill/>
+          <a:ln>
+            <a:noFill/>
+          </a:ln>
+        </p:spPr>
+      </p:pic>
+      <p:sp>
+        <p:nvSpPr>
+          <p:cNvPr id="249" name="Google Shape;249;p17"/>
+          <p:cNvSpPr txBox="1"/>
+          <p:nvPr/>
+        </p:nvSpPr>
+        <p:spPr>
+          <a:xfrm>
+            <a:off x="325014" y="102322"/>
+            <a:ext cx="1362300" cy="411900"/>
+          </a:xfrm>
+          <a:prstGeom prst="rect">
+            <a:avLst/>
+          </a:prstGeom>
+          <a:noFill/>
+          <a:ln>
+            <a:noFill/>
+          </a:ln>
+        </p:spPr>
+        <p:txBody>
+          <a:bodyPr anchorCtr="0" anchor="t" bIns="51525" lIns="51525" spcFirstLastPara="1" rIns="51525" wrap="square" tIns="51525">
+            <a:spAutoFit/>
+          </a:bodyPr>
+          <a:lstStyle/>
+          <a:p>
+            <a:pPr indent="0" lvl="0" marL="0" rtl="0" algn="l">
+              <a:spcBef>
+                <a:spcPts val="0"/>
+              </a:spcBef>
+              <a:spcAft>
+                <a:spcPts val="0"/>
+              </a:spcAft>
+              <a:buNone/>
+            </a:pPr>
+            <a:r>
+              <a:rPr lang="en-GB" sz="2000" u="sng"/>
+              <a:t>Design 6</a:t>
+            </a:r>
+            <a:endParaRPr sz="1200"/>
+          </a:p>
+        </p:txBody>
+      </p:sp>
+      <p:pic>
+        <p:nvPicPr>
+          <p:cNvPr id="250" name="Google Shape;250;p17"/>
+          <p:cNvPicPr preferRelativeResize="0"/>
+          <p:nvPr/>
+        </p:nvPicPr>
+        <p:blipFill rotWithShape="1">
+          <a:blip r:embed="rId5">
+            <a:alphaModFix/>
+          </a:blip>
+          <a:srcRect b="39245" l="35173" r="35223" t="26818"/>
+          <a:stretch/>
+        </p:blipFill>
+        <p:spPr>
+          <a:xfrm>
+            <a:off x="5326993" y="2995516"/>
+            <a:ext cx="2053422" cy="1323255"/>
+          </a:xfrm>
+          <a:prstGeom prst="rect">
+            <a:avLst/>
+          </a:prstGeom>
+          <a:noFill/>
+          <a:ln>
+            <a:noFill/>
+          </a:ln>
+        </p:spPr>
+      </p:pic>
+      <p:pic>
+        <p:nvPicPr>
+          <p:cNvPr id="251" name="Google Shape;251;p17"/>
+          <p:cNvPicPr preferRelativeResize="0"/>
+          <p:nvPr/>
+        </p:nvPicPr>
+        <p:blipFill rotWithShape="1">
+          <a:blip r:embed="rId6">
+            <a:alphaModFix/>
+          </a:blip>
+          <a:srcRect b="13166" l="17930" r="52884" t="40093"/>
+          <a:stretch/>
+        </p:blipFill>
+        <p:spPr>
+          <a:xfrm>
+            <a:off x="7539929" y="-6"/>
+            <a:ext cx="1604069" cy="1444224"/>
+          </a:xfrm>
+          <a:prstGeom prst="rect">
+            <a:avLst/>
+          </a:prstGeom>
+          <a:noFill/>
+          <a:ln>
+            <a:noFill/>
+          </a:ln>
+        </p:spPr>
+      </p:pic>
+      <p:pic>
+        <p:nvPicPr>
+          <p:cNvPr id="252" name="Google Shape;252;p17"/>
+          <p:cNvPicPr preferRelativeResize="0"/>
+          <p:nvPr/>
+        </p:nvPicPr>
+        <p:blipFill rotWithShape="1">
+          <a:blip r:embed="rId7">
+            <a:alphaModFix/>
+          </a:blip>
+          <a:srcRect b="70491" l="75342" r="16548" t="14870"/>
+          <a:stretch/>
+        </p:blipFill>
+        <p:spPr>
+          <a:xfrm>
+            <a:off x="6381395" y="2503571"/>
+            <a:ext cx="565179" cy="573539"/>
+          </a:xfrm>
+          <a:prstGeom prst="rect">
+            <a:avLst/>
+          </a:prstGeom>
+          <a:noFill/>
+          <a:ln>
+            <a:noFill/>
+          </a:ln>
+        </p:spPr>
+      </p:pic>
+      <p:pic>
+        <p:nvPicPr>
+          <p:cNvPr id="253" name="Google Shape;253;p17"/>
+          <p:cNvPicPr preferRelativeResize="0"/>
+          <p:nvPr/>
+        </p:nvPicPr>
+        <p:blipFill rotWithShape="1">
+          <a:blip r:embed="rId8">
+            <a:alphaModFix/>
+          </a:blip>
+          <a:srcRect b="66845" l="32709" r="61722" t="16906"/>
+          <a:stretch/>
+        </p:blipFill>
+        <p:spPr>
+          <a:xfrm rot="5400000">
+            <a:off x="6855208" y="-119153"/>
+            <a:ext cx="278085" cy="721027"/>
+          </a:xfrm>
+          <a:prstGeom prst="rect">
+            <a:avLst/>
+          </a:prstGeom>
+          <a:noFill/>
+          <a:ln>
+            <a:noFill/>
+          </a:ln>
+        </p:spPr>
+      </p:pic>
+      <p:pic>
+        <p:nvPicPr>
+          <p:cNvPr id="254" name="Google Shape;254;p17"/>
+          <p:cNvPicPr preferRelativeResize="0"/>
+          <p:nvPr/>
+        </p:nvPicPr>
+        <p:blipFill rotWithShape="1">
+          <a:blip r:embed="rId9">
+            <a:alphaModFix/>
+          </a:blip>
+          <a:srcRect b="50585" l="32592" r="55718" t="38830"/>
+          <a:stretch/>
+        </p:blipFill>
+        <p:spPr>
+          <a:xfrm>
+            <a:off x="7373621" y="3198777"/>
+            <a:ext cx="1126671" cy="573545"/>
+          </a:xfrm>
+          <a:prstGeom prst="rect">
+            <a:avLst/>
+          </a:prstGeom>
+          <a:noFill/>
+          <a:ln>
+            <a:noFill/>
+          </a:ln>
+        </p:spPr>
+      </p:pic>
+      <p:pic>
+        <p:nvPicPr>
+          <p:cNvPr id="255" name="Google Shape;255;p17"/>
+          <p:cNvPicPr preferRelativeResize="0"/>
+          <p:nvPr/>
+        </p:nvPicPr>
+        <p:blipFill rotWithShape="1">
+          <a:blip r:embed="rId10">
+            <a:alphaModFix/>
+          </a:blip>
+          <a:srcRect b="35703" l="35203" r="55293" t="47247"/>
+          <a:stretch/>
+        </p:blipFill>
+        <p:spPr>
+          <a:xfrm>
+            <a:off x="8301190" y="3548893"/>
+            <a:ext cx="719334" cy="725499"/>
+          </a:xfrm>
+          <a:prstGeom prst="rect">
+            <a:avLst/>
+          </a:prstGeom>
+          <a:noFill/>
+          <a:ln>
+            <a:noFill/>
+          </a:ln>
+        </p:spPr>
+      </p:pic>
+      <p:sp>
+        <p:nvSpPr>
+          <p:cNvPr id="256" name="Google Shape;256;p17"/>
+          <p:cNvSpPr txBox="1"/>
+          <p:nvPr/>
+        </p:nvSpPr>
+        <p:spPr>
+          <a:xfrm>
+            <a:off x="7640456" y="4150447"/>
+            <a:ext cx="1431000" cy="966000"/>
+          </a:xfrm>
+          <a:prstGeom prst="rect">
+            <a:avLst/>
+          </a:prstGeom>
+          <a:noFill/>
+          <a:ln>
+            <a:noFill/>
+          </a:ln>
+        </p:spPr>
+        <p:txBody>
+          <a:bodyPr anchorCtr="0" anchor="t" bIns="51525" lIns="51525" spcFirstLastPara="1" rIns="51525" wrap="square" tIns="51525">
+            <a:spAutoFit/>
+          </a:bodyPr>
+          <a:lstStyle/>
+          <a:p>
+            <a:pPr indent="0" lvl="0" marL="0" rtl="0" algn="l">
+              <a:spcBef>
+                <a:spcPts val="0"/>
+              </a:spcBef>
+              <a:spcAft>
+                <a:spcPts val="0"/>
+              </a:spcAft>
+              <a:buClr>
+                <a:schemeClr val="dk1"/>
+              </a:buClr>
+              <a:buSzPts val="600"/>
+              <a:buFont typeface="Arial"/>
+              <a:buNone/>
+            </a:pPr>
+            <a:r>
+              <a:rPr lang="en-GB" sz="700">
+                <a:solidFill>
+                  <a:schemeClr val="dk1"/>
+                </a:solidFill>
+              </a:rPr>
+              <a:t>Like design 5, Design 6 will incorporate Mitre joints for the main rubberwood panels. Based on my research on wood joints, the usage of mitre joints for wood panels at this size is likely to be easier.</a:t>
+            </a:r>
+            <a:endParaRPr sz="700">
+              <a:solidFill>
+                <a:schemeClr val="dk1"/>
+              </a:solidFill>
+            </a:endParaRPr>
+          </a:p>
+          <a:p>
+            <a:pPr indent="0" lvl="0" marL="0" rtl="0" algn="l">
+              <a:spcBef>
+                <a:spcPts val="0"/>
+              </a:spcBef>
+              <a:spcAft>
+                <a:spcPts val="0"/>
+              </a:spcAft>
+              <a:buNone/>
+            </a:pPr>
+            <a:r>
+              <a:t/>
+            </a:r>
+            <a:endParaRPr sz="700"/>
+          </a:p>
+        </p:txBody>
+      </p:sp>
+      <p:sp>
+        <p:nvSpPr>
+          <p:cNvPr id="257" name="Google Shape;257;p17"/>
+          <p:cNvSpPr txBox="1"/>
+          <p:nvPr/>
+        </p:nvSpPr>
+        <p:spPr>
+          <a:xfrm>
+            <a:off x="7002342" y="2503572"/>
+            <a:ext cx="2095800" cy="642900"/>
+          </a:xfrm>
+          <a:prstGeom prst="rect">
+            <a:avLst/>
+          </a:prstGeom>
+          <a:noFill/>
+          <a:ln>
+            <a:noFill/>
+          </a:ln>
+        </p:spPr>
+        <p:txBody>
+          <a:bodyPr anchorCtr="0" anchor="t" bIns="51525" lIns="51525" spcFirstLastPara="1" rIns="51525" wrap="square" tIns="51525">
+            <a:spAutoFit/>
+          </a:bodyPr>
+          <a:lstStyle/>
+          <a:p>
+            <a:pPr indent="0" lvl="0" marL="0" rtl="0" algn="l">
+              <a:spcBef>
+                <a:spcPts val="0"/>
+              </a:spcBef>
+              <a:spcAft>
+                <a:spcPts val="0"/>
+              </a:spcAft>
+              <a:buNone/>
+            </a:pPr>
+            <a:r>
+              <a:rPr lang="en-GB" sz="700"/>
+              <a:t>A lock mechanism needs to be incorporated to prevent unauthorised access/touching/theft of the displaying artifact. The display case needs to aim to give the displaying artifact a safe and secure environment to display in.</a:t>
+            </a:r>
+            <a:endParaRPr sz="700"/>
+          </a:p>
+        </p:txBody>
+      </p:sp>
+      <p:sp>
+        <p:nvSpPr>
+          <p:cNvPr id="258" name="Google Shape;258;p17"/>
+          <p:cNvSpPr txBox="1"/>
+          <p:nvPr/>
+        </p:nvSpPr>
+        <p:spPr>
+          <a:xfrm>
+            <a:off x="6437554" y="1310451"/>
+            <a:ext cx="2730300" cy="1289400"/>
+          </a:xfrm>
+          <a:prstGeom prst="rect">
+            <a:avLst/>
+          </a:prstGeom>
+          <a:noFill/>
+          <a:ln>
+            <a:noFill/>
+          </a:ln>
+        </p:spPr>
+        <p:txBody>
+          <a:bodyPr anchorCtr="0" anchor="t" bIns="51525" lIns="51525" spcFirstLastPara="1" rIns="51525" wrap="square" tIns="51525">
+            <a:spAutoFit/>
+          </a:bodyPr>
+          <a:lstStyle/>
+          <a:p>
+            <a:pPr indent="0" lvl="0" marL="0" rtl="0" algn="l">
+              <a:spcBef>
+                <a:spcPts val="0"/>
+              </a:spcBef>
+              <a:spcAft>
+                <a:spcPts val="0"/>
+              </a:spcAft>
+              <a:buClr>
+                <a:schemeClr val="dk1"/>
+              </a:buClr>
+              <a:buSzPts val="600"/>
+              <a:buFont typeface="Arial"/>
+              <a:buNone/>
+            </a:pPr>
+            <a:r>
+              <a:rPr lang="en-GB" sz="700">
+                <a:solidFill>
+                  <a:schemeClr val="dk1"/>
+                </a:solidFill>
+              </a:rPr>
+              <a:t>In this design, the transparent bit, or the acrylic case will be an independent bit, sort of 5 acrylic face panels glued together, this means the case wouldn’t be directly attached to the main display case. So, in order to hold the acrylic section in place, I will likely need to create a change in height, which will act like a track for the acrylic section to sit on. A good reason for acrylic instead of glass used here is that acrylic is fairly light, which means its more easily removable, making maintenance and installation much easier for the museum worker to clean or change the displaying artifact, as stated in the design specification.</a:t>
+            </a:r>
+            <a:endParaRPr sz="700">
+              <a:solidFill>
+                <a:schemeClr val="dk1"/>
+              </a:solidFill>
+            </a:endParaRPr>
+          </a:p>
+          <a:p>
+            <a:pPr indent="0" lvl="0" marL="0" rtl="0" algn="l">
+              <a:spcBef>
+                <a:spcPts val="0"/>
+              </a:spcBef>
+              <a:spcAft>
+                <a:spcPts val="0"/>
+              </a:spcAft>
+              <a:buNone/>
+            </a:pPr>
+            <a:r>
+              <a:t/>
+            </a:r>
+            <a:endParaRPr sz="700"/>
+          </a:p>
+        </p:txBody>
+      </p:sp>
+      <p:sp>
+        <p:nvSpPr>
+          <p:cNvPr id="259" name="Google Shape;259;p17"/>
+          <p:cNvSpPr txBox="1"/>
+          <p:nvPr/>
+        </p:nvSpPr>
+        <p:spPr>
+          <a:xfrm>
+            <a:off x="3806991" y="4466960"/>
+            <a:ext cx="1923600" cy="750600"/>
+          </a:xfrm>
+          <a:prstGeom prst="rect">
+            <a:avLst/>
+          </a:prstGeom>
+          <a:noFill/>
+          <a:ln>
+            <a:noFill/>
+          </a:ln>
+        </p:spPr>
+        <p:txBody>
+          <a:bodyPr anchorCtr="0" anchor="t" bIns="51525" lIns="51525" spcFirstLastPara="1" rIns="51525" wrap="square" tIns="51525">
+            <a:spAutoFit/>
+          </a:bodyPr>
+          <a:lstStyle/>
+          <a:p>
+            <a:pPr indent="0" lvl="0" marL="0" rtl="0" algn="l">
+              <a:spcBef>
+                <a:spcPts val="0"/>
+              </a:spcBef>
+              <a:spcAft>
+                <a:spcPts val="0"/>
+              </a:spcAft>
+              <a:buNone/>
+            </a:pPr>
+            <a:r>
+              <a:rPr lang="en-GB" sz="700"/>
+              <a:t>The display spinner’s bottom bit will be a motor axle, which will be 3D printed and locked tightly to the motor axle, so the spinner will be spun.</a:t>
+            </a:r>
+            <a:endParaRPr sz="700"/>
+          </a:p>
+          <a:p>
+            <a:pPr indent="0" lvl="0" marL="0" rtl="0" algn="l">
+              <a:spcBef>
+                <a:spcPts val="0"/>
+              </a:spcBef>
+              <a:spcAft>
+                <a:spcPts val="0"/>
+              </a:spcAft>
+              <a:buNone/>
+            </a:pPr>
+            <a:r>
+              <a:t/>
+            </a:r>
+            <a:endParaRPr sz="700"/>
+          </a:p>
+          <a:p>
+            <a:pPr indent="0" lvl="0" marL="0" rtl="0" algn="l">
+              <a:spcBef>
+                <a:spcPts val="0"/>
+              </a:spcBef>
+              <a:spcAft>
+                <a:spcPts val="0"/>
+              </a:spcAft>
+              <a:buNone/>
+            </a:pPr>
+            <a:r>
+              <a:t/>
+            </a:r>
+            <a:endParaRPr sz="700"/>
+          </a:p>
+        </p:txBody>
+      </p:sp>
+      <p:sp>
+        <p:nvSpPr>
+          <p:cNvPr id="260" name="Google Shape;260;p17"/>
+          <p:cNvSpPr txBox="1"/>
+          <p:nvPr/>
+        </p:nvSpPr>
+        <p:spPr>
+          <a:xfrm>
+            <a:off x="3029132" y="573725"/>
+            <a:ext cx="1923600" cy="1181400"/>
+          </a:xfrm>
+          <a:prstGeom prst="rect">
+            <a:avLst/>
+          </a:prstGeom>
+          <a:noFill/>
+          <a:ln>
+            <a:noFill/>
+          </a:ln>
+        </p:spPr>
+        <p:txBody>
+          <a:bodyPr anchorCtr="0" anchor="t" bIns="51525" lIns="51525" spcFirstLastPara="1" rIns="51525" wrap="square" tIns="51525">
+            <a:spAutoFit/>
+          </a:bodyPr>
+          <a:lstStyle/>
+          <a:p>
+            <a:pPr indent="0" lvl="0" marL="0" rtl="0" algn="l">
+              <a:spcBef>
+                <a:spcPts val="0"/>
+              </a:spcBef>
+              <a:spcAft>
+                <a:spcPts val="0"/>
+              </a:spcAft>
+              <a:buClr>
+                <a:schemeClr val="dk1"/>
+              </a:buClr>
+              <a:buSzPts val="600"/>
+              <a:buFont typeface="Arial"/>
+              <a:buNone/>
+            </a:pPr>
+            <a:r>
+              <a:rPr lang="en-GB" sz="700">
+                <a:solidFill>
+                  <a:schemeClr val="dk1"/>
+                </a:solidFill>
+              </a:rPr>
+              <a:t>This section is where the LED lamps and display spinner will sit on, which this square area will consist of the display spinner and 2 LED lamps. LED lamps are used as they wasted 85% less energy than incandescent lamps, higher energy efficiency, as stated in the design specification, to reduce energy consumption overall, reducing carbon footprint.</a:t>
+            </a:r>
+            <a:endParaRPr sz="700">
+              <a:solidFill>
+                <a:schemeClr val="dk1"/>
+              </a:solidFill>
+            </a:endParaRPr>
+          </a:p>
+          <a:p>
+            <a:pPr indent="0" lvl="0" marL="0" rtl="0" algn="l">
+              <a:spcBef>
+                <a:spcPts val="0"/>
+              </a:spcBef>
+              <a:spcAft>
+                <a:spcPts val="0"/>
+              </a:spcAft>
+              <a:buNone/>
+            </a:pPr>
+            <a:r>
+              <a:t/>
+            </a:r>
+            <a:endParaRPr sz="700"/>
+          </a:p>
+        </p:txBody>
+      </p:sp>
+      <p:sp>
+        <p:nvSpPr>
+          <p:cNvPr id="261" name="Google Shape;261;p17"/>
+          <p:cNvSpPr txBox="1"/>
+          <p:nvPr/>
+        </p:nvSpPr>
+        <p:spPr>
+          <a:xfrm>
+            <a:off x="430802" y="494338"/>
+            <a:ext cx="1052700" cy="319500"/>
+          </a:xfrm>
+          <a:prstGeom prst="rect">
+            <a:avLst/>
+          </a:prstGeom>
+          <a:noFill/>
+          <a:ln>
+            <a:noFill/>
+          </a:ln>
+        </p:spPr>
+        <p:txBody>
+          <a:bodyPr anchorCtr="0" anchor="t" bIns="51525" lIns="51525" spcFirstLastPara="1" rIns="51525" wrap="square" tIns="51525">
+            <a:spAutoFit/>
+          </a:bodyPr>
+          <a:lstStyle/>
+          <a:p>
+            <a:pPr indent="0" lvl="0" marL="0" rtl="0" algn="l">
+              <a:spcBef>
+                <a:spcPts val="0"/>
+              </a:spcBef>
+              <a:spcAft>
+                <a:spcPts val="0"/>
+              </a:spcAft>
+              <a:buNone/>
+            </a:pPr>
+            <a:r>
+              <a:rPr lang="en-GB" sz="700"/>
+              <a:t>Lock mechanism to prevent theft.</a:t>
+            </a:r>
+            <a:endParaRPr sz="700"/>
+          </a:p>
+        </p:txBody>
+      </p:sp>
+      <p:sp>
+        <p:nvSpPr>
+          <p:cNvPr id="262" name="Google Shape;262;p17"/>
+          <p:cNvSpPr txBox="1"/>
+          <p:nvPr/>
+        </p:nvSpPr>
+        <p:spPr>
+          <a:xfrm>
+            <a:off x="2050468" y="9140"/>
+            <a:ext cx="2536800" cy="642900"/>
+          </a:xfrm>
+          <a:prstGeom prst="rect">
+            <a:avLst/>
+          </a:prstGeom>
+          <a:noFill/>
+          <a:ln>
+            <a:noFill/>
+          </a:ln>
+        </p:spPr>
+        <p:txBody>
+          <a:bodyPr anchorCtr="0" anchor="t" bIns="51525" lIns="51525" spcFirstLastPara="1" rIns="51525" wrap="square" tIns="51525">
+            <a:spAutoFit/>
+          </a:bodyPr>
+          <a:lstStyle/>
+          <a:p>
+            <a:pPr indent="0" lvl="0" marL="0" rtl="0" algn="l">
+              <a:spcBef>
+                <a:spcPts val="0"/>
+              </a:spcBef>
+              <a:spcAft>
+                <a:spcPts val="0"/>
+              </a:spcAft>
+              <a:buNone/>
+            </a:pPr>
+            <a:r>
+              <a:rPr lang="en-GB" sz="700"/>
+              <a:t>The top bit, needs to be transparent in order for viewer to see through it to observe the object which is displaying. This part will likely be made of acrylic or glass. Chloroform would be used if acrylic, and UV glue or silicone could be used if glass is used in this part.</a:t>
+            </a:r>
+            <a:endParaRPr sz="700"/>
+          </a:p>
+        </p:txBody>
+      </p:sp>
+      <p:cxnSp>
+        <p:nvCxnSpPr>
+          <p:cNvPr id="263" name="Google Shape;263;p17"/>
+          <p:cNvCxnSpPr>
+            <a:stCxn id="262" idx="1"/>
+          </p:cNvCxnSpPr>
+          <p:nvPr/>
+        </p:nvCxnSpPr>
+        <p:spPr>
+          <a:xfrm flipH="1">
+            <a:off x="1584268" y="330590"/>
+            <a:ext cx="466200" cy="762000"/>
+          </a:xfrm>
+          <a:prstGeom prst="straightConnector1">
+            <a:avLst/>
+          </a:prstGeom>
+          <a:noFill/>
+          <a:ln cap="flat" cmpd="sng" w="19050">
+            <a:solidFill>
+              <a:schemeClr val="dk2"/>
+            </a:solidFill>
+            <a:prstDash val="solid"/>
+            <a:round/>
+            <a:headEnd len="med" w="med" type="none"/>
+            <a:tailEnd len="med" w="med" type="stealth"/>
+          </a:ln>
+        </p:spPr>
+      </p:cxnSp>
+      <p:cxnSp>
+        <p:nvCxnSpPr>
+          <p:cNvPr id="264" name="Google Shape;264;p17"/>
+          <p:cNvCxnSpPr/>
+          <p:nvPr/>
+        </p:nvCxnSpPr>
+        <p:spPr>
+          <a:xfrm>
+            <a:off x="603038" y="742012"/>
+            <a:ext cx="49500" cy="899400"/>
+          </a:xfrm>
+          <a:prstGeom prst="straightConnector1">
+            <a:avLst/>
+          </a:prstGeom>
+          <a:noFill/>
+          <a:ln cap="flat" cmpd="sng" w="19050">
+            <a:solidFill>
+              <a:schemeClr val="dk2"/>
+            </a:solidFill>
+            <a:prstDash val="solid"/>
+            <a:round/>
+            <a:headEnd len="med" w="med" type="none"/>
+            <a:tailEnd len="med" w="med" type="stealth"/>
+          </a:ln>
+        </p:spPr>
+      </p:cxnSp>
+      <p:cxnSp>
+        <p:nvCxnSpPr>
+          <p:cNvPr id="265" name="Google Shape;265;p17"/>
+          <p:cNvCxnSpPr/>
+          <p:nvPr/>
+        </p:nvCxnSpPr>
+        <p:spPr>
+          <a:xfrm flipH="1" rot="10800000">
+            <a:off x="7528666" y="841240"/>
+            <a:ext cx="582300" cy="357900"/>
+          </a:xfrm>
+          <a:prstGeom prst="straightConnector1">
+            <a:avLst/>
+          </a:prstGeom>
+          <a:noFill/>
+          <a:ln cap="flat" cmpd="sng" w="19050">
+            <a:solidFill>
+              <a:schemeClr val="dk2"/>
+            </a:solidFill>
+            <a:prstDash val="solid"/>
+            <a:round/>
+            <a:headEnd len="med" w="med" type="none"/>
+            <a:tailEnd len="med" w="med" type="stealth"/>
+          </a:ln>
+        </p:spPr>
+      </p:cxnSp>
+      <p:pic>
+        <p:nvPicPr>
+          <p:cNvPr id="266" name="Google Shape;266;p17"/>
+          <p:cNvPicPr preferRelativeResize="0"/>
+          <p:nvPr/>
+        </p:nvPicPr>
+        <p:blipFill>
+          <a:blip r:embed="rId11">
+            <a:alphaModFix/>
+          </a:blip>
+          <a:stretch>
+            <a:fillRect/>
+          </a:stretch>
+        </p:blipFill>
+        <p:spPr>
+          <a:xfrm>
+            <a:off x="2191128" y="1412232"/>
+            <a:ext cx="692510" cy="254445"/>
+          </a:xfrm>
+          <a:prstGeom prst="rect">
+            <a:avLst/>
+          </a:prstGeom>
+          <a:noFill/>
+          <a:ln>
+            <a:noFill/>
+          </a:ln>
+        </p:spPr>
+      </p:pic>
+      <p:sp>
+        <p:nvSpPr>
+          <p:cNvPr id="267" name="Google Shape;267;p17"/>
+          <p:cNvSpPr txBox="1"/>
+          <p:nvPr/>
+        </p:nvSpPr>
+        <p:spPr>
+          <a:xfrm>
+            <a:off x="2415056" y="1583615"/>
+            <a:ext cx="3199500" cy="858300"/>
+          </a:xfrm>
+          <a:prstGeom prst="rect">
+            <a:avLst/>
+          </a:prstGeom>
+          <a:noFill/>
+          <a:ln>
+            <a:noFill/>
+          </a:ln>
+        </p:spPr>
+        <p:txBody>
+          <a:bodyPr anchorCtr="0" anchor="t" bIns="51525" lIns="51525" spcFirstLastPara="1" rIns="51525" wrap="square" tIns="51525">
+            <a:spAutoFit/>
+          </a:bodyPr>
+          <a:lstStyle/>
+          <a:p>
+            <a:pPr indent="0" lvl="0" marL="0" rtl="0" algn="l">
+              <a:spcBef>
+                <a:spcPts val="0"/>
+              </a:spcBef>
+              <a:spcAft>
+                <a:spcPts val="0"/>
+              </a:spcAft>
+              <a:buClr>
+                <a:schemeClr val="dk1"/>
+              </a:buClr>
+              <a:buSzPts val="600"/>
+              <a:buFont typeface="Arial"/>
+              <a:buNone/>
+            </a:pPr>
+            <a:r>
+              <a:rPr lang="en-GB" sz="700">
+                <a:solidFill>
+                  <a:schemeClr val="dk1"/>
+                </a:solidFill>
+              </a:rPr>
+              <a:t>This is where the button panels are located in this design. The button panel will control the speed of which the motor is spinning, and whether the lights in this sphere display case is on or not. The RTC and Arduino microcontroller will be placed behind this button panel. The RTC will tell the Arduino to turn off the lights and motor off during closing hours to further reduce energy consumption, as stated in the specification.</a:t>
+            </a:r>
+            <a:endParaRPr sz="700">
+              <a:solidFill>
+                <a:schemeClr val="dk1"/>
+              </a:solidFill>
+            </a:endParaRPr>
+          </a:p>
+          <a:p>
+            <a:pPr indent="0" lvl="0" marL="0" rtl="0" algn="l">
+              <a:spcBef>
+                <a:spcPts val="0"/>
+              </a:spcBef>
+              <a:spcAft>
+                <a:spcPts val="0"/>
+              </a:spcAft>
+              <a:buNone/>
+            </a:pPr>
+            <a:r>
+              <a:t/>
+            </a:r>
+            <a:endParaRPr sz="700"/>
+          </a:p>
+        </p:txBody>
+      </p:sp>
+      <p:pic>
+        <p:nvPicPr>
+          <p:cNvPr id="268" name="Google Shape;268;p17"/>
+          <p:cNvPicPr preferRelativeResize="0"/>
+          <p:nvPr/>
+        </p:nvPicPr>
+        <p:blipFill rotWithShape="1">
+          <a:blip r:embed="rId12">
+            <a:alphaModFix/>
+          </a:blip>
+          <a:srcRect b="54211" l="36924" r="55480" t="32704"/>
+          <a:stretch/>
+        </p:blipFill>
+        <p:spPr>
+          <a:xfrm>
+            <a:off x="4159391" y="3744615"/>
+            <a:ext cx="907565" cy="729059"/>
+          </a:xfrm>
+          <a:prstGeom prst="rect">
+            <a:avLst/>
+          </a:prstGeom>
+          <a:noFill/>
+          <a:ln>
+            <a:noFill/>
+          </a:ln>
+        </p:spPr>
+      </p:pic>
+      <p:sp>
+        <p:nvSpPr>
+          <p:cNvPr id="269" name="Google Shape;269;p17"/>
+          <p:cNvSpPr txBox="1"/>
+          <p:nvPr/>
+        </p:nvSpPr>
+        <p:spPr>
+          <a:xfrm>
+            <a:off x="1808364" y="3783013"/>
+            <a:ext cx="2598000" cy="535200"/>
+          </a:xfrm>
+          <a:prstGeom prst="rect">
+            <a:avLst/>
+          </a:prstGeom>
+          <a:noFill/>
+          <a:ln>
+            <a:noFill/>
+          </a:ln>
+        </p:spPr>
+        <p:txBody>
+          <a:bodyPr anchorCtr="0" anchor="t" bIns="51525" lIns="51525" spcFirstLastPara="1" rIns="51525" wrap="square" tIns="51525">
+            <a:spAutoFit/>
+          </a:bodyPr>
+          <a:lstStyle/>
+          <a:p>
+            <a:pPr indent="0" lvl="0" marL="0" rtl="0" algn="l">
+              <a:spcBef>
+                <a:spcPts val="0"/>
+              </a:spcBef>
+              <a:spcAft>
+                <a:spcPts val="0"/>
+              </a:spcAft>
+              <a:buNone/>
+            </a:pPr>
+            <a:r>
+              <a:rPr lang="en-GB" sz="700">
+                <a:solidFill>
+                  <a:schemeClr val="dk1"/>
+                </a:solidFill>
+              </a:rPr>
+              <a:t>The flat bit of the display spinner can be laser cutted with an SVG file, laser cutted acrylic have a smooth surface, and the colour could be black, giving it a minimalistic modern feel.</a:t>
+            </a:r>
+            <a:endParaRPr sz="700">
+              <a:solidFill>
+                <a:schemeClr val="dk1"/>
+              </a:solidFill>
+            </a:endParaRPr>
+          </a:p>
+          <a:p>
+            <a:pPr indent="0" lvl="0" marL="0" rtl="0" algn="l">
+              <a:spcBef>
+                <a:spcPts val="0"/>
+              </a:spcBef>
+              <a:spcAft>
+                <a:spcPts val="0"/>
+              </a:spcAft>
+              <a:buNone/>
+            </a:pPr>
+            <a:r>
+              <a:t/>
+            </a:r>
+            <a:endParaRPr sz="700"/>
+          </a:p>
+        </p:txBody>
+      </p:sp>
+      <p:pic>
+        <p:nvPicPr>
+          <p:cNvPr id="270" name="Google Shape;270;p17"/>
+          <p:cNvPicPr preferRelativeResize="0"/>
+          <p:nvPr/>
+        </p:nvPicPr>
+        <p:blipFill rotWithShape="1">
+          <a:blip r:embed="rId13">
+            <a:alphaModFix/>
+          </a:blip>
+          <a:srcRect b="55964" l="54597" r="31786" t="26144"/>
+          <a:stretch/>
+        </p:blipFill>
+        <p:spPr>
+          <a:xfrm>
+            <a:off x="2720161" y="4329419"/>
+            <a:ext cx="871797" cy="643947"/>
+          </a:xfrm>
+          <a:prstGeom prst="rect">
+            <a:avLst/>
+          </a:prstGeom>
+          <a:noFill/>
+          <a:ln>
+            <a:noFill/>
+          </a:ln>
+        </p:spPr>
+      </p:pic>
+      <p:cxnSp>
+        <p:nvCxnSpPr>
+          <p:cNvPr id="271" name="Google Shape;271;p17"/>
+          <p:cNvCxnSpPr>
+            <a:stCxn id="259" idx="1"/>
+          </p:cNvCxnSpPr>
+          <p:nvPr/>
+        </p:nvCxnSpPr>
+        <p:spPr>
+          <a:xfrm rot="10800000">
+            <a:off x="3362391" y="4696460"/>
+            <a:ext cx="444600" cy="145800"/>
+          </a:xfrm>
+          <a:prstGeom prst="straightConnector1">
+            <a:avLst/>
+          </a:prstGeom>
+          <a:noFill/>
+          <a:ln cap="flat" cmpd="sng" w="19050">
+            <a:solidFill>
+              <a:schemeClr val="dk2"/>
+            </a:solidFill>
+            <a:prstDash val="solid"/>
+            <a:round/>
+            <a:headEnd len="med" w="med" type="none"/>
+            <a:tailEnd len="med" w="med" type="stealth"/>
+          </a:ln>
+        </p:spPr>
+      </p:cxnSp>
+      <p:sp>
+        <p:nvSpPr>
+          <p:cNvPr id="272" name="Google Shape;272;p17"/>
+          <p:cNvSpPr txBox="1"/>
+          <p:nvPr/>
+        </p:nvSpPr>
+        <p:spPr>
+          <a:xfrm>
+            <a:off x="5614496" y="4161607"/>
+            <a:ext cx="1740300" cy="1073700"/>
+          </a:xfrm>
+          <a:prstGeom prst="rect">
+            <a:avLst/>
+          </a:prstGeom>
+          <a:noFill/>
+          <a:ln>
+            <a:noFill/>
+          </a:ln>
+        </p:spPr>
+        <p:txBody>
+          <a:bodyPr anchorCtr="0" anchor="t" bIns="51525" lIns="51525" spcFirstLastPara="1" rIns="51525" wrap="square" tIns="51525">
+            <a:spAutoFit/>
+          </a:bodyPr>
+          <a:lstStyle/>
+          <a:p>
+            <a:pPr indent="0" lvl="0" marL="0" rtl="0" algn="l">
+              <a:spcBef>
+                <a:spcPts val="0"/>
+              </a:spcBef>
+              <a:spcAft>
+                <a:spcPts val="0"/>
+              </a:spcAft>
+              <a:buClr>
+                <a:schemeClr val="dk1"/>
+              </a:buClr>
+              <a:buSzPts val="600"/>
+              <a:buFont typeface="Arial"/>
+              <a:buNone/>
+            </a:pPr>
+            <a:r>
+              <a:rPr lang="en-GB" sz="700">
+                <a:solidFill>
+                  <a:schemeClr val="dk1"/>
+                </a:solidFill>
+              </a:rPr>
+              <a:t>Cross section of how the motor will be placed in order to connect to the motor flange and display spinner. Display spinner will spin the displaying artifact 360 degrees to give the viewer a great viewing experience as the exclusivity of the artifact is emphasised as mentioned in the specification.</a:t>
+            </a:r>
+            <a:endParaRPr sz="700">
+              <a:solidFill>
+                <a:schemeClr val="dk1"/>
+              </a:solidFill>
+            </a:endParaRPr>
+          </a:p>
+          <a:p>
+            <a:pPr indent="0" lvl="0" marL="0" rtl="0" algn="l">
+              <a:spcBef>
+                <a:spcPts val="0"/>
+              </a:spcBef>
+              <a:spcAft>
+                <a:spcPts val="0"/>
+              </a:spcAft>
+              <a:buNone/>
+            </a:pPr>
+            <a:r>
+              <a:t/>
+            </a:r>
+            <a:endParaRPr sz="700"/>
+          </a:p>
+        </p:txBody>
+      </p:sp>
+      <p:cxnSp>
+        <p:nvCxnSpPr>
+          <p:cNvPr id="273" name="Google Shape;273;p17"/>
+          <p:cNvCxnSpPr/>
+          <p:nvPr/>
+        </p:nvCxnSpPr>
+        <p:spPr>
+          <a:xfrm flipH="1">
+            <a:off x="1555860" y="1146752"/>
+            <a:ext cx="764400" cy="531600"/>
+          </a:xfrm>
+          <a:prstGeom prst="straightConnector1">
+            <a:avLst/>
+          </a:prstGeom>
+          <a:noFill/>
+          <a:ln cap="flat" cmpd="sng" w="9525">
+            <a:solidFill>
+              <a:schemeClr val="dk2"/>
+            </a:solidFill>
+            <a:prstDash val="solid"/>
+            <a:round/>
+            <a:headEnd len="med" w="med" type="none"/>
+            <a:tailEnd len="med" w="med" type="triangle"/>
+          </a:ln>
+        </p:spPr>
+      </p:cxnSp>
+      <p:cxnSp>
+        <p:nvCxnSpPr>
+          <p:cNvPr id="274" name="Google Shape;274;p17"/>
+          <p:cNvCxnSpPr>
+            <a:stCxn id="267" idx="1"/>
+          </p:cNvCxnSpPr>
+          <p:nvPr/>
+        </p:nvCxnSpPr>
+        <p:spPr>
+          <a:xfrm flipH="1">
+            <a:off x="1541156" y="2012765"/>
+            <a:ext cx="873900" cy="100800"/>
+          </a:xfrm>
+          <a:prstGeom prst="straightConnector1">
+            <a:avLst/>
+          </a:prstGeom>
+          <a:noFill/>
+          <a:ln cap="flat" cmpd="sng" w="9525">
+            <a:solidFill>
+              <a:schemeClr val="dk2"/>
+            </a:solidFill>
+            <a:prstDash val="solid"/>
+            <a:round/>
+            <a:headEnd len="med" w="med" type="none"/>
+            <a:tailEnd len="med" w="med" type="triangle"/>
+          </a:ln>
+        </p:spPr>
+      </p:cxnSp>
+      <p:sp>
+        <p:nvSpPr>
+          <p:cNvPr id="275" name="Google Shape;275;p17"/>
+          <p:cNvSpPr txBox="1"/>
+          <p:nvPr/>
+        </p:nvSpPr>
+        <p:spPr>
+          <a:xfrm>
+            <a:off x="3852575" y="2871018"/>
+            <a:ext cx="1431000" cy="750600"/>
+          </a:xfrm>
+          <a:prstGeom prst="rect">
+            <a:avLst/>
+          </a:prstGeom>
+          <a:noFill/>
+          <a:ln>
+            <a:noFill/>
+          </a:ln>
+        </p:spPr>
+        <p:txBody>
+          <a:bodyPr anchorCtr="0" anchor="t" bIns="51525" lIns="51525" spcFirstLastPara="1" rIns="51525" wrap="square" tIns="51525">
+            <a:spAutoFit/>
+          </a:bodyPr>
+          <a:lstStyle/>
+          <a:p>
+            <a:pPr indent="0" lvl="0" marL="0" rtl="0" algn="l">
+              <a:spcBef>
+                <a:spcPts val="0"/>
+              </a:spcBef>
+              <a:spcAft>
+                <a:spcPts val="0"/>
+              </a:spcAft>
+              <a:buNone/>
+            </a:pPr>
+            <a:r>
+              <a:rPr lang="en-GB" sz="700"/>
+              <a:t>The bottom half of Design 5 will be made of rubberwood, and then painted black and sprayed clearcoat, as requested by the respondents in the survey I’ve conducted.</a:t>
+            </a:r>
+            <a:endParaRPr sz="700"/>
+          </a:p>
+        </p:txBody>
+      </p:sp>
+      <p:cxnSp>
+        <p:nvCxnSpPr>
+          <p:cNvPr id="276" name="Google Shape;276;p17"/>
+          <p:cNvCxnSpPr/>
+          <p:nvPr/>
+        </p:nvCxnSpPr>
+        <p:spPr>
+          <a:xfrm rot="10800000">
+            <a:off x="1783237" y="2439760"/>
+            <a:ext cx="2103900" cy="806100"/>
+          </a:xfrm>
+          <a:prstGeom prst="straightConnector1">
+            <a:avLst/>
+          </a:prstGeom>
+          <a:noFill/>
+          <a:ln cap="flat" cmpd="sng" w="9525">
+            <a:solidFill>
+              <a:schemeClr val="dk2"/>
+            </a:solidFill>
+            <a:prstDash val="solid"/>
+            <a:round/>
+            <a:headEnd len="med" w="med" type="none"/>
+            <a:tailEnd len="med" w="med" type="triangle"/>
+          </a:ln>
+        </p:spPr>
+      </p:cxnSp>
+      <p:sp>
+        <p:nvSpPr>
+          <p:cNvPr id="277" name="Google Shape;277;p17"/>
+          <p:cNvSpPr txBox="1"/>
+          <p:nvPr/>
+        </p:nvSpPr>
+        <p:spPr>
+          <a:xfrm>
+            <a:off x="2015916" y="2869599"/>
+            <a:ext cx="1604100" cy="966000"/>
+          </a:xfrm>
+          <a:prstGeom prst="rect">
+            <a:avLst/>
+          </a:prstGeom>
+          <a:noFill/>
+          <a:ln>
+            <a:noFill/>
+          </a:ln>
+        </p:spPr>
+        <p:txBody>
+          <a:bodyPr anchorCtr="0" anchor="t" bIns="51525" lIns="51525" spcFirstLastPara="1" rIns="51525" wrap="square" tIns="51525">
+            <a:spAutoFit/>
+          </a:bodyPr>
+          <a:lstStyle/>
+          <a:p>
+            <a:pPr indent="0" lvl="0" marL="0" rtl="0" algn="l">
+              <a:spcBef>
+                <a:spcPts val="0"/>
+              </a:spcBef>
+              <a:spcAft>
+                <a:spcPts val="0"/>
+              </a:spcAft>
+              <a:buNone/>
+            </a:pPr>
+            <a:r>
+              <a:rPr lang="en-GB" sz="700"/>
+              <a:t>This is where the extension cable will be inserted, to supply electricity to all respective electrical components in this design. Mains electricity will be converted to 6V DC for safety purposes, to prevent risk of death from electrocution as mentioned in specification</a:t>
+            </a:r>
+            <a:endParaRPr sz="700"/>
+          </a:p>
+        </p:txBody>
+      </p:sp>
+      <p:cxnSp>
+        <p:nvCxnSpPr>
+          <p:cNvPr id="278" name="Google Shape;278;p17"/>
+          <p:cNvCxnSpPr>
+            <a:stCxn id="277" idx="1"/>
+          </p:cNvCxnSpPr>
+          <p:nvPr/>
+        </p:nvCxnSpPr>
+        <p:spPr>
+          <a:xfrm rot="10800000">
+            <a:off x="1538616" y="3150699"/>
+            <a:ext cx="477300" cy="201900"/>
+          </a:xfrm>
+          <a:prstGeom prst="straightConnector1">
+            <a:avLst/>
+          </a:prstGeom>
+          <a:noFill/>
+          <a:ln cap="flat" cmpd="sng" w="9525">
+            <a:solidFill>
+              <a:schemeClr val="dk2"/>
+            </a:solidFill>
+            <a:prstDash val="solid"/>
+            <a:round/>
+            <a:headEnd len="med" w="med" type="none"/>
+            <a:tailEnd len="med" w="med" type="triangle"/>
+          </a:ln>
+        </p:spPr>
+      </p:cxnSp>
+      <p:sp>
+        <p:nvSpPr>
+          <p:cNvPr id="279" name="Google Shape;279;p17"/>
+          <p:cNvSpPr txBox="1"/>
+          <p:nvPr/>
+        </p:nvSpPr>
+        <p:spPr>
+          <a:xfrm>
+            <a:off x="2884427" y="2283943"/>
+            <a:ext cx="2730300" cy="642900"/>
+          </a:xfrm>
+          <a:prstGeom prst="rect">
+            <a:avLst/>
+          </a:prstGeom>
+          <a:noFill/>
+          <a:ln>
+            <a:noFill/>
+          </a:ln>
+        </p:spPr>
+        <p:txBody>
+          <a:bodyPr anchorCtr="0" anchor="t" bIns="51525" lIns="51525" spcFirstLastPara="1" rIns="51525" wrap="square" tIns="51525">
+            <a:spAutoFit/>
+          </a:bodyPr>
+          <a:lstStyle/>
+          <a:p>
+            <a:pPr indent="0" lvl="0" marL="0" rtl="0" algn="l">
+              <a:spcBef>
+                <a:spcPts val="0"/>
+              </a:spcBef>
+              <a:spcAft>
+                <a:spcPts val="0"/>
+              </a:spcAft>
+              <a:buClr>
+                <a:schemeClr val="dk1"/>
+              </a:buClr>
+              <a:buSzPts val="600"/>
+              <a:buFont typeface="Arial"/>
+              <a:buNone/>
+            </a:pPr>
+            <a:r>
+              <a:rPr lang="en-GB" sz="700">
+                <a:solidFill>
+                  <a:schemeClr val="dk1"/>
+                </a:solidFill>
+              </a:rPr>
+              <a:t>This design will incorporate 4 motion sensors, 1 on each side, to detect motion to know when to turn the LED lights and DC motor on or off. Components are turned off when no one is around in order to reduce energy consumption as stated in the specification.</a:t>
+            </a:r>
+            <a:endParaRPr sz="700">
+              <a:solidFill>
+                <a:schemeClr val="dk1"/>
+              </a:solidFill>
+            </a:endParaRPr>
+          </a:p>
+          <a:p>
+            <a:pPr indent="0" lvl="0" marL="0" rtl="0" algn="l">
+              <a:spcBef>
+                <a:spcPts val="0"/>
+              </a:spcBef>
+              <a:spcAft>
+                <a:spcPts val="0"/>
+              </a:spcAft>
+              <a:buNone/>
+            </a:pPr>
+            <a:r>
+              <a:t/>
+            </a:r>
+            <a:endParaRPr sz="700"/>
+          </a:p>
+        </p:txBody>
+      </p:sp>
+      <p:cxnSp>
+        <p:nvCxnSpPr>
+          <p:cNvPr id="280" name="Google Shape;280;p17"/>
+          <p:cNvCxnSpPr>
+            <a:stCxn id="279" idx="1"/>
+          </p:cNvCxnSpPr>
+          <p:nvPr/>
+        </p:nvCxnSpPr>
+        <p:spPr>
+          <a:xfrm flipH="1">
+            <a:off x="1613627" y="2605393"/>
+            <a:ext cx="1270800" cy="311700"/>
+          </a:xfrm>
+          <a:prstGeom prst="straightConnector1">
+            <a:avLst/>
+          </a:prstGeom>
+          <a:noFill/>
+          <a:ln cap="flat" cmpd="sng" w="9525">
+            <a:solidFill>
+              <a:schemeClr val="dk2"/>
+            </a:solidFill>
+            <a:prstDash val="solid"/>
+            <a:round/>
+            <a:headEnd len="med" w="med" type="none"/>
+            <a:tailEnd len="med" w="med" type="triangle"/>
+          </a:ln>
+        </p:spPr>
+      </p:cxnSp>
+      <p:cxnSp>
+        <p:nvCxnSpPr>
+          <p:cNvPr id="281" name="Google Shape;281;p17"/>
+          <p:cNvCxnSpPr>
+            <a:stCxn id="279" idx="1"/>
+          </p:cNvCxnSpPr>
+          <p:nvPr/>
+        </p:nvCxnSpPr>
+        <p:spPr>
+          <a:xfrm flipH="1">
+            <a:off x="920927" y="2605393"/>
+            <a:ext cx="1963500" cy="266700"/>
+          </a:xfrm>
+          <a:prstGeom prst="straightConnector1">
+            <a:avLst/>
+          </a:prstGeom>
+          <a:noFill/>
+          <a:ln cap="flat" cmpd="sng" w="9525">
+            <a:solidFill>
+              <a:schemeClr val="dk2"/>
+            </a:solidFill>
+            <a:prstDash val="solid"/>
+            <a:round/>
+            <a:headEnd len="med" w="med" type="none"/>
+            <a:tailEnd len="med" w="med" type="triangle"/>
+          </a:ln>
+        </p:spPr>
+      </p:cxnSp>
+      <p:pic>
+        <p:nvPicPr>
+          <p:cNvPr id="282" name="Google Shape;282;p17"/>
+          <p:cNvPicPr preferRelativeResize="0"/>
+          <p:nvPr/>
+        </p:nvPicPr>
+        <p:blipFill rotWithShape="1">
+          <a:blip r:embed="rId14">
+            <a:alphaModFix/>
+          </a:blip>
+          <a:srcRect b="17708" l="49194" r="42061" t="66279"/>
+          <a:stretch/>
+        </p:blipFill>
+        <p:spPr>
+          <a:xfrm>
+            <a:off x="5642247" y="102328"/>
+            <a:ext cx="842642" cy="867437"/>
+          </a:xfrm>
+          <a:prstGeom prst="rect">
+            <a:avLst/>
+          </a:prstGeom>
+          <a:noFill/>
+          <a:ln>
+            <a:noFill/>
+          </a:ln>
+        </p:spPr>
+      </p:pic>
+      <p:sp>
+        <p:nvSpPr>
+          <p:cNvPr id="283" name="Google Shape;283;p17"/>
+          <p:cNvSpPr txBox="1"/>
+          <p:nvPr/>
+        </p:nvSpPr>
+        <p:spPr>
+          <a:xfrm>
+            <a:off x="5066950" y="1033114"/>
+            <a:ext cx="1362300" cy="750600"/>
+          </a:xfrm>
+          <a:prstGeom prst="rect">
+            <a:avLst/>
+          </a:prstGeom>
+          <a:noFill/>
+          <a:ln>
+            <a:noFill/>
+          </a:ln>
+        </p:spPr>
+        <p:txBody>
+          <a:bodyPr anchorCtr="0" anchor="t" bIns="51525" lIns="51525" spcFirstLastPara="1" rIns="51525" wrap="square" tIns="51525">
+            <a:spAutoFit/>
+          </a:bodyPr>
+          <a:lstStyle/>
+          <a:p>
+            <a:pPr indent="0" lvl="0" marL="0" rtl="0" algn="l">
+              <a:spcBef>
+                <a:spcPts val="0"/>
+              </a:spcBef>
+              <a:spcAft>
+                <a:spcPts val="0"/>
+              </a:spcAft>
+              <a:buClr>
+                <a:schemeClr val="dk1"/>
+              </a:buClr>
+              <a:buSzPts val="600"/>
+              <a:buFont typeface="Arial"/>
+              <a:buNone/>
+            </a:pPr>
+            <a:r>
+              <a:rPr lang="en-GB" sz="700">
+                <a:solidFill>
+                  <a:schemeClr val="dk1"/>
+                </a:solidFill>
+              </a:rPr>
+              <a:t>An alternative to glueing the pieces of glass panels or acrylic together directly could be to use glass-to-glass steel partitioning joint.</a:t>
+            </a:r>
+            <a:endParaRPr sz="700">
+              <a:solidFill>
+                <a:schemeClr val="dk1"/>
+              </a:solidFill>
+            </a:endParaRPr>
+          </a:p>
+          <a:p>
+            <a:pPr indent="0" lvl="0" marL="0" rtl="0" algn="l">
+              <a:spcBef>
+                <a:spcPts val="0"/>
+              </a:spcBef>
+              <a:spcAft>
+                <a:spcPts val="0"/>
+              </a:spcAft>
+              <a:buNone/>
+            </a:pPr>
+            <a:r>
+              <a:t/>
+            </a:r>
+            <a:endParaRPr sz="700"/>
+          </a:p>
+        </p:txBody>
+      </p:sp>
+      <p:sp>
+        <p:nvSpPr>
+          <p:cNvPr id="284" name="Google Shape;284;p17"/>
+          <p:cNvSpPr txBox="1"/>
+          <p:nvPr/>
+        </p:nvSpPr>
+        <p:spPr>
+          <a:xfrm>
+            <a:off x="6083852" y="411102"/>
+            <a:ext cx="1270800" cy="750600"/>
+          </a:xfrm>
+          <a:prstGeom prst="rect">
+            <a:avLst/>
+          </a:prstGeom>
+          <a:noFill/>
+          <a:ln>
+            <a:noFill/>
+          </a:ln>
+        </p:spPr>
+        <p:txBody>
+          <a:bodyPr anchorCtr="0" anchor="t" bIns="51525" lIns="51525" spcFirstLastPara="1" rIns="51525" wrap="square" tIns="51525">
+            <a:spAutoFit/>
+          </a:bodyPr>
+          <a:lstStyle/>
+          <a:p>
+            <a:pPr indent="0" lvl="0" marL="0" rtl="0" algn="l">
+              <a:spcBef>
+                <a:spcPts val="0"/>
+              </a:spcBef>
+              <a:spcAft>
+                <a:spcPts val="0"/>
+              </a:spcAft>
+              <a:buNone/>
+            </a:pPr>
+            <a:r>
+              <a:rPr lang="en-GB" sz="700"/>
+              <a:t>Silicone will be use as the adhesive to join the steel and glass together. Silicone is extremely strong and will hold the side glass panes together well.</a:t>
+            </a:r>
+            <a:endParaRPr sz="700"/>
+          </a:p>
+        </p:txBody>
+      </p:sp>
+      <p:cxnSp>
+        <p:nvCxnSpPr>
+          <p:cNvPr id="285" name="Google Shape;285;p17"/>
+          <p:cNvCxnSpPr>
+            <a:stCxn id="283" idx="0"/>
+          </p:cNvCxnSpPr>
+          <p:nvPr/>
+        </p:nvCxnSpPr>
+        <p:spPr>
+          <a:xfrm flipH="1" rot="10800000">
+            <a:off x="5748100" y="457114"/>
+            <a:ext cx="75300" cy="576000"/>
+          </a:xfrm>
+          <a:prstGeom prst="straightConnector1">
+            <a:avLst/>
+          </a:prstGeom>
+          <a:noFill/>
+          <a:ln cap="flat" cmpd="sng" w="9525">
+            <a:solidFill>
+              <a:schemeClr val="dk2"/>
+            </a:solidFill>
+            <a:prstDash val="solid"/>
+            <a:round/>
+            <a:headEnd len="med" w="med" type="none"/>
+            <a:tailEnd len="med" w="med" type="triangle"/>
+          </a:ln>
+        </p:spPr>
+      </p:cxnSp>
+      <p:sp>
+        <p:nvSpPr>
+          <p:cNvPr id="286" name="Google Shape;286;p17"/>
+          <p:cNvSpPr txBox="1"/>
+          <p:nvPr/>
+        </p:nvSpPr>
+        <p:spPr>
+          <a:xfrm>
+            <a:off x="527307" y="4259539"/>
+            <a:ext cx="1923600" cy="966000"/>
+          </a:xfrm>
+          <a:prstGeom prst="rect">
+            <a:avLst/>
+          </a:prstGeom>
+          <a:noFill/>
+          <a:ln>
+            <a:noFill/>
+          </a:ln>
+        </p:spPr>
+        <p:txBody>
+          <a:bodyPr anchorCtr="0" anchor="t" bIns="51525" lIns="51525" spcFirstLastPara="1" rIns="51525" wrap="square" tIns="51525">
+            <a:spAutoFit/>
+          </a:bodyPr>
+          <a:lstStyle/>
+          <a:p>
+            <a:pPr indent="0" lvl="0" marL="0" rtl="0" algn="l">
+              <a:spcBef>
+                <a:spcPts val="0"/>
+              </a:spcBef>
+              <a:spcAft>
+                <a:spcPts val="0"/>
+              </a:spcAft>
+              <a:buNone/>
+            </a:pPr>
+            <a:r>
+              <a:rPr b="1" lang="en-GB" sz="700"/>
+              <a:t>Ergonomic Note</a:t>
+            </a:r>
+            <a:endParaRPr b="1" sz="700"/>
+          </a:p>
+          <a:p>
+            <a:pPr indent="0" lvl="0" marL="0" rtl="0" algn="l">
+              <a:spcBef>
+                <a:spcPts val="0"/>
+              </a:spcBef>
+              <a:spcAft>
+                <a:spcPts val="0"/>
+              </a:spcAft>
+              <a:buNone/>
+            </a:pPr>
+            <a:r>
+              <a:t/>
+            </a:r>
+            <a:endParaRPr b="1" sz="700"/>
+          </a:p>
+          <a:p>
+            <a:pPr indent="0" lvl="0" marL="0" rtl="0" algn="l">
+              <a:spcBef>
+                <a:spcPts val="0"/>
+              </a:spcBef>
+              <a:spcAft>
+                <a:spcPts val="0"/>
+              </a:spcAft>
+              <a:buNone/>
+            </a:pPr>
+            <a:r>
+              <a:rPr lang="en-GB" sz="700"/>
+              <a:t>The height of this design needs to be appropriate and ergonomic, in such that the user can easily observe/view the displaying artifacts in the display section without having to tiptoe or bend over, as mentioned in the specification.</a:t>
+            </a:r>
+            <a:endParaRPr sz="700"/>
+          </a:p>
+        </p:txBody>
+      </p:sp>
+      <p:cxnSp>
+        <p:nvCxnSpPr>
+          <p:cNvPr id="287" name="Google Shape;287;p17"/>
+          <p:cNvCxnSpPr>
+            <a:stCxn id="286" idx="0"/>
+          </p:cNvCxnSpPr>
+          <p:nvPr/>
+        </p:nvCxnSpPr>
+        <p:spPr>
+          <a:xfrm rot="10800000">
+            <a:off x="1343907" y="3028939"/>
+            <a:ext cx="145200" cy="1230600"/>
+          </a:xfrm>
+          <a:prstGeom prst="straightConnector1">
+            <a:avLst/>
+          </a:prstGeom>
+          <a:noFill/>
+          <a:ln cap="flat" cmpd="sng" w="9525">
+            <a:solidFill>
+              <a:schemeClr val="dk2"/>
+            </a:solidFill>
+            <a:prstDash val="solid"/>
+            <a:round/>
+            <a:headEnd len="med" w="med" type="none"/>
+            <a:tailEnd len="med" w="med" type="triangle"/>
+          </a:ln>
+        </p:spPr>
+      </p:cxnSp>
+      <p:sp>
+        <p:nvSpPr>
+          <p:cNvPr id="288" name="Google Shape;288;p17"/>
+          <p:cNvSpPr txBox="1"/>
+          <p:nvPr>
+            <p:ph idx="12" type="sldNum"/>
+          </p:nvPr>
+        </p:nvSpPr>
+        <p:spPr>
+          <a:xfrm>
+            <a:off x="5123820" y="2243290"/>
+            <a:ext cx="331800" cy="189300"/>
+          </a:xfrm>
+          <a:prstGeom prst="rect">
+            <a:avLst/>
+          </a:prstGeom>
+        </p:spPr>
+        <p:txBody>
+          <a:bodyPr anchorCtr="0" anchor="ctr" bIns="91425" lIns="91425" spcFirstLastPara="1" rIns="91425" wrap="square" tIns="91425">
+            <a:normAutofit fontScale="25000" lnSpcReduction="20000"/>
+          </a:bodyPr>
+          <a:lstStyle/>
+          <a:p>
+            <a:pPr indent="0" lvl="0" marL="0" rtl="0" algn="r">
+              <a:spcBef>
+                <a:spcPts val="0"/>
+              </a:spcBef>
+              <a:spcAft>
+                <a:spcPts val="0"/>
+              </a:spcAft>
+              <a:buNone/>
+            </a:pPr>
+            <a:fld id="{00000000-1234-1234-1234-123412341234}" type="slidenum">
+              <a:rPr lang="en-GB"/>
+              <a:t>‹#›</a:t>
+            </a:fld>
+            <a:endParaRPr/>
+          </a:p>
+        </p:txBody>
+      </p:sp>
+      <p:cxnSp>
+        <p:nvCxnSpPr>
+          <p:cNvPr id="289" name="Google Shape;289;p17"/>
+          <p:cNvCxnSpPr/>
+          <p:nvPr/>
+        </p:nvCxnSpPr>
+        <p:spPr>
+          <a:xfrm>
+            <a:off x="4090005" y="4066778"/>
+            <a:ext cx="340800" cy="0"/>
+          </a:xfrm>
+          <a:prstGeom prst="straightConnector1">
+            <a:avLst/>
+          </a:prstGeom>
+          <a:noFill/>
+          <a:ln cap="flat" cmpd="sng" w="9525">
+            <a:solidFill>
+              <a:schemeClr val="dk2"/>
+            </a:solidFill>
+            <a:prstDash val="solid"/>
+            <a:round/>
+            <a:headEnd len="med" w="med" type="none"/>
+            <a:tailEnd len="med" w="med" type="stealth"/>
+          </a:ln>
+        </p:spPr>
+      </p:cxnSp>
+      <p:sp>
+        <p:nvSpPr>
+          <p:cNvPr id="290" name="Google Shape;290;p17"/>
+          <p:cNvSpPr txBox="1"/>
+          <p:nvPr/>
+        </p:nvSpPr>
+        <p:spPr>
+          <a:xfrm>
+            <a:off x="250810" y="3286167"/>
+            <a:ext cx="871800" cy="1073700"/>
+          </a:xfrm>
+          <a:prstGeom prst="rect">
+            <a:avLst/>
+          </a:prstGeom>
+          <a:noFill/>
+          <a:ln>
+            <a:noFill/>
+          </a:ln>
+        </p:spPr>
+        <p:txBody>
+          <a:bodyPr anchorCtr="0" anchor="t" bIns="51525" lIns="51525" spcFirstLastPara="1" rIns="51525" wrap="square" tIns="51525">
+            <a:spAutoFit/>
+          </a:bodyPr>
+          <a:lstStyle/>
+          <a:p>
+            <a:pPr indent="0" lvl="0" marL="0" rtl="0" algn="l">
+              <a:spcBef>
+                <a:spcPts val="0"/>
+              </a:spcBef>
+              <a:spcAft>
+                <a:spcPts val="0"/>
+              </a:spcAft>
+              <a:buNone/>
+            </a:pPr>
+            <a:r>
+              <a:rPr lang="en-GB" sz="700"/>
+              <a:t>Inner section will be hollow to reduce weight of this design to allow ease of relocation and moving around, as mentioned in specification.</a:t>
+            </a:r>
+            <a:endParaRPr sz="700"/>
+          </a:p>
+        </p:txBody>
+      </p:sp>
+      <p:cxnSp>
+        <p:nvCxnSpPr>
+          <p:cNvPr id="291" name="Google Shape;291;p17"/>
+          <p:cNvCxnSpPr>
+            <a:stCxn id="290" idx="0"/>
+          </p:cNvCxnSpPr>
+          <p:nvPr/>
+        </p:nvCxnSpPr>
+        <p:spPr>
+          <a:xfrm flipH="1" rot="10800000">
+            <a:off x="686710" y="2889267"/>
+            <a:ext cx="43800" cy="396900"/>
+          </a:xfrm>
+          <a:prstGeom prst="straightConnector1">
+            <a:avLst/>
+          </a:prstGeom>
+          <a:noFill/>
+          <a:ln cap="flat" cmpd="sng" w="9525">
+            <a:solidFill>
+              <a:schemeClr val="dk2"/>
+            </a:solidFill>
+            <a:prstDash val="solid"/>
+            <a:round/>
+            <a:headEnd len="med" w="med" type="none"/>
+            <a:tailEnd len="med" w="med" type="stealth"/>
+          </a:ln>
+        </p:spPr>
+      </p:cxnSp>
+    </p:spTree>
+  </p:cSld>
+  <p:clrMapOvr>
+    <a:masterClrMapping/>
+  </p:clrMapOvr>
+</p:sld>
+</file>
+
 <file path=ppt/theme/theme1.xml><?xml version="1.0" encoding="utf-8"?>
+<a:theme xmlns:a="http://schemas.openxmlformats.org/drawingml/2006/main" xmlns:r="http://schemas.openxmlformats.org/officeDocument/2006/relationships">
+  <a:themeElements>
+    <a:clrScheme name="Default">
+      <a:dk1>
+        <a:srgbClr val="000000"/>
+      </a:dk1>
+      <a:lt1>
+        <a:srgbClr val="FFFFFF"/>
+      </a:lt1>
+      <a:dk2>
+        <a:srgbClr val="158158"/>
+      </a:dk2>
+      <a:lt2>
+        <a:srgbClr val="F3F3F3"/>
+      </a:lt2>
+      <a:accent1>
+        <a:srgbClr val="058DC7"/>
+      </a:accent1>
+      <a:accent2>
+        <a:srgbClr val="50B432"/>
+      </a:accent2>
+      <a:accent3>
+        <a:srgbClr val="ED561B"/>
+      </a:accent3>
+      <a:accent4>
+        <a:srgbClr val="EDEF00"/>
+      </a:accent4>
+      <a:accent5>
+        <a:srgbClr val="24CBE5"/>
+      </a:accent5>
+      <a:accent6>
+        <a:srgbClr val="64E572"/>
+      </a:accent6>
+      <a:hlink>
+        <a:srgbClr val="2200CC"/>
+      </a:hlink>
+      <a:folHlink>
+        <a:srgbClr val="551A8B"/>
+      </a:folHlink>
+    </a:clrScheme>
+    <a:fontScheme name="Office">
+      <a:majorFont>
+        <a:latin typeface="Arial"/>
+        <a:ea typeface=""/>
+        <a:cs typeface=""/>
+        <a:font script="Jpan" typeface="ＭＳ Ｐゴシック"/>
+        <a:font script="Hang" typeface="맑은 고딕"/>
+        <a:font script="Hans" typeface="宋体"/>
+        <a:font script="Hant" typeface="新細明體"/>
+        <a:font script="Arab" typeface="Times New Roman"/>
+        <a:font script="Hebr" typeface="Times New Roman"/>
+        <a:font script="Thai" typeface="Angsana New"/>
+        <a:font script="Ethi" typeface="Nyala"/>
+        <a:font script="Beng" typeface="Vrinda"/>
+        <a:font script="Gujr" typeface="Shruti"/>
+        <a:font script="Khmr" typeface="MoolBoran"/>
+        <a:font script="Knda" typeface="Tunga"/>
+        <a:font script="Guru" typeface="Raavi"/>
+        <a:font script="Cans" typeface="Euphemia"/>
+        <a:font script="Cher" typeface="Plantagenet Cherokee"/>
+        <a:font script="Yiii" typeface="Microsoft Yi Baiti"/>
+        <a:font script="Tibt" typeface="Microsoft Himalaya"/>
+        <a:font script="Thaa" typeface="MV Boli"/>
+        <a:font script="Deva" typeface="Mangal"/>
+        <a:font script="Telu" typeface="Gautami"/>
+        <a:font script="Taml" typeface="Latha"/>
+        <a:font script="Syrc" typeface="Estrangelo Edessa"/>
+        <a:font script="Orya" typeface="Kalinga"/>
+        <a:font script="Mlym" typeface="Kartika"/>
+        <a:font script="Laoo" typeface="DokChampa"/>
+        <a:font script="Sinh" typeface="Iskoola Pota"/>
+        <a:font script="Mong" typeface="Mongolian Baiti"/>
+        <a:font script="Viet" typeface="Times New Roman"/>
+        <a:font script="Uigh" typeface="Microsoft Uighur"/>
+        <a:font script="Geor" typeface="Sylfaen"/>
+      </a:majorFont>
+      <a:minorFont>
+        <a:latin typeface="Arial"/>
+        <a:ea typeface=""/>
+        <a:cs typeface=""/>
+        <a:font script="Jpan" typeface="ＭＳ Ｐゴシック"/>
+        <a:font script="Hang" typeface="맑은 고딕"/>
+        <a:font script="Hans" typeface="宋体"/>
+        <a:font script="Hant" typeface="新細明體"/>
+        <a:font script="Arab" typeface="Arial"/>
+        <a:font script="Hebr" typeface="Arial"/>
+        <a:font script="Thai" typeface="Cordia New"/>
+        <a:font script="Ethi" typeface="Nyala"/>
+        <a:font script="Beng" typeface="Vrinda"/>
+        <a:font script="Gujr" typeface="Shruti"/>
+        <a:font script="Khmr" typeface="DaunPenh"/>
+        <a:font script="Knda" typeface="Tunga"/>
+        <a:font script="Guru" typeface="Raavi"/>
+        <a:font script="Cans" typeface="Euphemia"/>
+        <a:font script="Cher" typeface="Plantagenet Cherokee"/>
+        <a:font script="Yiii" typeface="Microsoft Yi Baiti"/>
+        <a:font script="Tibt" typeface="Microsoft Himalaya"/>
+        <a:font script="Thaa" typeface="MV Boli"/>
+        <a:font script="Deva" typeface="Mangal"/>
+        <a:font script="Telu" typeface="Gautami"/>
+        <a:font script="Taml" typeface="Latha"/>
+        <a:font script="Syrc" typeface="Estrangelo Edessa"/>
+        <a:font script="Orya" typeface="Kalinga"/>
+        <a:font script="Mlym" typeface="Kartika"/>
+        <a:font script="Laoo" typeface="DokChampa"/>
+        <a:font script="Sinh" typeface="Iskoola Pota"/>
+        <a:font script="Mong" typeface="Mongolian Baiti"/>
+        <a:font script="Viet" typeface="Arial"/>
+        <a:font script="Uigh" typeface="Microsoft Uighur"/>
+        <a:font script="Geor" typeface="Sylfaen"/>
+      </a:minorFont>
+    </a:fontScheme>
+    <a:fmtScheme name="Office">
+      <a:fillStyleLst>
+        <a:solidFill>
+          <a:schemeClr val="phClr"/>
+        </a:solidFill>
+        <a:gradFill rotWithShape="1">
+          <a:gsLst>
+            <a:gs pos="0">
+              <a:schemeClr val="phClr">
+                <a:tint val="50000"/>
+                <a:satMod val="300000"/>
+              </a:schemeClr>
+            </a:gs>
+            <a:gs pos="35000">
+              <a:schemeClr val="phClr">
+                <a:tint val="37000"/>
+                <a:satMod val="300000"/>
+              </a:schemeClr>
+            </a:gs>
+            <a:gs pos="100000">
+              <a:schemeClr val="phClr">
+                <a:tint val="15000"/>
+                <a:satMod val="350000"/>
+              </a:schemeClr>
+            </a:gs>
+          </a:gsLst>
+          <a:lin ang="16200000" scaled="1"/>
+        </a:gradFill>
+        <a:gradFill rotWithShape="1">
+          <a:gsLst>
+            <a:gs pos="0">
+              <a:schemeClr val="phClr">
+                <a:tint val="100000"/>
+                <a:shade val="100000"/>
+                <a:satMod val="130000"/>
+              </a:schemeClr>
+            </a:gs>
+            <a:gs pos="100000">
+              <a:schemeClr val="phClr">
+                <a:tint val="50000"/>
+                <a:shade val="100000"/>
+                <a:satMod val="350000"/>
+              </a:schemeClr>
+            </a:gs>
+          </a:gsLst>
+          <a:lin ang="16200000" scaled="0"/>
+        </a:gradFill>
+      </a:fillStyleLst>
+      <a:lnStyleLst>
+        <a:ln w="9525" cap="flat" cmpd="sng" algn="ctr">
+          <a:solidFill>
+            <a:schemeClr val="phClr">
+              <a:shade val="95000"/>
+              <a:satMod val="105000"/>
+            </a:schemeClr>
+          </a:solidFill>
+          <a:prstDash val="solid"/>
+        </a:ln>
+        <a:ln w="25400" cap="flat" cmpd="sng" algn="ctr">
+          <a:solidFill>
+            <a:schemeClr val="phClr"/>
+          </a:solidFill>
+          <a:prstDash val="solid"/>
+        </a:ln>
+        <a:ln w="38100" cap="flat" cmpd="sng" algn="ctr">
+          <a:solidFill>
+            <a:schemeClr val="phClr"/>
+          </a:solidFill>
+          <a:prstDash val="solid"/>
+        </a:ln>
+      </a:lnStyleLst>
+      <a:effectStyleLst>
+        <a:effectStyle>
+          <a:effectLst>
+            <a:outerShdw blurRad="40000" dist="20000" dir="5400000" rotWithShape="0">
+              <a:srgbClr val="000000">
+                <a:alpha val="38000"/>
+              </a:srgbClr>
+            </a:outerShdw>
+          </a:effectLst>
+        </a:effectStyle>
+        <a:effectStyle>
+          <a:effectLst>
+            <a:outerShdw blurRad="40000" dist="23000" dir="5400000" rotWithShape="0">
+              <a:srgbClr val="000000">
+                <a:alpha val="35000"/>
+              </a:srgbClr>
+            </a:outerShdw>
+          </a:effectLst>
+        </a:effectStyle>
+        <a:effectStyle>
+          <a:effectLst>
+            <a:outerShdw blurRad="40000" dist="23000" dir="5400000" rotWithShape="0">
+              <a:srgbClr val="000000">
+                <a:alpha val="35000"/>
+              </a:srgbClr>
+            </a:outerShdw>
+          </a:effectLst>
+          <a:scene3d>
+            <a:camera prst="orthographicFront">
+              <a:rot lat="0" lon="0" rev="0"/>
+            </a:camera>
+            <a:lightRig rig="threePt" dir="t">
+              <a:rot lat="0" lon="0" rev="1200000"/>
+            </a:lightRig>
+          </a:scene3d>
+          <a:sp3d>
+            <a:bevelT w="63500" h="25400"/>
+          </a:sp3d>
+        </a:effectStyle>
+      </a:effectStyleLst>
+      <a:bgFillStyleLst>
+        <a:solidFill>
+          <a:schemeClr val="phClr"/>
+        </a:solidFill>
+        <a:gradFill rotWithShape="1">
+          <a:gsLst>
+            <a:gs pos="0">
+              <a:schemeClr val="phClr">
+                <a:tint val="40000"/>
+                <a:satMod val="350000"/>
+              </a:schemeClr>
+            </a:gs>
+            <a:gs pos="40000">
+              <a:schemeClr val="phClr">
+                <a:tint val="45000"/>
+                <a:shade val="99000"/>
+                <a:satMod val="350000"/>
+              </a:schemeClr>
+            </a:gs>
+            <a:gs pos="100000">
+              <a:schemeClr val="phClr">
+                <a:shade val="20000"/>
+                <a:satMod val="255000"/>
+              </a:schemeClr>
+            </a:gs>
+          </a:gsLst>
+          <a:path path="circle">
+            <a:fillToRect l="50000" t="-80000" r="50000" b="180000"/>
+          </a:path>
+        </a:gradFill>
+        <a:gradFill rotWithShape="1">
+          <a:gsLst>
+            <a:gs pos="0">
+              <a:schemeClr val="phClr">
+                <a:tint val="80000"/>
+                <a:satMod val="300000"/>
+              </a:schemeClr>
+            </a:gs>
+            <a:gs pos="100000">
+              <a:schemeClr val="phClr">
+                <a:shade val="30000"/>
+                <a:satMod val="200000"/>
+              </a:schemeClr>
+            </a:gs>
+          </a:gsLst>
+          <a:path path="circle">
+            <a:fillToRect l="50000" t="50000" r="50000" b="50000"/>
+          </a:path>
+        </a:gradFill>
+      </a:bgFillStyleLst>
+    </a:fmtScheme>
+  </a:themeElements>
+</a:theme>
+</file>
+
+<file path=ppt/theme/theme2.xml><?xml version="1.0" encoding="utf-8"?>
 <a:theme xmlns:a="http://schemas.openxmlformats.org/drawingml/2006/main" xmlns:r="http://schemas.openxmlformats.org/officeDocument/2006/relationships" name="Simple Light">
   <a:themeElements>
     <a:clrScheme name="Simple Light">
@@ -12569,283 +14757,4 @@
     </a:fmtScheme>
   </a:themeElements>
 </a:theme>
-</file>
-
-<file path=ppt/theme/theme2.xml><?xml version="1.0" encoding="utf-8"?>
-<a:theme xmlns:a="http://schemas.openxmlformats.org/drawingml/2006/main" xmlns:r="http://schemas.openxmlformats.org/officeDocument/2006/relationships">
-  <a:themeElements>
-    <a:clrScheme name="Default">
-      <a:dk1>
-        <a:srgbClr val="000000"/>
-      </a:dk1>
-      <a:lt1>
-        <a:srgbClr val="FFFFFF"/>
-      </a:lt1>
-      <a:dk2>
-        <a:srgbClr val="158158"/>
-      </a:dk2>
-      <a:lt2>
-        <a:srgbClr val="F3F3F3"/>
-      </a:lt2>
-      <a:accent1>
-        <a:srgbClr val="058DC7"/>
-      </a:accent1>
-      <a:accent2>
-        <a:srgbClr val="50B432"/>
-      </a:accent2>
-      <a:accent3>
-        <a:srgbClr val="ED561B"/>
-      </a:accent3>
-      <a:accent4>
-        <a:srgbClr val="EDEF00"/>
-      </a:accent4>
-      <a:accent5>
-        <a:srgbClr val="24CBE5"/>
-      </a:accent5>
-      <a:accent6>
-        <a:srgbClr val="64E572"/>
-      </a:accent6>
-      <a:hlink>
-        <a:srgbClr val="2200CC"/>
-      </a:hlink>
-      <a:folHlink>
-        <a:srgbClr val="551A8B"/>
-      </a:folHlink>
-    </a:clrScheme>
-    <a:fontScheme name="Office">
-      <a:majorFont>
-        <a:latin typeface="Arial"/>
-        <a:ea typeface=""/>
-        <a:cs typeface=""/>
-        <a:font script="Jpan" typeface="ＭＳ Ｐゴシック"/>
-        <a:font script="Hang" typeface="맑은 고딕"/>
-        <a:font script="Hans" typeface="宋体"/>
-        <a:font script="Hant" typeface="新細明體"/>
-        <a:font script="Arab" typeface="Times New Roman"/>
-        <a:font script="Hebr" typeface="Times New Roman"/>
-        <a:font script="Thai" typeface="Angsana New"/>
-        <a:font script="Ethi" typeface="Nyala"/>
-        <a:font script="Beng" typeface="Vrinda"/>
-        <a:font script="Gujr" typeface="Shruti"/>
-        <a:font script="Khmr" typeface="MoolBoran"/>
-        <a:font script="Knda" typeface="Tunga"/>
-        <a:font script="Guru" typeface="Raavi"/>
-        <a:font script="Cans" typeface="Euphemia"/>
-        <a:font script="Cher" typeface="Plantagenet Cherokee"/>
-        <a:font script="Yiii" typeface="Microsoft Yi Baiti"/>
-        <a:font script="Tibt" typeface="Microsoft Himalaya"/>
-        <a:font script="Thaa" typeface="MV Boli"/>
-        <a:font script="Deva" typeface="Mangal"/>
-        <a:font script="Telu" typeface="Gautami"/>
-        <a:font script="Taml" typeface="Latha"/>
-        <a:font script="Syrc" typeface="Estrangelo Edessa"/>
-        <a:font script="Orya" typeface="Kalinga"/>
-        <a:font script="Mlym" typeface="Kartika"/>
-        <a:font script="Laoo" typeface="DokChampa"/>
-        <a:font script="Sinh" typeface="Iskoola Pota"/>
-        <a:font script="Mong" typeface="Mongolian Baiti"/>
-        <a:font script="Viet" typeface="Times New Roman"/>
-        <a:font script="Uigh" typeface="Microsoft Uighur"/>
-        <a:font script="Geor" typeface="Sylfaen"/>
-      </a:majorFont>
-      <a:minorFont>
-        <a:latin typeface="Arial"/>
-        <a:ea typeface=""/>
-        <a:cs typeface=""/>
-        <a:font script="Jpan" typeface="ＭＳ Ｐゴシック"/>
-        <a:font script="Hang" typeface="맑은 고딕"/>
-        <a:font script="Hans" typeface="宋体"/>
-        <a:font script="Hant" typeface="新細明體"/>
-        <a:font script="Arab" typeface="Arial"/>
-        <a:font script="Hebr" typeface="Arial"/>
-        <a:font script="Thai" typeface="Cordia New"/>
-        <a:font script="Ethi" typeface="Nyala"/>
-        <a:font script="Beng" typeface="Vrinda"/>
-        <a:font script="Gujr" typeface="Shruti"/>
-        <a:font script="Khmr" typeface="DaunPenh"/>
-        <a:font script="Knda" typeface="Tunga"/>
-        <a:font script="Guru" typeface="Raavi"/>
-        <a:font script="Cans" typeface="Euphemia"/>
-        <a:font script="Cher" typeface="Plantagenet Cherokee"/>
-        <a:font script="Yiii" typeface="Microsoft Yi Baiti"/>
-        <a:font script="Tibt" typeface="Microsoft Himalaya"/>
-        <a:font script="Thaa" typeface="MV Boli"/>
-        <a:font script="Deva" typeface="Mangal"/>
-        <a:font script="Telu" typeface="Gautami"/>
-        <a:font script="Taml" typeface="Latha"/>
-        <a:font script="Syrc" typeface="Estrangelo Edessa"/>
-        <a:font script="Orya" typeface="Kalinga"/>
-        <a:font script="Mlym" typeface="Kartika"/>
-        <a:font script="Laoo" typeface="DokChampa"/>
-        <a:font script="Sinh" typeface="Iskoola Pota"/>
-        <a:font script="Mong" typeface="Mongolian Baiti"/>
-        <a:font script="Viet" typeface="Arial"/>
-        <a:font script="Uigh" typeface="Microsoft Uighur"/>
-        <a:font script="Geor" typeface="Sylfaen"/>
-      </a:minorFont>
-    </a:fontScheme>
-    <a:fmtScheme name="Office">
-      <a:fillStyleLst>
-        <a:solidFill>
-          <a:schemeClr val="phClr"/>
-        </a:solidFill>
-        <a:gradFill rotWithShape="1">
-          <a:gsLst>
-            <a:gs pos="0">
-              <a:schemeClr val="phClr">
-                <a:tint val="50000"/>
-                <a:satMod val="300000"/>
-              </a:schemeClr>
-            </a:gs>
-            <a:gs pos="35000">
-              <a:schemeClr val="phClr">
-                <a:tint val="37000"/>
-                <a:satMod val="300000"/>
-              </a:schemeClr>
-            </a:gs>
-            <a:gs pos="100000">
-              <a:schemeClr val="phClr">
-                <a:tint val="15000"/>
-                <a:satMod val="350000"/>
-              </a:schemeClr>
-            </a:gs>
-          </a:gsLst>
-          <a:lin ang="16200000" scaled="1"/>
-        </a:gradFill>
-        <a:gradFill rotWithShape="1">
-          <a:gsLst>
-            <a:gs pos="0">
-              <a:schemeClr val="phClr">
-                <a:tint val="100000"/>
-                <a:shade val="100000"/>
-                <a:satMod val="130000"/>
-              </a:schemeClr>
-            </a:gs>
-            <a:gs pos="100000">
-              <a:schemeClr val="phClr">
-                <a:tint val="50000"/>
-                <a:shade val="100000"/>
-                <a:satMod val="350000"/>
-              </a:schemeClr>
-            </a:gs>
-          </a:gsLst>
-          <a:lin ang="16200000" scaled="0"/>
-        </a:gradFill>
-      </a:fillStyleLst>
-      <a:lnStyleLst>
-        <a:ln w="9525" cap="flat" cmpd="sng" algn="ctr">
-          <a:solidFill>
-            <a:schemeClr val="phClr">
-              <a:shade val="95000"/>
-              <a:satMod val="105000"/>
-            </a:schemeClr>
-          </a:solidFill>
-          <a:prstDash val="solid"/>
-        </a:ln>
-        <a:ln w="25400" cap="flat" cmpd="sng" algn="ctr">
-          <a:solidFill>
-            <a:schemeClr val="phClr"/>
-          </a:solidFill>
-          <a:prstDash val="solid"/>
-        </a:ln>
-        <a:ln w="38100" cap="flat" cmpd="sng" algn="ctr">
-          <a:solidFill>
-            <a:schemeClr val="phClr"/>
-          </a:solidFill>
-          <a:prstDash val="solid"/>
-        </a:ln>
-      </a:lnStyleLst>
-      <a:effectStyleLst>
-        <a:effectStyle>
-          <a:effectLst>
-            <a:outerShdw blurRad="40000" dist="20000" dir="5400000" rotWithShape="0">
-              <a:srgbClr val="000000">
-                <a:alpha val="38000"/>
-              </a:srgbClr>
-            </a:outerShdw>
-          </a:effectLst>
-        </a:effectStyle>
-        <a:effectStyle>
-          <a:effectLst>
-            <a:outerShdw blurRad="40000" dist="23000" dir="5400000" rotWithShape="0">
-              <a:srgbClr val="000000">
-                <a:alpha val="35000"/>
-              </a:srgbClr>
-            </a:outerShdw>
-          </a:effectLst>
-        </a:effectStyle>
-        <a:effectStyle>
-          <a:effectLst>
-            <a:outerShdw blurRad="40000" dist="23000" dir="5400000" rotWithShape="0">
-              <a:srgbClr val="000000">
-                <a:alpha val="35000"/>
-              </a:srgbClr>
-            </a:outerShdw>
-          </a:effectLst>
-          <a:scene3d>
-            <a:camera prst="orthographicFront">
-              <a:rot lat="0" lon="0" rev="0"/>
-            </a:camera>
-            <a:lightRig rig="threePt" dir="t">
-              <a:rot lat="0" lon="0" rev="1200000"/>
-            </a:lightRig>
-          </a:scene3d>
-          <a:sp3d>
-            <a:bevelT w="63500" h="25400"/>
-          </a:sp3d>
-        </a:effectStyle>
-      </a:effectStyleLst>
-      <a:bgFillStyleLst>
-        <a:solidFill>
-          <a:schemeClr val="phClr"/>
-        </a:solidFill>
-        <a:gradFill rotWithShape="1">
-          <a:gsLst>
-            <a:gs pos="0">
-              <a:schemeClr val="phClr">
-                <a:tint val="40000"/>
-                <a:satMod val="350000"/>
-              </a:schemeClr>
-            </a:gs>
-            <a:gs pos="40000">
-              <a:schemeClr val="phClr">
-                <a:tint val="45000"/>
-                <a:shade val="99000"/>
-                <a:satMod val="350000"/>
-              </a:schemeClr>
-            </a:gs>
-            <a:gs pos="100000">
-              <a:schemeClr val="phClr">
-                <a:shade val="20000"/>
-                <a:satMod val="255000"/>
-              </a:schemeClr>
-            </a:gs>
-          </a:gsLst>
-          <a:path path="circle">
-            <a:fillToRect l="50000" t="-80000" r="50000" b="180000"/>
-          </a:path>
-        </a:gradFill>
-        <a:gradFill rotWithShape="1">
-          <a:gsLst>
-            <a:gs pos="0">
-              <a:schemeClr val="phClr">
-                <a:tint val="80000"/>
-                <a:satMod val="300000"/>
-              </a:schemeClr>
-            </a:gs>
-            <a:gs pos="100000">
-              <a:schemeClr val="phClr">
-                <a:shade val="30000"/>
-                <a:satMod val="200000"/>
-              </a:schemeClr>
-            </a:gs>
-          </a:gsLst>
-          <a:path path="circle">
-            <a:fillToRect l="50000" t="50000" r="50000" b="50000"/>
-          </a:path>
-        </a:gradFill>
-      </a:bgFillStyleLst>
-    </a:fmtScheme>
-  </a:themeElements>
-</a:theme>
 </file>